--- a/ArbolesDecision_v20190213_PPT.pptx
+++ b/ArbolesDecision_v20190213_PPT.pptx
@@ -5,7 +5,7 @@
     <p:sldMasterId id="2147483660" r:id="rId2"/>
   </p:sldMasterIdLst>
   <p:notesMasterIdLst>
-    <p:notesMasterId r:id="rId24"/>
+    <p:notesMasterId r:id="rId29"/>
   </p:notesMasterIdLst>
   <p:sldIdLst>
     <p:sldId id="256" r:id="rId3"/>
@@ -28,7 +28,12 @@
     <p:sldId id="306" r:id="rId20"/>
     <p:sldId id="309" r:id="rId21"/>
     <p:sldId id="310" r:id="rId22"/>
-    <p:sldId id="263" r:id="rId23"/>
+    <p:sldId id="311" r:id="rId23"/>
+    <p:sldId id="312" r:id="rId24"/>
+    <p:sldId id="313" r:id="rId25"/>
+    <p:sldId id="314" r:id="rId26"/>
+    <p:sldId id="315" r:id="rId27"/>
+    <p:sldId id="263" r:id="rId28"/>
   </p:sldIdLst>
   <p:sldSz cx="12192000" cy="6858000"/>
   <p:notesSz cx="6858000" cy="9144000"/>
@@ -156,6 +161,11 @@
             <p14:sldId id="306"/>
             <p14:sldId id="309"/>
             <p14:sldId id="310"/>
+            <p14:sldId id="311"/>
+            <p14:sldId id="312"/>
+            <p14:sldId id="313"/>
+            <p14:sldId id="314"/>
+            <p14:sldId id="315"/>
           </p14:sldIdLst>
         </p14:section>
         <p14:section name="Preguntas y Respuestas" id="{2CC34DB2-6590-42C0-AD4B-A04C6060184E}">
@@ -2746,6 +2756,13 @@
         </dgm:presLayoutVars>
       </dgm:prSet>
       <dgm:spPr/>
+      <dgm:t>
+        <a:bodyPr/>
+        <a:lstStyle/>
+        <a:p>
+          <a:endParaRPr lang="en-US"/>
+        </a:p>
+      </dgm:t>
     </dgm:pt>
     <dgm:pt modelId="{6587A7AD-487B-498C-B536-38BA3259A16C}" type="pres">
       <dgm:prSet presAssocID="{E0C13B29-B594-439C-90C4-47833E056C66}" presName="composite" presStyleCnt="0"/>
@@ -2856,6 +2873,13 @@
         </dgm:presLayoutVars>
       </dgm:prSet>
       <dgm:spPr/>
+      <dgm:t>
+        <a:bodyPr/>
+        <a:lstStyle/>
+        <a:p>
+          <a:endParaRPr lang="en-US"/>
+        </a:p>
+      </dgm:t>
     </dgm:pt>
     <dgm:pt modelId="{263438FA-0B3C-4920-897E-6CFB93FD4FEF}" type="pres">
       <dgm:prSet presAssocID="{17AE3C9B-04C7-4E02-899C-B6C6597F4C24}" presName="ChildText" presStyleLbl="revTx" presStyleIdx="2" presStyleCnt="5">
@@ -2888,6 +2912,13 @@
         </dgm:presLayoutVars>
       </dgm:prSet>
       <dgm:spPr/>
+      <dgm:t>
+        <a:bodyPr/>
+        <a:lstStyle/>
+        <a:p>
+          <a:endParaRPr lang="en-US"/>
+        </a:p>
+      </dgm:t>
     </dgm:pt>
     <dgm:pt modelId="{CD08E2CE-417C-4E5D-B187-D9620080A7A8}" type="pres">
       <dgm:prSet presAssocID="{BAA26F74-128D-4E95-BC74-9D9F6ED3E7DC}" presName="ChildText" presStyleLbl="revTx" presStyleIdx="3" presStyleCnt="5">
@@ -2920,6 +2951,13 @@
         </dgm:presLayoutVars>
       </dgm:prSet>
       <dgm:spPr/>
+      <dgm:t>
+        <a:bodyPr/>
+        <a:lstStyle/>
+        <a:p>
+          <a:endParaRPr lang="en-US"/>
+        </a:p>
+      </dgm:t>
     </dgm:pt>
     <dgm:pt modelId="{C807A5AB-22D6-45C2-856C-A0FEDDB0A905}" type="pres">
       <dgm:prSet presAssocID="{BC9A5D38-5EE3-42F8-828C-0B7032E78374}" presName="ChildText" presStyleLbl="revTx" presStyleIdx="4" presStyleCnt="5">
@@ -2948,22 +2986,29 @@
         </dgm:presLayoutVars>
       </dgm:prSet>
       <dgm:spPr/>
+      <dgm:t>
+        <a:bodyPr/>
+        <a:lstStyle/>
+        <a:p>
+          <a:endParaRPr lang="en-US"/>
+        </a:p>
+      </dgm:t>
     </dgm:pt>
   </dgm:ptLst>
   <dgm:cxnLst>
+    <dgm:cxn modelId="{F6FC3C0B-4B91-4C92-9EE4-F9DA216DB061}" srcId="{F1CE7FA7-75E7-481F-84F4-4EA765E97F3A}" destId="{17AE3C9B-04C7-4E02-899C-B6C6597F4C24}" srcOrd="2" destOrd="0" parTransId="{95089C3F-B3DF-48B0-9B99-9EC646B6B38B}" sibTransId="{9464628E-C8DF-43F4-BA66-A4FC3B245692}"/>
+    <dgm:cxn modelId="{37503DCD-8E1F-4609-89E5-2A80EC269501}" type="presOf" srcId="{17AE3C9B-04C7-4E02-899C-B6C6597F4C24}" destId="{9060E993-001B-4170-B078-91AF73175041}" srcOrd="0" destOrd="0" presId="urn:microsoft.com/office/officeart/2005/8/layout/StepDownProcess"/>
     <dgm:cxn modelId="{EAA64DEE-D1E2-44A6-AC6C-BDD3FC6227E2}" type="presOf" srcId="{7656569D-3941-482A-979A-3D9E6267371D}" destId="{352DFE7C-D03A-471E-8832-CE1AE1A8842B}" srcOrd="0" destOrd="0" presId="urn:microsoft.com/office/officeart/2005/8/layout/StepDownProcess"/>
+    <dgm:cxn modelId="{E943BE49-806B-4788-B6BA-3CE4D03335E5}" srcId="{F1CE7FA7-75E7-481F-84F4-4EA765E97F3A}" destId="{7656569D-3941-482A-979A-3D9E6267371D}" srcOrd="1" destOrd="0" parTransId="{31F43A98-9649-46C7-88D1-2F2FF35FD77E}" sibTransId="{7F237F39-2C20-49D3-80EB-2CDF2B279E94}"/>
+    <dgm:cxn modelId="{D03F5C8F-239C-46B0-9965-2D3783C478C1}" type="presOf" srcId="{BAA26F74-128D-4E95-BC74-9D9F6ED3E7DC}" destId="{722BA770-8335-46DB-B9A1-7F8CBA2CA46D}" srcOrd="0" destOrd="0" presId="urn:microsoft.com/office/officeart/2005/8/layout/StepDownProcess"/>
+    <dgm:cxn modelId="{0EC4371A-B0EC-4343-B3AB-4DFBB807BEBF}" srcId="{F1CE7FA7-75E7-481F-84F4-4EA765E97F3A}" destId="{E0C13B29-B594-439C-90C4-47833E056C66}" srcOrd="0" destOrd="0" parTransId="{6F6F2B78-E08E-4964-93A4-6CE703D81BF8}" sibTransId="{E0D5D074-9A7D-49B2-A5FA-C701B7E8CD94}"/>
     <dgm:cxn modelId="{C056C40F-4701-40A2-9F24-61D27267903B}" type="presOf" srcId="{BC9A5D38-5EE3-42F8-828C-0B7032E78374}" destId="{E287E23E-5E34-47E2-B07C-E38DF63B4F9B}" srcOrd="0" destOrd="0" presId="urn:microsoft.com/office/officeart/2005/8/layout/StepDownProcess"/>
-    <dgm:cxn modelId="{F6FC3C0B-4B91-4C92-9EE4-F9DA216DB061}" srcId="{F1CE7FA7-75E7-481F-84F4-4EA765E97F3A}" destId="{17AE3C9B-04C7-4E02-899C-B6C6597F4C24}" srcOrd="2" destOrd="0" parTransId="{95089C3F-B3DF-48B0-9B99-9EC646B6B38B}" sibTransId="{9464628E-C8DF-43F4-BA66-A4FC3B245692}"/>
-    <dgm:cxn modelId="{E943BE49-806B-4788-B6BA-3CE4D03335E5}" srcId="{F1CE7FA7-75E7-481F-84F4-4EA765E97F3A}" destId="{7656569D-3941-482A-979A-3D9E6267371D}" srcOrd="1" destOrd="0" parTransId="{31F43A98-9649-46C7-88D1-2F2FF35FD77E}" sibTransId="{7F237F39-2C20-49D3-80EB-2CDF2B279E94}"/>
+    <dgm:cxn modelId="{3D03BE69-D984-4CB6-93D5-53D1F66A280E}" srcId="{F1CE7FA7-75E7-481F-84F4-4EA765E97F3A}" destId="{3F28351E-06AD-4FF3-A934-283C56244979}" srcOrd="5" destOrd="0" parTransId="{DE1BCBB0-7CC8-40BD-B802-338750FC792F}" sibTransId="{5908154C-1F73-42C9-81EA-28DF3C8D95E8}"/>
+    <dgm:cxn modelId="{B4114EFB-2EC9-433B-AB2A-C895BCB419B6}" type="presOf" srcId="{3F28351E-06AD-4FF3-A934-283C56244979}" destId="{A557602F-4219-4F6E-8921-948D44897ABA}" srcOrd="0" destOrd="0" presId="urn:microsoft.com/office/officeart/2005/8/layout/StepDownProcess"/>
     <dgm:cxn modelId="{836A78F7-EBD9-401B-BAD2-EFBC5E81AD1D}" srcId="{F1CE7FA7-75E7-481F-84F4-4EA765E97F3A}" destId="{BC9A5D38-5EE3-42F8-828C-0B7032E78374}" srcOrd="4" destOrd="0" parTransId="{5248403B-3BEA-46D0-9720-456960232969}" sibTransId="{C3EDCB2B-5CAE-4F8D-B57C-493408B3C3F8}"/>
-    <dgm:cxn modelId="{D03F5C8F-239C-46B0-9965-2D3783C478C1}" type="presOf" srcId="{BAA26F74-128D-4E95-BC74-9D9F6ED3E7DC}" destId="{722BA770-8335-46DB-B9A1-7F8CBA2CA46D}" srcOrd="0" destOrd="0" presId="urn:microsoft.com/office/officeart/2005/8/layout/StepDownProcess"/>
     <dgm:cxn modelId="{68FC7825-97EA-4CF1-83C5-15702BD8B913}" type="presOf" srcId="{E0C13B29-B594-439C-90C4-47833E056C66}" destId="{BBB4667A-EA60-4558-8776-6A57A237D5BA}" srcOrd="0" destOrd="0" presId="urn:microsoft.com/office/officeart/2005/8/layout/StepDownProcess"/>
-    <dgm:cxn modelId="{B4114EFB-2EC9-433B-AB2A-C895BCB419B6}" type="presOf" srcId="{3F28351E-06AD-4FF3-A934-283C56244979}" destId="{A557602F-4219-4F6E-8921-948D44897ABA}" srcOrd="0" destOrd="0" presId="urn:microsoft.com/office/officeart/2005/8/layout/StepDownProcess"/>
-    <dgm:cxn modelId="{37503DCD-8E1F-4609-89E5-2A80EC269501}" type="presOf" srcId="{17AE3C9B-04C7-4E02-899C-B6C6597F4C24}" destId="{9060E993-001B-4170-B078-91AF73175041}" srcOrd="0" destOrd="0" presId="urn:microsoft.com/office/officeart/2005/8/layout/StepDownProcess"/>
+    <dgm:cxn modelId="{55C1D8B3-22C7-4420-9768-77B97C5A2FA6}" type="presOf" srcId="{F1CE7FA7-75E7-481F-84F4-4EA765E97F3A}" destId="{1E28A041-90DF-4D42-8AC7-D89F6ED0E01A}" srcOrd="0" destOrd="0" presId="urn:microsoft.com/office/officeart/2005/8/layout/StepDownProcess"/>
     <dgm:cxn modelId="{62E6F039-D506-40B7-B83E-3215DF55359F}" srcId="{F1CE7FA7-75E7-481F-84F4-4EA765E97F3A}" destId="{BAA26F74-128D-4E95-BC74-9D9F6ED3E7DC}" srcOrd="3" destOrd="0" parTransId="{276E8CAE-D1CF-410E-B6A8-8E06CE8A8119}" sibTransId="{C0C9B889-E85D-4AF9-BB6D-9BC99784CA07}"/>
-    <dgm:cxn modelId="{0EC4371A-B0EC-4343-B3AB-4DFBB807BEBF}" srcId="{F1CE7FA7-75E7-481F-84F4-4EA765E97F3A}" destId="{E0C13B29-B594-439C-90C4-47833E056C66}" srcOrd="0" destOrd="0" parTransId="{6F6F2B78-E08E-4964-93A4-6CE703D81BF8}" sibTransId="{E0D5D074-9A7D-49B2-A5FA-C701B7E8CD94}"/>
-    <dgm:cxn modelId="{55C1D8B3-22C7-4420-9768-77B97C5A2FA6}" type="presOf" srcId="{F1CE7FA7-75E7-481F-84F4-4EA765E97F3A}" destId="{1E28A041-90DF-4D42-8AC7-D89F6ED0E01A}" srcOrd="0" destOrd="0" presId="urn:microsoft.com/office/officeart/2005/8/layout/StepDownProcess"/>
-    <dgm:cxn modelId="{3D03BE69-D984-4CB6-93D5-53D1F66A280E}" srcId="{F1CE7FA7-75E7-481F-84F4-4EA765E97F3A}" destId="{3F28351E-06AD-4FF3-A934-283C56244979}" srcOrd="5" destOrd="0" parTransId="{DE1BCBB0-7CC8-40BD-B802-338750FC792F}" sibTransId="{5908154C-1F73-42C9-81EA-28DF3C8D95E8}"/>
     <dgm:cxn modelId="{5AF02678-10F0-4AA8-B1C3-F55A120249D5}" type="presParOf" srcId="{1E28A041-90DF-4D42-8AC7-D89F6ED0E01A}" destId="{6587A7AD-487B-498C-B536-38BA3259A16C}" srcOrd="0" destOrd="0" presId="urn:microsoft.com/office/officeart/2005/8/layout/StepDownProcess"/>
     <dgm:cxn modelId="{48485377-84FD-4264-B75A-09E50E56E966}" type="presParOf" srcId="{6587A7AD-487B-498C-B536-38BA3259A16C}" destId="{B1138634-DC76-4453-BB78-F6B5BA4E6466}" srcOrd="0" destOrd="0" presId="urn:microsoft.com/office/officeart/2005/8/layout/StepDownProcess"/>
     <dgm:cxn modelId="{8486D791-FD34-476C-B988-2191F61C377F}" type="presParOf" srcId="{6587A7AD-487B-498C-B536-38BA3259A16C}" destId="{BBB4667A-EA60-4558-8776-6A57A237D5BA}" srcOrd="1" destOrd="0" presId="urn:microsoft.com/office/officeart/2005/8/layout/StepDownProcess"/>
@@ -3320,6 +3365,13 @@
         </dgm:presLayoutVars>
       </dgm:prSet>
       <dgm:spPr/>
+      <dgm:t>
+        <a:bodyPr/>
+        <a:lstStyle/>
+        <a:p>
+          <a:endParaRPr lang="en-US"/>
+        </a:p>
+      </dgm:t>
     </dgm:pt>
     <dgm:pt modelId="{52CB32F1-F301-4830-AA07-0F1438D034E5}" type="pres">
       <dgm:prSet presAssocID="{E222CEF0-B930-439D-9907-138810B31627}" presName="parentText" presStyleLbl="node1" presStyleIdx="0" presStyleCnt="2">
@@ -3329,6 +3381,13 @@
         </dgm:presLayoutVars>
       </dgm:prSet>
       <dgm:spPr/>
+      <dgm:t>
+        <a:bodyPr/>
+        <a:lstStyle/>
+        <a:p>
+          <a:endParaRPr lang="en-US"/>
+        </a:p>
+      </dgm:t>
     </dgm:pt>
     <dgm:pt modelId="{8037761D-9DBE-4967-99F4-2C39C141E6A8}" type="pres">
       <dgm:prSet presAssocID="{E222CEF0-B930-439D-9907-138810B31627}" presName="childText" presStyleLbl="revTx" presStyleIdx="0" presStyleCnt="2">
@@ -3337,6 +3396,13 @@
         </dgm:presLayoutVars>
       </dgm:prSet>
       <dgm:spPr/>
+      <dgm:t>
+        <a:bodyPr/>
+        <a:lstStyle/>
+        <a:p>
+          <a:endParaRPr lang="en-US"/>
+        </a:p>
+      </dgm:t>
     </dgm:pt>
     <dgm:pt modelId="{C74A6AA8-8728-4A4B-9943-5D50681CF39E}" type="pres">
       <dgm:prSet presAssocID="{75F06C51-DBFC-4A39-BF24-AD633F52FC3B}" presName="parentText" presStyleLbl="node1" presStyleIdx="1" presStyleCnt="2">
@@ -3346,6 +3412,13 @@
         </dgm:presLayoutVars>
       </dgm:prSet>
       <dgm:spPr/>
+      <dgm:t>
+        <a:bodyPr/>
+        <a:lstStyle/>
+        <a:p>
+          <a:endParaRPr lang="en-US"/>
+        </a:p>
+      </dgm:t>
     </dgm:pt>
     <dgm:pt modelId="{38B47B1D-1D19-4C17-9B98-1331F42C73B8}" type="pres">
       <dgm:prSet presAssocID="{75F06C51-DBFC-4A39-BF24-AD633F52FC3B}" presName="childText" presStyleLbl="revTx" presStyleIdx="1" presStyleCnt="2">
@@ -3364,23 +3437,23 @@
     </dgm:pt>
   </dgm:ptLst>
   <dgm:cxnLst>
+    <dgm:cxn modelId="{C73B1A4E-41E8-4CE6-B1C5-6CF2501E0797}" type="presOf" srcId="{0EE2B82F-6FAD-422F-88F1-C20228A2C5E6}" destId="{9E4CDF09-87BE-4CED-9A30-4D8686679CCC}" srcOrd="0" destOrd="0" presId="urn:microsoft.com/office/officeart/2005/8/layout/vList2"/>
     <dgm:cxn modelId="{A129B92D-E2BF-4284-8C85-0A86E91526DE}" type="presOf" srcId="{27A7EC7F-98FC-487B-BD85-B12D086D99B3}" destId="{38B47B1D-1D19-4C17-9B98-1331F42C73B8}" srcOrd="0" destOrd="2" presId="urn:microsoft.com/office/officeart/2005/8/layout/vList2"/>
     <dgm:cxn modelId="{A9FF8386-2A05-42AA-A9E2-6363572B4BCB}" srcId="{E222CEF0-B930-439D-9907-138810B31627}" destId="{5C70A57B-116A-4220-AAF7-1893132D0D4E}" srcOrd="2" destOrd="0" parTransId="{52FB4C01-41E0-43E2-B296-1E55F08A2CBC}" sibTransId="{DE2CDBF0-0B77-485F-8B8E-8DB158CFBA25}"/>
-    <dgm:cxn modelId="{296D8DA0-F23F-4F0B-A0B6-731D89B209C9}" type="presOf" srcId="{BF0B3B75-AB61-44D9-988A-75DCB739842D}" destId="{38B47B1D-1D19-4C17-9B98-1331F42C73B8}" srcOrd="0" destOrd="1" presId="urn:microsoft.com/office/officeart/2005/8/layout/vList2"/>
-    <dgm:cxn modelId="{C6BD7B50-0285-40DF-A5F1-4809B02BBF7E}" srcId="{0EE2B82F-6FAD-422F-88F1-C20228A2C5E6}" destId="{75F06C51-DBFC-4A39-BF24-AD633F52FC3B}" srcOrd="1" destOrd="0" parTransId="{F95635CB-726C-41A6-A906-793C42307691}" sibTransId="{C5B8845E-0D3F-48AD-B30A-C5FCD8E41210}"/>
-    <dgm:cxn modelId="{E71BA833-9FC6-41D5-9550-B36BEDA88062}" srcId="{75F06C51-DBFC-4A39-BF24-AD633F52FC3B}" destId="{3E3EE34D-7A38-46CE-A099-7F24E7B614E2}" srcOrd="0" destOrd="0" parTransId="{29372277-FDE9-4675-A307-33D96B7F8C09}" sibTransId="{B1637710-264B-4654-AF12-3684193B1347}"/>
     <dgm:cxn modelId="{40EF7696-37AE-4B3A-B5C2-C209986652AF}" type="presOf" srcId="{5C70A57B-116A-4220-AAF7-1893132D0D4E}" destId="{8037761D-9DBE-4967-99F4-2C39C141E6A8}" srcOrd="0" destOrd="2" presId="urn:microsoft.com/office/officeart/2005/8/layout/vList2"/>
-    <dgm:cxn modelId="{251D5D15-B51B-4171-B5FF-460B480B3A7B}" type="presOf" srcId="{75F06C51-DBFC-4A39-BF24-AD633F52FC3B}" destId="{C74A6AA8-8728-4A4B-9943-5D50681CF39E}" srcOrd="0" destOrd="0" presId="urn:microsoft.com/office/officeart/2005/8/layout/vList2"/>
+    <dgm:cxn modelId="{AC92B22D-A51B-4485-8B06-519D8C3B24A8}" srcId="{E222CEF0-B930-439D-9907-138810B31627}" destId="{ADF4B558-C662-4D5D-8EAA-2295C869CA9D}" srcOrd="0" destOrd="0" parTransId="{1E308CAC-1D24-422D-B84A-6AD736D70565}" sibTransId="{942CD703-3848-4EA1-B2BC-176351E399F4}"/>
     <dgm:cxn modelId="{0C4639D2-B528-469A-9376-14918DF49BFA}" srcId="{75F06C51-DBFC-4A39-BF24-AD633F52FC3B}" destId="{BF0B3B75-AB61-44D9-988A-75DCB739842D}" srcOrd="1" destOrd="0" parTransId="{E0A1BE48-4E61-4051-B164-F162F50F4774}" sibTransId="{A996091A-6427-4099-87D4-826D65416D84}"/>
-    <dgm:cxn modelId="{F05A3843-04AA-46B6-8166-3F74590DE523}" srcId="{0EE2B82F-6FAD-422F-88F1-C20228A2C5E6}" destId="{E222CEF0-B930-439D-9907-138810B31627}" srcOrd="0" destOrd="0" parTransId="{5C146689-6749-4362-876B-FAC89E9ABD97}" sibTransId="{07253D8F-48AA-4CE2-B82E-031E57DB1F80}"/>
-    <dgm:cxn modelId="{04494600-0868-4F75-99F4-F922274DD375}" type="presOf" srcId="{3E3EE34D-7A38-46CE-A099-7F24E7B614E2}" destId="{38B47B1D-1D19-4C17-9B98-1331F42C73B8}" srcOrd="0" destOrd="0" presId="urn:microsoft.com/office/officeart/2005/8/layout/vList2"/>
-    <dgm:cxn modelId="{AC92B22D-A51B-4485-8B06-519D8C3B24A8}" srcId="{E222CEF0-B930-439D-9907-138810B31627}" destId="{ADF4B558-C662-4D5D-8EAA-2295C869CA9D}" srcOrd="0" destOrd="0" parTransId="{1E308CAC-1D24-422D-B84A-6AD736D70565}" sibTransId="{942CD703-3848-4EA1-B2BC-176351E399F4}"/>
-    <dgm:cxn modelId="{26FD0F59-AD8F-4A43-A320-BCDF2F6463AB}" srcId="{E222CEF0-B930-439D-9907-138810B31627}" destId="{A4AA0BFF-1492-42CC-A120-0DE203818B6C}" srcOrd="1" destOrd="0" parTransId="{DBF28B42-ADA4-4975-8E8E-1E44502CEF9F}" sibTransId="{DF55C70C-6F98-4ECC-8860-E7A98A7E6D94}"/>
-    <dgm:cxn modelId="{C73B1A4E-41E8-4CE6-B1C5-6CF2501E0797}" type="presOf" srcId="{0EE2B82F-6FAD-422F-88F1-C20228A2C5E6}" destId="{9E4CDF09-87BE-4CED-9A30-4D8686679CCC}" srcOrd="0" destOrd="0" presId="urn:microsoft.com/office/officeart/2005/8/layout/vList2"/>
-    <dgm:cxn modelId="{5F40B3A4-F842-4026-8B3E-A56D5460B8BD}" srcId="{75F06C51-DBFC-4A39-BF24-AD633F52FC3B}" destId="{27A7EC7F-98FC-487B-BD85-B12D086D99B3}" srcOrd="2" destOrd="0" parTransId="{546CA6E7-1ECE-49E1-8DBA-D2CAE5CFB20C}" sibTransId="{A5DF9788-1F3E-41EF-982A-3922700A1262}"/>
     <dgm:cxn modelId="{39076B13-3491-4F12-ABF1-BD1FCEF04E51}" type="presOf" srcId="{ADF4B558-C662-4D5D-8EAA-2295C869CA9D}" destId="{8037761D-9DBE-4967-99F4-2C39C141E6A8}" srcOrd="0" destOrd="0" presId="urn:microsoft.com/office/officeart/2005/8/layout/vList2"/>
     <dgm:cxn modelId="{BBF74FAD-9928-4B54-870F-F75C4C9C7305}" type="presOf" srcId="{E222CEF0-B930-439D-9907-138810B31627}" destId="{52CB32F1-F301-4830-AA07-0F1438D034E5}" srcOrd="0" destOrd="0" presId="urn:microsoft.com/office/officeart/2005/8/layout/vList2"/>
     <dgm:cxn modelId="{2ED04B0E-C4BF-4FD8-B78C-F55338592B8D}" type="presOf" srcId="{A4AA0BFF-1492-42CC-A120-0DE203818B6C}" destId="{8037761D-9DBE-4967-99F4-2C39C141E6A8}" srcOrd="0" destOrd="1" presId="urn:microsoft.com/office/officeart/2005/8/layout/vList2"/>
+    <dgm:cxn modelId="{296D8DA0-F23F-4F0B-A0B6-731D89B209C9}" type="presOf" srcId="{BF0B3B75-AB61-44D9-988A-75DCB739842D}" destId="{38B47B1D-1D19-4C17-9B98-1331F42C73B8}" srcOrd="0" destOrd="1" presId="urn:microsoft.com/office/officeart/2005/8/layout/vList2"/>
+    <dgm:cxn modelId="{F05A3843-04AA-46B6-8166-3F74590DE523}" srcId="{0EE2B82F-6FAD-422F-88F1-C20228A2C5E6}" destId="{E222CEF0-B930-439D-9907-138810B31627}" srcOrd="0" destOrd="0" parTransId="{5C146689-6749-4362-876B-FAC89E9ABD97}" sibTransId="{07253D8F-48AA-4CE2-B82E-031E57DB1F80}"/>
+    <dgm:cxn modelId="{5F40B3A4-F842-4026-8B3E-A56D5460B8BD}" srcId="{75F06C51-DBFC-4A39-BF24-AD633F52FC3B}" destId="{27A7EC7F-98FC-487B-BD85-B12D086D99B3}" srcOrd="2" destOrd="0" parTransId="{546CA6E7-1ECE-49E1-8DBA-D2CAE5CFB20C}" sibTransId="{A5DF9788-1F3E-41EF-982A-3922700A1262}"/>
+    <dgm:cxn modelId="{04494600-0868-4F75-99F4-F922274DD375}" type="presOf" srcId="{3E3EE34D-7A38-46CE-A099-7F24E7B614E2}" destId="{38B47B1D-1D19-4C17-9B98-1331F42C73B8}" srcOrd="0" destOrd="0" presId="urn:microsoft.com/office/officeart/2005/8/layout/vList2"/>
+    <dgm:cxn modelId="{26FD0F59-AD8F-4A43-A320-BCDF2F6463AB}" srcId="{E222CEF0-B930-439D-9907-138810B31627}" destId="{A4AA0BFF-1492-42CC-A120-0DE203818B6C}" srcOrd="1" destOrd="0" parTransId="{DBF28B42-ADA4-4975-8E8E-1E44502CEF9F}" sibTransId="{DF55C70C-6F98-4ECC-8860-E7A98A7E6D94}"/>
+    <dgm:cxn modelId="{C6BD7B50-0285-40DF-A5F1-4809B02BBF7E}" srcId="{0EE2B82F-6FAD-422F-88F1-C20228A2C5E6}" destId="{75F06C51-DBFC-4A39-BF24-AD633F52FC3B}" srcOrd="1" destOrd="0" parTransId="{F95635CB-726C-41A6-A906-793C42307691}" sibTransId="{C5B8845E-0D3F-48AD-B30A-C5FCD8E41210}"/>
+    <dgm:cxn modelId="{E71BA833-9FC6-41D5-9550-B36BEDA88062}" srcId="{75F06C51-DBFC-4A39-BF24-AD633F52FC3B}" destId="{3E3EE34D-7A38-46CE-A099-7F24E7B614E2}" srcOrd="0" destOrd="0" parTransId="{29372277-FDE9-4675-A307-33D96B7F8C09}" sibTransId="{B1637710-264B-4654-AF12-3684193B1347}"/>
+    <dgm:cxn modelId="{251D5D15-B51B-4171-B5FF-460B480B3A7B}" type="presOf" srcId="{75F06C51-DBFC-4A39-BF24-AD633F52FC3B}" destId="{C74A6AA8-8728-4A4B-9943-5D50681CF39E}" srcOrd="0" destOrd="0" presId="urn:microsoft.com/office/officeart/2005/8/layout/vList2"/>
     <dgm:cxn modelId="{C6AEBA29-FBD3-4F1F-A8E7-9AEB7918FB7E}" type="presParOf" srcId="{9E4CDF09-87BE-4CED-9A30-4D8686679CCC}" destId="{52CB32F1-F301-4830-AA07-0F1438D034E5}" srcOrd="0" destOrd="0" presId="urn:microsoft.com/office/officeart/2005/8/layout/vList2"/>
     <dgm:cxn modelId="{054C0F7A-D8E1-4EDA-BD48-D187B453B24A}" type="presParOf" srcId="{9E4CDF09-87BE-4CED-9A30-4D8686679CCC}" destId="{8037761D-9DBE-4967-99F4-2C39C141E6A8}" srcOrd="1" destOrd="0" presId="urn:microsoft.com/office/officeart/2005/8/layout/vList2"/>
     <dgm:cxn modelId="{211EE89C-4BCB-462B-AF1F-5395FE095C58}" type="presParOf" srcId="{9E4CDF09-87BE-4CED-9A30-4D8686679CCC}" destId="{C74A6AA8-8728-4A4B-9943-5D50681CF39E}" srcOrd="2" destOrd="0" presId="urn:microsoft.com/office/officeart/2005/8/layout/vList2"/>
@@ -3858,6 +3931,13 @@
         </dgm:presLayoutVars>
       </dgm:prSet>
       <dgm:spPr/>
+      <dgm:t>
+        <a:bodyPr/>
+        <a:lstStyle/>
+        <a:p>
+          <a:endParaRPr lang="en-US"/>
+        </a:p>
+      </dgm:t>
     </dgm:pt>
     <dgm:pt modelId="{52CB32F1-F301-4830-AA07-0F1438D034E5}" type="pres">
       <dgm:prSet presAssocID="{E222CEF0-B930-439D-9907-138810B31627}" presName="parentText" presStyleLbl="node1" presStyleIdx="0" presStyleCnt="2" custScaleY="36151">
@@ -3867,6 +3947,13 @@
         </dgm:presLayoutVars>
       </dgm:prSet>
       <dgm:spPr/>
+      <dgm:t>
+        <a:bodyPr/>
+        <a:lstStyle/>
+        <a:p>
+          <a:endParaRPr lang="en-US"/>
+        </a:p>
+      </dgm:t>
     </dgm:pt>
     <dgm:pt modelId="{8037761D-9DBE-4967-99F4-2C39C141E6A8}" type="pres">
       <dgm:prSet presAssocID="{E222CEF0-B930-439D-9907-138810B31627}" presName="childText" presStyleLbl="revTx" presStyleIdx="0" presStyleCnt="2">
@@ -3891,6 +3978,13 @@
         </dgm:presLayoutVars>
       </dgm:prSet>
       <dgm:spPr/>
+      <dgm:t>
+        <a:bodyPr/>
+        <a:lstStyle/>
+        <a:p>
+          <a:endParaRPr lang="en-US"/>
+        </a:p>
+      </dgm:t>
     </dgm:pt>
     <dgm:pt modelId="{38B47B1D-1D19-4C17-9B98-1331F42C73B8}" type="pres">
       <dgm:prSet presAssocID="{75F06C51-DBFC-4A39-BF24-AD633F52FC3B}" presName="childText" presStyleLbl="revTx" presStyleIdx="1" presStyleCnt="2">
@@ -3913,25 +4007,25 @@
     <dgm:cxn modelId="{CE44B390-FD26-4E8D-A39E-AD801A5C4F61}" srcId="{E222CEF0-B930-439D-9907-138810B31627}" destId="{FB7B3F31-3532-4AFD-A8DE-FB364BACF63C}" srcOrd="4" destOrd="0" parTransId="{B59272BF-032D-4357-B607-6002C5B71AA3}" sibTransId="{481FB39D-B65C-45AA-AC8D-F05F9160EAA5}"/>
     <dgm:cxn modelId="{54E7D151-A432-43BF-81C5-57D20B14B9B2}" type="presOf" srcId="{564BBC43-87C0-47AD-9167-3CE15120AA67}" destId="{38B47B1D-1D19-4C17-9B98-1331F42C73B8}" srcOrd="0" destOrd="1" presId="urn:microsoft.com/office/officeart/2005/8/layout/vList2"/>
     <dgm:cxn modelId="{328944CF-13BA-45FD-8E4D-6E35078F444F}" type="presOf" srcId="{3E3EE34D-7A38-46CE-A099-7F24E7B614E2}" destId="{38B47B1D-1D19-4C17-9B98-1331F42C73B8}" srcOrd="0" destOrd="0" presId="urn:microsoft.com/office/officeart/2005/8/layout/vList2"/>
-    <dgm:cxn modelId="{5C984460-B295-489B-B474-508BEA085714}" srcId="{75F06C51-DBFC-4A39-BF24-AD633F52FC3B}" destId="{2039F1FB-5567-47F0-98B0-438A97B09485}" srcOrd="2" destOrd="0" parTransId="{746B460F-2E8D-4391-BCB7-76A6E8B7133E}" sibTransId="{24ECEE62-D806-46AD-BDBA-99C9ED8298E7}"/>
     <dgm:cxn modelId="{5925F5C6-A012-459A-BEEA-79F161BB6F07}" srcId="{E222CEF0-B930-439D-9907-138810B31627}" destId="{950BBE74-B0B4-414A-B702-B77AE8938D1F}" srcOrd="3" destOrd="0" parTransId="{449CA498-69E8-4E08-8A28-E14C95622825}" sibTransId="{5F0CF655-B43E-47E3-B593-DB27C51B8610}"/>
     <dgm:cxn modelId="{3C929774-FED5-447E-A205-62B0A7294700}" srcId="{E222CEF0-B930-439D-9907-138810B31627}" destId="{CFC8EBCD-1C28-4D8E-841E-1FFE548FF412}" srcOrd="2" destOrd="0" parTransId="{FEA41518-BC56-4A89-A56A-E4E8ECAB540A}" sibTransId="{A6CB2EE2-BCEC-4A76-8DE9-855D25949890}"/>
+    <dgm:cxn modelId="{5C984460-B295-489B-B474-508BEA085714}" srcId="{75F06C51-DBFC-4A39-BF24-AD633F52FC3B}" destId="{2039F1FB-5567-47F0-98B0-438A97B09485}" srcOrd="2" destOrd="0" parTransId="{746B460F-2E8D-4391-BCB7-76A6E8B7133E}" sibTransId="{24ECEE62-D806-46AD-BDBA-99C9ED8298E7}"/>
     <dgm:cxn modelId="{BAB164FF-8B94-49B1-9DC1-5487D8E229EE}" type="presOf" srcId="{75F06C51-DBFC-4A39-BF24-AD633F52FC3B}" destId="{C74A6AA8-8728-4A4B-9943-5D50681CF39E}" srcOrd="0" destOrd="0" presId="urn:microsoft.com/office/officeart/2005/8/layout/vList2"/>
     <dgm:cxn modelId="{7F903121-06CF-42A8-AD55-C3A40D0F26A8}" srcId="{E222CEF0-B930-439D-9907-138810B31627}" destId="{B2AE195D-14D5-4FEC-9242-A01DDB7E96FB}" srcOrd="1" destOrd="0" parTransId="{E7047F06-A602-4292-AABD-41B0132158F4}" sibTransId="{FA4DFAED-6982-4C25-9C01-00506CC8635D}"/>
     <dgm:cxn modelId="{DC96C411-05C4-4697-821E-91053938721E}" type="presOf" srcId="{E222CEF0-B930-439D-9907-138810B31627}" destId="{52CB32F1-F301-4830-AA07-0F1438D034E5}" srcOrd="0" destOrd="0" presId="urn:microsoft.com/office/officeart/2005/8/layout/vList2"/>
     <dgm:cxn modelId="{AC92B22D-A51B-4485-8B06-519D8C3B24A8}" srcId="{E222CEF0-B930-439D-9907-138810B31627}" destId="{ADF4B558-C662-4D5D-8EAA-2295C869CA9D}" srcOrd="0" destOrd="0" parTransId="{1E308CAC-1D24-422D-B84A-6AD736D70565}" sibTransId="{942CD703-3848-4EA1-B2BC-176351E399F4}"/>
     <dgm:cxn modelId="{062537F6-0315-4209-8FDF-0B55C586A78E}" type="presOf" srcId="{B2AE195D-14D5-4FEC-9242-A01DDB7E96FB}" destId="{8037761D-9DBE-4967-99F4-2C39C141E6A8}" srcOrd="0" destOrd="1" presId="urn:microsoft.com/office/officeart/2005/8/layout/vList2"/>
+    <dgm:cxn modelId="{B8856000-3FDB-46A9-ACC4-9B9186A6F3F4}" type="presOf" srcId="{ADF4B558-C662-4D5D-8EAA-2295C869CA9D}" destId="{8037761D-9DBE-4967-99F4-2C39C141E6A8}" srcOrd="0" destOrd="0" presId="urn:microsoft.com/office/officeart/2005/8/layout/vList2"/>
     <dgm:cxn modelId="{F05A3843-04AA-46B6-8166-3F74590DE523}" srcId="{0EE2B82F-6FAD-422F-88F1-C20228A2C5E6}" destId="{E222CEF0-B930-439D-9907-138810B31627}" srcOrd="0" destOrd="0" parTransId="{5C146689-6749-4362-876B-FAC89E9ABD97}" sibTransId="{07253D8F-48AA-4CE2-B82E-031E57DB1F80}"/>
-    <dgm:cxn modelId="{B8856000-3FDB-46A9-ACC4-9B9186A6F3F4}" type="presOf" srcId="{ADF4B558-C662-4D5D-8EAA-2295C869CA9D}" destId="{8037761D-9DBE-4967-99F4-2C39C141E6A8}" srcOrd="0" destOrd="0" presId="urn:microsoft.com/office/officeart/2005/8/layout/vList2"/>
     <dgm:cxn modelId="{29B55CA3-22FA-44C5-9DE2-4700992FBE4E}" srcId="{E222CEF0-B930-439D-9907-138810B31627}" destId="{E6A1DDDB-F950-49BD-B16B-0C6FB5D61213}" srcOrd="6" destOrd="0" parTransId="{FDDB3389-E8A6-479E-89A6-480024E2BCE0}" sibTransId="{AD04C080-7E8A-497C-9DCD-026281374EDA}"/>
     <dgm:cxn modelId="{535D9036-6D51-46C2-873C-6FA1F05CA5D4}" srcId="{E222CEF0-B930-439D-9907-138810B31627}" destId="{18663F2C-C865-4623-9EF2-CAE9F3EF6316}" srcOrd="5" destOrd="0" parTransId="{E99F6D1C-877C-41D5-A310-7490248A9437}" sibTransId="{4FCDC2C3-085E-4CEB-8CA2-CECE2837337B}"/>
     <dgm:cxn modelId="{FDB39A6A-17F8-4092-B73C-E0D1185CCCBF}" type="presOf" srcId="{0EE2B82F-6FAD-422F-88F1-C20228A2C5E6}" destId="{9E4CDF09-87BE-4CED-9A30-4D8686679CCC}" srcOrd="0" destOrd="0" presId="urn:microsoft.com/office/officeart/2005/8/layout/vList2"/>
+    <dgm:cxn modelId="{C6BD7B50-0285-40DF-A5F1-4809B02BBF7E}" srcId="{0EE2B82F-6FAD-422F-88F1-C20228A2C5E6}" destId="{75F06C51-DBFC-4A39-BF24-AD633F52FC3B}" srcOrd="1" destOrd="0" parTransId="{F95635CB-726C-41A6-A906-793C42307691}" sibTransId="{C5B8845E-0D3F-48AD-B30A-C5FCD8E41210}"/>
     <dgm:cxn modelId="{F5D45B80-76A7-4F44-96CF-EA3703D11356}" srcId="{75F06C51-DBFC-4A39-BF24-AD633F52FC3B}" destId="{564BBC43-87C0-47AD-9167-3CE15120AA67}" srcOrd="1" destOrd="0" parTransId="{4BA4C2DC-B264-47F5-915B-04D46997FFCA}" sibTransId="{4278D1F3-D004-46DA-9A5D-CCBFE7A40CAD}"/>
-    <dgm:cxn modelId="{C6BD7B50-0285-40DF-A5F1-4809B02BBF7E}" srcId="{0EE2B82F-6FAD-422F-88F1-C20228A2C5E6}" destId="{75F06C51-DBFC-4A39-BF24-AD633F52FC3B}" srcOrd="1" destOrd="0" parTransId="{F95635CB-726C-41A6-A906-793C42307691}" sibTransId="{C5B8845E-0D3F-48AD-B30A-C5FCD8E41210}"/>
     <dgm:cxn modelId="{E71BA833-9FC6-41D5-9550-B36BEDA88062}" srcId="{75F06C51-DBFC-4A39-BF24-AD633F52FC3B}" destId="{3E3EE34D-7A38-46CE-A099-7F24E7B614E2}" srcOrd="0" destOrd="0" parTransId="{29372277-FDE9-4675-A307-33D96B7F8C09}" sibTransId="{B1637710-264B-4654-AF12-3684193B1347}"/>
     <dgm:cxn modelId="{D091F165-7666-480C-8956-8973027E2626}" type="presOf" srcId="{FB7B3F31-3532-4AFD-A8DE-FB364BACF63C}" destId="{8037761D-9DBE-4967-99F4-2C39C141E6A8}" srcOrd="0" destOrd="4" presId="urn:microsoft.com/office/officeart/2005/8/layout/vList2"/>
+    <dgm:cxn modelId="{970E3EC6-D399-4791-A00A-419D9C2CAF89}" type="presOf" srcId="{18663F2C-C865-4623-9EF2-CAE9F3EF6316}" destId="{8037761D-9DBE-4967-99F4-2C39C141E6A8}" srcOrd="0" destOrd="5" presId="urn:microsoft.com/office/officeart/2005/8/layout/vList2"/>
     <dgm:cxn modelId="{11C16EB7-87DD-46A4-934F-B7B4FAE4C6B8}" type="presOf" srcId="{E6A1DDDB-F950-49BD-B16B-0C6FB5D61213}" destId="{8037761D-9DBE-4967-99F4-2C39C141E6A8}" srcOrd="0" destOrd="6" presId="urn:microsoft.com/office/officeart/2005/8/layout/vList2"/>
-    <dgm:cxn modelId="{970E3EC6-D399-4791-A00A-419D9C2CAF89}" type="presOf" srcId="{18663F2C-C865-4623-9EF2-CAE9F3EF6316}" destId="{8037761D-9DBE-4967-99F4-2C39C141E6A8}" srcOrd="0" destOrd="5" presId="urn:microsoft.com/office/officeart/2005/8/layout/vList2"/>
     <dgm:cxn modelId="{BB400E13-6E61-4151-89FC-CFA7C226FFE7}" type="presOf" srcId="{CFC8EBCD-1C28-4D8E-841E-1FFE548FF412}" destId="{8037761D-9DBE-4967-99F4-2C39C141E6A8}" srcOrd="0" destOrd="2" presId="urn:microsoft.com/office/officeart/2005/8/layout/vList2"/>
     <dgm:cxn modelId="{4DB2EC1F-E2FC-4538-8055-3B8981246CC8}" type="presOf" srcId="{950BBE74-B0B4-414A-B702-B77AE8938D1F}" destId="{8037761D-9DBE-4967-99F4-2C39C141E6A8}" srcOrd="0" destOrd="3" presId="urn:microsoft.com/office/officeart/2005/8/layout/vList2"/>
     <dgm:cxn modelId="{720BE7B5-5F7E-43CF-BF8B-0CC3CB6A7FAB}" type="presParOf" srcId="{9E4CDF09-87BE-4CED-9A30-4D8686679CCC}" destId="{52CB32F1-F301-4830-AA07-0F1438D034E5}" srcOrd="0" destOrd="0" presId="urn:microsoft.com/office/officeart/2005/8/layout/vList2"/>
@@ -3957,911 +4051,6 @@
       <dsp:cNvGrpSpPr/>
     </dsp:nvGrpSpPr>
     <dsp:grpSpPr/>
-    <dsp:sp modelId="{B1138634-DC76-4453-BB78-F6B5BA4E6466}">
-      <dsp:nvSpPr>
-        <dsp:cNvPr id="0" name=""/>
-        <dsp:cNvSpPr/>
-      </dsp:nvSpPr>
-      <dsp:spPr>
-        <a:xfrm rot="5400000">
-          <a:off x="2935929" y="721758"/>
-          <a:ext cx="621271" cy="707296"/>
-        </a:xfrm>
-        <a:prstGeom prst="bentUpArrow">
-          <a:avLst>
-            <a:gd name="adj1" fmla="val 32840"/>
-            <a:gd name="adj2" fmla="val 25000"/>
-            <a:gd name="adj3" fmla="val 35780"/>
-          </a:avLst>
-        </a:prstGeom>
-        <a:solidFill>
-          <a:schemeClr val="accent1">
-            <a:tint val="50000"/>
-            <a:hueOff val="0"/>
-            <a:satOff val="0"/>
-            <a:lumOff val="0"/>
-            <a:alphaOff val="0"/>
-          </a:schemeClr>
-        </a:solidFill>
-        <a:ln w="12700" cap="flat" cmpd="sng" algn="ctr">
-          <a:solidFill>
-            <a:schemeClr val="lt1">
-              <a:hueOff val="0"/>
-              <a:satOff val="0"/>
-              <a:lumOff val="0"/>
-              <a:alphaOff val="0"/>
-            </a:schemeClr>
-          </a:solidFill>
-          <a:prstDash val="solid"/>
-          <a:miter lim="800000"/>
-        </a:ln>
-        <a:effectLst/>
-      </dsp:spPr>
-      <dsp:style>
-        <a:lnRef idx="2">
-          <a:scrgbClr r="0" g="0" b="0"/>
-        </a:lnRef>
-        <a:fillRef idx="1">
-          <a:scrgbClr r="0" g="0" b="0"/>
-        </a:fillRef>
-        <a:effectRef idx="0">
-          <a:scrgbClr r="0" g="0" b="0"/>
-        </a:effectRef>
-        <a:fontRef idx="minor"/>
-      </dsp:style>
-    </dsp:sp>
-    <dsp:sp modelId="{BBB4667A-EA60-4558-8776-6A57A237D5BA}">
-      <dsp:nvSpPr>
-        <dsp:cNvPr id="0" name=""/>
-        <dsp:cNvSpPr/>
-      </dsp:nvSpPr>
-      <dsp:spPr>
-        <a:xfrm>
-          <a:off x="2771330" y="33065"/>
-          <a:ext cx="1045856" cy="732065"/>
-        </a:xfrm>
-        <a:prstGeom prst="roundRect">
-          <a:avLst>
-            <a:gd name="adj" fmla="val 16670"/>
-          </a:avLst>
-        </a:prstGeom>
-        <a:solidFill>
-          <a:schemeClr val="accent1">
-            <a:hueOff val="0"/>
-            <a:satOff val="0"/>
-            <a:lumOff val="0"/>
-            <a:alphaOff val="0"/>
-          </a:schemeClr>
-        </a:solidFill>
-        <a:ln w="12700" cap="flat" cmpd="sng" algn="ctr">
-          <a:solidFill>
-            <a:schemeClr val="lt1">
-              <a:hueOff val="0"/>
-              <a:satOff val="0"/>
-              <a:lumOff val="0"/>
-              <a:alphaOff val="0"/>
-            </a:schemeClr>
-          </a:solidFill>
-          <a:prstDash val="solid"/>
-          <a:miter lim="800000"/>
-        </a:ln>
-        <a:effectLst/>
-      </dsp:spPr>
-      <dsp:style>
-        <a:lnRef idx="2">
-          <a:scrgbClr r="0" g="0" b="0"/>
-        </a:lnRef>
-        <a:fillRef idx="1">
-          <a:scrgbClr r="0" g="0" b="0"/>
-        </a:fillRef>
-        <a:effectRef idx="0">
-          <a:scrgbClr r="0" g="0" b="0"/>
-        </a:effectRef>
-        <a:fontRef idx="minor">
-          <a:schemeClr val="lt1"/>
-        </a:fontRef>
-      </dsp:style>
-      <dsp:txBody>
-        <a:bodyPr spcFirstLastPara="0" vert="horz" wrap="square" lIns="38100" tIns="38100" rIns="38100" bIns="38100" numCol="1" spcCol="1270" anchor="ctr" anchorCtr="0">
-          <a:noAutofit/>
-        </a:bodyPr>
-        <a:lstStyle/>
-        <a:p>
-          <a:pPr lvl="0" algn="ctr" defTabSz="444500">
-            <a:lnSpc>
-              <a:spcPct val="90000"/>
-            </a:lnSpc>
-            <a:spcBef>
-              <a:spcPct val="0"/>
-            </a:spcBef>
-            <a:spcAft>
-              <a:spcPct val="35000"/>
-            </a:spcAft>
-          </a:pPr>
-          <a:r>
-            <a:rPr lang="es-MX" sz="1000" kern="1200" dirty="0" smtClean="0"/>
-            <a:t>Determinar la pregunta Inicial</a:t>
-          </a:r>
-          <a:endParaRPr lang="en-US" sz="1000" kern="1200" dirty="0"/>
-        </a:p>
-      </dsp:txBody>
-      <dsp:txXfrm>
-        <a:off x="2807073" y="68808"/>
-        <a:ext cx="974370" cy="660579"/>
-      </dsp:txXfrm>
-    </dsp:sp>
-    <dsp:sp modelId="{698B67A9-E166-4BE2-98BB-8398968891B7}">
-      <dsp:nvSpPr>
-        <dsp:cNvPr id="0" name=""/>
-        <dsp:cNvSpPr/>
-      </dsp:nvSpPr>
-      <dsp:spPr>
-        <a:xfrm>
-          <a:off x="3817186" y="102884"/>
-          <a:ext cx="760656" cy="591687"/>
-        </a:xfrm>
-        <a:prstGeom prst="rect">
-          <a:avLst/>
-        </a:prstGeom>
-        <a:noFill/>
-        <a:ln>
-          <a:noFill/>
-        </a:ln>
-        <a:effectLst/>
-      </dsp:spPr>
-      <dsp:style>
-        <a:lnRef idx="0">
-          <a:scrgbClr r="0" g="0" b="0"/>
-        </a:lnRef>
-        <a:fillRef idx="0">
-          <a:scrgbClr r="0" g="0" b="0"/>
-        </a:fillRef>
-        <a:effectRef idx="0">
-          <a:scrgbClr r="0" g="0" b="0"/>
-        </a:effectRef>
-        <a:fontRef idx="minor"/>
-      </dsp:style>
-    </dsp:sp>
-    <dsp:sp modelId="{EE7B4F9D-DC0B-4588-B2F1-14F5070763EF}">
-      <dsp:nvSpPr>
-        <dsp:cNvPr id="0" name=""/>
-        <dsp:cNvSpPr/>
-      </dsp:nvSpPr>
-      <dsp:spPr>
-        <a:xfrm rot="5400000">
-          <a:off x="3803055" y="1544109"/>
-          <a:ext cx="621271" cy="707296"/>
-        </a:xfrm>
-        <a:prstGeom prst="bentUpArrow">
-          <a:avLst>
-            <a:gd name="adj1" fmla="val 32840"/>
-            <a:gd name="adj2" fmla="val 25000"/>
-            <a:gd name="adj3" fmla="val 35780"/>
-          </a:avLst>
-        </a:prstGeom>
-        <a:solidFill>
-          <a:schemeClr val="accent1">
-            <a:tint val="50000"/>
-            <a:hueOff val="0"/>
-            <a:satOff val="0"/>
-            <a:lumOff val="0"/>
-            <a:alphaOff val="0"/>
-          </a:schemeClr>
-        </a:solidFill>
-        <a:ln w="12700" cap="flat" cmpd="sng" algn="ctr">
-          <a:solidFill>
-            <a:schemeClr val="lt1">
-              <a:hueOff val="0"/>
-              <a:satOff val="0"/>
-              <a:lumOff val="0"/>
-              <a:alphaOff val="0"/>
-            </a:schemeClr>
-          </a:solidFill>
-          <a:prstDash val="solid"/>
-          <a:miter lim="800000"/>
-        </a:ln>
-        <a:effectLst/>
-      </dsp:spPr>
-      <dsp:style>
-        <a:lnRef idx="2">
-          <a:scrgbClr r="0" g="0" b="0"/>
-        </a:lnRef>
-        <a:fillRef idx="1">
-          <a:scrgbClr r="0" g="0" b="0"/>
-        </a:fillRef>
-        <a:effectRef idx="0">
-          <a:scrgbClr r="0" g="0" b="0"/>
-        </a:effectRef>
-        <a:fontRef idx="minor"/>
-      </dsp:style>
-    </dsp:sp>
-    <dsp:sp modelId="{352DFE7C-D03A-471E-8832-CE1AE1A8842B}">
-      <dsp:nvSpPr>
-        <dsp:cNvPr id="0" name=""/>
-        <dsp:cNvSpPr/>
-      </dsp:nvSpPr>
-      <dsp:spPr>
-        <a:xfrm>
-          <a:off x="3638456" y="855416"/>
-          <a:ext cx="1045856" cy="732065"/>
-        </a:xfrm>
-        <a:prstGeom prst="roundRect">
-          <a:avLst>
-            <a:gd name="adj" fmla="val 16670"/>
-          </a:avLst>
-        </a:prstGeom>
-        <a:solidFill>
-          <a:schemeClr val="accent1">
-            <a:hueOff val="0"/>
-            <a:satOff val="0"/>
-            <a:lumOff val="0"/>
-            <a:alphaOff val="0"/>
-          </a:schemeClr>
-        </a:solidFill>
-        <a:ln w="12700" cap="flat" cmpd="sng" algn="ctr">
-          <a:solidFill>
-            <a:schemeClr val="lt1">
-              <a:hueOff val="0"/>
-              <a:satOff val="0"/>
-              <a:lumOff val="0"/>
-              <a:alphaOff val="0"/>
-            </a:schemeClr>
-          </a:solidFill>
-          <a:prstDash val="solid"/>
-          <a:miter lim="800000"/>
-        </a:ln>
-        <a:effectLst/>
-      </dsp:spPr>
-      <dsp:style>
-        <a:lnRef idx="2">
-          <a:scrgbClr r="0" g="0" b="0"/>
-        </a:lnRef>
-        <a:fillRef idx="1">
-          <a:scrgbClr r="0" g="0" b="0"/>
-        </a:fillRef>
-        <a:effectRef idx="0">
-          <a:scrgbClr r="0" g="0" b="0"/>
-        </a:effectRef>
-        <a:fontRef idx="minor">
-          <a:schemeClr val="lt1"/>
-        </a:fontRef>
-      </dsp:style>
-      <dsp:txBody>
-        <a:bodyPr spcFirstLastPara="0" vert="horz" wrap="square" lIns="38100" tIns="38100" rIns="38100" bIns="38100" numCol="1" spcCol="1270" anchor="ctr" anchorCtr="0">
-          <a:noAutofit/>
-        </a:bodyPr>
-        <a:lstStyle/>
-        <a:p>
-          <a:pPr lvl="0" algn="ctr" defTabSz="444500">
-            <a:lnSpc>
-              <a:spcPct val="90000"/>
-            </a:lnSpc>
-            <a:spcBef>
-              <a:spcPct val="0"/>
-            </a:spcBef>
-            <a:spcAft>
-              <a:spcPct val="35000"/>
-            </a:spcAft>
-          </a:pPr>
-          <a:r>
-            <a:rPr lang="es-MX" sz="1000" kern="1200" dirty="0" smtClean="0"/>
-            <a:t>Determinar las decisiones</a:t>
-          </a:r>
-          <a:endParaRPr lang="en-US" sz="1000" kern="1200" dirty="0"/>
-        </a:p>
-      </dsp:txBody>
-      <dsp:txXfrm>
-        <a:off x="3674199" y="891159"/>
-        <a:ext cx="974370" cy="660579"/>
-      </dsp:txXfrm>
-    </dsp:sp>
-    <dsp:sp modelId="{7F23EBF2-7FCE-4C6D-B3B8-28BE9D86F4FD}">
-      <dsp:nvSpPr>
-        <dsp:cNvPr id="0" name=""/>
-        <dsp:cNvSpPr/>
-      </dsp:nvSpPr>
-      <dsp:spPr>
-        <a:xfrm>
-          <a:off x="4684312" y="925235"/>
-          <a:ext cx="760656" cy="591687"/>
-        </a:xfrm>
-        <a:prstGeom prst="rect">
-          <a:avLst/>
-        </a:prstGeom>
-        <a:noFill/>
-        <a:ln>
-          <a:noFill/>
-        </a:ln>
-        <a:effectLst/>
-      </dsp:spPr>
-      <dsp:style>
-        <a:lnRef idx="0">
-          <a:scrgbClr r="0" g="0" b="0"/>
-        </a:lnRef>
-        <a:fillRef idx="0">
-          <a:scrgbClr r="0" g="0" b="0"/>
-        </a:fillRef>
-        <a:effectRef idx="0">
-          <a:scrgbClr r="0" g="0" b="0"/>
-        </a:effectRef>
-        <a:fontRef idx="minor"/>
-      </dsp:style>
-    </dsp:sp>
-    <dsp:sp modelId="{5A844DFC-F5F7-4FB3-B189-E8424D7EA2BD}">
-      <dsp:nvSpPr>
-        <dsp:cNvPr id="0" name=""/>
-        <dsp:cNvSpPr/>
-      </dsp:nvSpPr>
-      <dsp:spPr>
-        <a:xfrm rot="5400000">
-          <a:off x="4670181" y="2366460"/>
-          <a:ext cx="621271" cy="707296"/>
-        </a:xfrm>
-        <a:prstGeom prst="bentUpArrow">
-          <a:avLst>
-            <a:gd name="adj1" fmla="val 32840"/>
-            <a:gd name="adj2" fmla="val 25000"/>
-            <a:gd name="adj3" fmla="val 35780"/>
-          </a:avLst>
-        </a:prstGeom>
-        <a:solidFill>
-          <a:schemeClr val="accent1">
-            <a:tint val="50000"/>
-            <a:hueOff val="0"/>
-            <a:satOff val="0"/>
-            <a:lumOff val="0"/>
-            <a:alphaOff val="0"/>
-          </a:schemeClr>
-        </a:solidFill>
-        <a:ln w="12700" cap="flat" cmpd="sng" algn="ctr">
-          <a:solidFill>
-            <a:schemeClr val="lt1">
-              <a:hueOff val="0"/>
-              <a:satOff val="0"/>
-              <a:lumOff val="0"/>
-              <a:alphaOff val="0"/>
-            </a:schemeClr>
-          </a:solidFill>
-          <a:prstDash val="solid"/>
-          <a:miter lim="800000"/>
-        </a:ln>
-        <a:effectLst/>
-      </dsp:spPr>
-      <dsp:style>
-        <a:lnRef idx="2">
-          <a:scrgbClr r="0" g="0" b="0"/>
-        </a:lnRef>
-        <a:fillRef idx="1">
-          <a:scrgbClr r="0" g="0" b="0"/>
-        </a:fillRef>
-        <a:effectRef idx="0">
-          <a:scrgbClr r="0" g="0" b="0"/>
-        </a:effectRef>
-        <a:fontRef idx="minor"/>
-      </dsp:style>
-    </dsp:sp>
-    <dsp:sp modelId="{9060E993-001B-4170-B078-91AF73175041}">
-      <dsp:nvSpPr>
-        <dsp:cNvPr id="0" name=""/>
-        <dsp:cNvSpPr/>
-      </dsp:nvSpPr>
-      <dsp:spPr>
-        <a:xfrm>
-          <a:off x="4505582" y="1677767"/>
-          <a:ext cx="1045856" cy="732065"/>
-        </a:xfrm>
-        <a:prstGeom prst="roundRect">
-          <a:avLst>
-            <a:gd name="adj" fmla="val 16670"/>
-          </a:avLst>
-        </a:prstGeom>
-        <a:solidFill>
-          <a:schemeClr val="accent1">
-            <a:hueOff val="0"/>
-            <a:satOff val="0"/>
-            <a:lumOff val="0"/>
-            <a:alphaOff val="0"/>
-          </a:schemeClr>
-        </a:solidFill>
-        <a:ln w="12700" cap="flat" cmpd="sng" algn="ctr">
-          <a:solidFill>
-            <a:schemeClr val="lt1">
-              <a:hueOff val="0"/>
-              <a:satOff val="0"/>
-              <a:lumOff val="0"/>
-              <a:alphaOff val="0"/>
-            </a:schemeClr>
-          </a:solidFill>
-          <a:prstDash val="solid"/>
-          <a:miter lim="800000"/>
-        </a:ln>
-        <a:effectLst/>
-      </dsp:spPr>
-      <dsp:style>
-        <a:lnRef idx="2">
-          <a:scrgbClr r="0" g="0" b="0"/>
-        </a:lnRef>
-        <a:fillRef idx="1">
-          <a:scrgbClr r="0" g="0" b="0"/>
-        </a:fillRef>
-        <a:effectRef idx="0">
-          <a:scrgbClr r="0" g="0" b="0"/>
-        </a:effectRef>
-        <a:fontRef idx="minor">
-          <a:schemeClr val="lt1"/>
-        </a:fontRef>
-      </dsp:style>
-      <dsp:txBody>
-        <a:bodyPr spcFirstLastPara="0" vert="horz" wrap="square" lIns="38100" tIns="38100" rIns="38100" bIns="38100" numCol="1" spcCol="1270" anchor="ctr" anchorCtr="0">
-          <a:noAutofit/>
-        </a:bodyPr>
-        <a:lstStyle/>
-        <a:p>
-          <a:pPr lvl="0" algn="ctr" defTabSz="444500">
-            <a:lnSpc>
-              <a:spcPct val="90000"/>
-            </a:lnSpc>
-            <a:spcBef>
-              <a:spcPct val="0"/>
-            </a:spcBef>
-            <a:spcAft>
-              <a:spcPct val="35000"/>
-            </a:spcAft>
-          </a:pPr>
-          <a:r>
-            <a:rPr lang="es-MX" sz="1000" kern="1200" dirty="0" smtClean="0"/>
-            <a:t>Determinar los valores</a:t>
-          </a:r>
-          <a:endParaRPr lang="en-US" sz="1000" kern="1200" dirty="0"/>
-        </a:p>
-      </dsp:txBody>
-      <dsp:txXfrm>
-        <a:off x="4541325" y="1713510"/>
-        <a:ext cx="974370" cy="660579"/>
-      </dsp:txXfrm>
-    </dsp:sp>
-    <dsp:sp modelId="{263438FA-0B3C-4920-897E-6CFB93FD4FEF}">
-      <dsp:nvSpPr>
-        <dsp:cNvPr id="0" name=""/>
-        <dsp:cNvSpPr/>
-      </dsp:nvSpPr>
-      <dsp:spPr>
-        <a:xfrm>
-          <a:off x="5551438" y="1747586"/>
-          <a:ext cx="760656" cy="591687"/>
-        </a:xfrm>
-        <a:prstGeom prst="rect">
-          <a:avLst/>
-        </a:prstGeom>
-        <a:noFill/>
-        <a:ln>
-          <a:noFill/>
-        </a:ln>
-        <a:effectLst/>
-      </dsp:spPr>
-      <dsp:style>
-        <a:lnRef idx="0">
-          <a:scrgbClr r="0" g="0" b="0"/>
-        </a:lnRef>
-        <a:fillRef idx="0">
-          <a:scrgbClr r="0" g="0" b="0"/>
-        </a:fillRef>
-        <a:effectRef idx="0">
-          <a:scrgbClr r="0" g="0" b="0"/>
-        </a:effectRef>
-        <a:fontRef idx="minor"/>
-      </dsp:style>
-    </dsp:sp>
-    <dsp:sp modelId="{09C02AD1-B575-4C3C-A8F0-A60A83312D0B}">
-      <dsp:nvSpPr>
-        <dsp:cNvPr id="0" name=""/>
-        <dsp:cNvSpPr/>
-      </dsp:nvSpPr>
-      <dsp:spPr>
-        <a:xfrm rot="5400000">
-          <a:off x="5537307" y="3188811"/>
-          <a:ext cx="621271" cy="707296"/>
-        </a:xfrm>
-        <a:prstGeom prst="bentUpArrow">
-          <a:avLst>
-            <a:gd name="adj1" fmla="val 32840"/>
-            <a:gd name="adj2" fmla="val 25000"/>
-            <a:gd name="adj3" fmla="val 35780"/>
-          </a:avLst>
-        </a:prstGeom>
-        <a:solidFill>
-          <a:schemeClr val="accent1">
-            <a:tint val="50000"/>
-            <a:hueOff val="0"/>
-            <a:satOff val="0"/>
-            <a:lumOff val="0"/>
-            <a:alphaOff val="0"/>
-          </a:schemeClr>
-        </a:solidFill>
-        <a:ln w="12700" cap="flat" cmpd="sng" algn="ctr">
-          <a:solidFill>
-            <a:schemeClr val="lt1">
-              <a:hueOff val="0"/>
-              <a:satOff val="0"/>
-              <a:lumOff val="0"/>
-              <a:alphaOff val="0"/>
-            </a:schemeClr>
-          </a:solidFill>
-          <a:prstDash val="solid"/>
-          <a:miter lim="800000"/>
-        </a:ln>
-        <a:effectLst/>
-      </dsp:spPr>
-      <dsp:style>
-        <a:lnRef idx="2">
-          <a:scrgbClr r="0" g="0" b="0"/>
-        </a:lnRef>
-        <a:fillRef idx="1">
-          <a:scrgbClr r="0" g="0" b="0"/>
-        </a:fillRef>
-        <a:effectRef idx="0">
-          <a:scrgbClr r="0" g="0" b="0"/>
-        </a:effectRef>
-        <a:fontRef idx="minor"/>
-      </dsp:style>
-    </dsp:sp>
-    <dsp:sp modelId="{722BA770-8335-46DB-B9A1-7F8CBA2CA46D}">
-      <dsp:nvSpPr>
-        <dsp:cNvPr id="0" name=""/>
-        <dsp:cNvSpPr/>
-      </dsp:nvSpPr>
-      <dsp:spPr>
-        <a:xfrm>
-          <a:off x="5372708" y="2500118"/>
-          <a:ext cx="1045856" cy="732065"/>
-        </a:xfrm>
-        <a:prstGeom prst="roundRect">
-          <a:avLst>
-            <a:gd name="adj" fmla="val 16670"/>
-          </a:avLst>
-        </a:prstGeom>
-        <a:solidFill>
-          <a:schemeClr val="accent1">
-            <a:hueOff val="0"/>
-            <a:satOff val="0"/>
-            <a:lumOff val="0"/>
-            <a:alphaOff val="0"/>
-          </a:schemeClr>
-        </a:solidFill>
-        <a:ln w="12700" cap="flat" cmpd="sng" algn="ctr">
-          <a:solidFill>
-            <a:schemeClr val="lt1">
-              <a:hueOff val="0"/>
-              <a:satOff val="0"/>
-              <a:lumOff val="0"/>
-              <a:alphaOff val="0"/>
-            </a:schemeClr>
-          </a:solidFill>
-          <a:prstDash val="solid"/>
-          <a:miter lim="800000"/>
-        </a:ln>
-        <a:effectLst/>
-      </dsp:spPr>
-      <dsp:style>
-        <a:lnRef idx="2">
-          <a:scrgbClr r="0" g="0" b="0"/>
-        </a:lnRef>
-        <a:fillRef idx="1">
-          <a:scrgbClr r="0" g="0" b="0"/>
-        </a:fillRef>
-        <a:effectRef idx="0">
-          <a:scrgbClr r="0" g="0" b="0"/>
-        </a:effectRef>
-        <a:fontRef idx="minor">
-          <a:schemeClr val="lt1"/>
-        </a:fontRef>
-      </dsp:style>
-      <dsp:txBody>
-        <a:bodyPr spcFirstLastPara="0" vert="horz" wrap="square" lIns="38100" tIns="38100" rIns="38100" bIns="38100" numCol="1" spcCol="1270" anchor="ctr" anchorCtr="0">
-          <a:noAutofit/>
-        </a:bodyPr>
-        <a:lstStyle/>
-        <a:p>
-          <a:pPr lvl="0" algn="ctr" defTabSz="444500">
-            <a:lnSpc>
-              <a:spcPct val="90000"/>
-            </a:lnSpc>
-            <a:spcBef>
-              <a:spcPct val="0"/>
-            </a:spcBef>
-            <a:spcAft>
-              <a:spcPct val="35000"/>
-            </a:spcAft>
-          </a:pPr>
-          <a:r>
-            <a:rPr lang="es-MX" sz="1000" kern="1200" dirty="0" smtClean="0"/>
-            <a:t>Determinar las probabilidades</a:t>
-          </a:r>
-          <a:endParaRPr lang="en-US" sz="1000" kern="1200" dirty="0"/>
-        </a:p>
-      </dsp:txBody>
-      <dsp:txXfrm>
-        <a:off x="5408451" y="2535861"/>
-        <a:ext cx="974370" cy="660579"/>
-      </dsp:txXfrm>
-    </dsp:sp>
-    <dsp:sp modelId="{CD08E2CE-417C-4E5D-B187-D9620080A7A8}">
-      <dsp:nvSpPr>
-        <dsp:cNvPr id="0" name=""/>
-        <dsp:cNvSpPr/>
-      </dsp:nvSpPr>
-      <dsp:spPr>
-        <a:xfrm>
-          <a:off x="6418564" y="2569937"/>
-          <a:ext cx="760656" cy="591687"/>
-        </a:xfrm>
-        <a:prstGeom prst="rect">
-          <a:avLst/>
-        </a:prstGeom>
-        <a:noFill/>
-        <a:ln>
-          <a:noFill/>
-        </a:ln>
-        <a:effectLst/>
-      </dsp:spPr>
-      <dsp:style>
-        <a:lnRef idx="0">
-          <a:scrgbClr r="0" g="0" b="0"/>
-        </a:lnRef>
-        <a:fillRef idx="0">
-          <a:scrgbClr r="0" g="0" b="0"/>
-        </a:fillRef>
-        <a:effectRef idx="0">
-          <a:scrgbClr r="0" g="0" b="0"/>
-        </a:effectRef>
-        <a:fontRef idx="minor"/>
-      </dsp:style>
-    </dsp:sp>
-    <dsp:sp modelId="{A32F7D9C-497E-4EB8-8D75-B3B2B86DCF32}">
-      <dsp:nvSpPr>
-        <dsp:cNvPr id="0" name=""/>
-        <dsp:cNvSpPr/>
-      </dsp:nvSpPr>
-      <dsp:spPr>
-        <a:xfrm rot="5400000">
-          <a:off x="6404433" y="4011162"/>
-          <a:ext cx="621271" cy="707296"/>
-        </a:xfrm>
-        <a:prstGeom prst="bentUpArrow">
-          <a:avLst>
-            <a:gd name="adj1" fmla="val 32840"/>
-            <a:gd name="adj2" fmla="val 25000"/>
-            <a:gd name="adj3" fmla="val 35780"/>
-          </a:avLst>
-        </a:prstGeom>
-        <a:solidFill>
-          <a:schemeClr val="accent1">
-            <a:tint val="50000"/>
-            <a:hueOff val="0"/>
-            <a:satOff val="0"/>
-            <a:lumOff val="0"/>
-            <a:alphaOff val="0"/>
-          </a:schemeClr>
-        </a:solidFill>
-        <a:ln w="12700" cap="flat" cmpd="sng" algn="ctr">
-          <a:solidFill>
-            <a:schemeClr val="lt1">
-              <a:hueOff val="0"/>
-              <a:satOff val="0"/>
-              <a:lumOff val="0"/>
-              <a:alphaOff val="0"/>
-            </a:schemeClr>
-          </a:solidFill>
-          <a:prstDash val="solid"/>
-          <a:miter lim="800000"/>
-        </a:ln>
-        <a:effectLst/>
-      </dsp:spPr>
-      <dsp:style>
-        <a:lnRef idx="2">
-          <a:scrgbClr r="0" g="0" b="0"/>
-        </a:lnRef>
-        <a:fillRef idx="1">
-          <a:scrgbClr r="0" g="0" b="0"/>
-        </a:fillRef>
-        <a:effectRef idx="0">
-          <a:scrgbClr r="0" g="0" b="0"/>
-        </a:effectRef>
-        <a:fontRef idx="minor"/>
-      </dsp:style>
-    </dsp:sp>
-    <dsp:sp modelId="{E287E23E-5E34-47E2-B07C-E38DF63B4F9B}">
-      <dsp:nvSpPr>
-        <dsp:cNvPr id="0" name=""/>
-        <dsp:cNvSpPr/>
-      </dsp:nvSpPr>
-      <dsp:spPr>
-        <a:xfrm>
-          <a:off x="6239834" y="3322469"/>
-          <a:ext cx="1045856" cy="732065"/>
-        </a:xfrm>
-        <a:prstGeom prst="roundRect">
-          <a:avLst>
-            <a:gd name="adj" fmla="val 16670"/>
-          </a:avLst>
-        </a:prstGeom>
-        <a:solidFill>
-          <a:schemeClr val="accent1">
-            <a:hueOff val="0"/>
-            <a:satOff val="0"/>
-            <a:lumOff val="0"/>
-            <a:alphaOff val="0"/>
-          </a:schemeClr>
-        </a:solidFill>
-        <a:ln w="12700" cap="flat" cmpd="sng" algn="ctr">
-          <a:solidFill>
-            <a:schemeClr val="lt1">
-              <a:hueOff val="0"/>
-              <a:satOff val="0"/>
-              <a:lumOff val="0"/>
-              <a:alphaOff val="0"/>
-            </a:schemeClr>
-          </a:solidFill>
-          <a:prstDash val="solid"/>
-          <a:miter lim="800000"/>
-        </a:ln>
-        <a:effectLst/>
-      </dsp:spPr>
-      <dsp:style>
-        <a:lnRef idx="2">
-          <a:scrgbClr r="0" g="0" b="0"/>
-        </a:lnRef>
-        <a:fillRef idx="1">
-          <a:scrgbClr r="0" g="0" b="0"/>
-        </a:fillRef>
-        <a:effectRef idx="0">
-          <a:scrgbClr r="0" g="0" b="0"/>
-        </a:effectRef>
-        <a:fontRef idx="minor">
-          <a:schemeClr val="lt1"/>
-        </a:fontRef>
-      </dsp:style>
-      <dsp:txBody>
-        <a:bodyPr spcFirstLastPara="0" vert="horz" wrap="square" lIns="38100" tIns="38100" rIns="38100" bIns="38100" numCol="1" spcCol="1270" anchor="ctr" anchorCtr="0">
-          <a:noAutofit/>
-        </a:bodyPr>
-        <a:lstStyle/>
-        <a:p>
-          <a:pPr lvl="0" algn="ctr" defTabSz="444500">
-            <a:lnSpc>
-              <a:spcPct val="90000"/>
-            </a:lnSpc>
-            <a:spcBef>
-              <a:spcPct val="0"/>
-            </a:spcBef>
-            <a:spcAft>
-              <a:spcPct val="35000"/>
-            </a:spcAft>
-          </a:pPr>
-          <a:r>
-            <a:rPr lang="es-MX" sz="1000" kern="1200" dirty="0" smtClean="0"/>
-            <a:t>Calcular el valor ponderado</a:t>
-          </a:r>
-          <a:endParaRPr lang="en-US" sz="1000" kern="1200" dirty="0"/>
-        </a:p>
-      </dsp:txBody>
-      <dsp:txXfrm>
-        <a:off x="6275577" y="3358212"/>
-        <a:ext cx="974370" cy="660579"/>
-      </dsp:txXfrm>
-    </dsp:sp>
-    <dsp:sp modelId="{C807A5AB-22D6-45C2-856C-A0FEDDB0A905}">
-      <dsp:nvSpPr>
-        <dsp:cNvPr id="0" name=""/>
-        <dsp:cNvSpPr/>
-      </dsp:nvSpPr>
-      <dsp:spPr>
-        <a:xfrm>
-          <a:off x="7285690" y="3392288"/>
-          <a:ext cx="760656" cy="591687"/>
-        </a:xfrm>
-        <a:prstGeom prst="rect">
-          <a:avLst/>
-        </a:prstGeom>
-        <a:noFill/>
-        <a:ln>
-          <a:noFill/>
-        </a:ln>
-        <a:effectLst/>
-      </dsp:spPr>
-      <dsp:style>
-        <a:lnRef idx="0">
-          <a:scrgbClr r="0" g="0" b="0"/>
-        </a:lnRef>
-        <a:fillRef idx="0">
-          <a:scrgbClr r="0" g="0" b="0"/>
-        </a:fillRef>
-        <a:effectRef idx="0">
-          <a:scrgbClr r="0" g="0" b="0"/>
-        </a:effectRef>
-        <a:fontRef idx="minor"/>
-      </dsp:style>
-    </dsp:sp>
-    <dsp:sp modelId="{A557602F-4219-4F6E-8921-948D44897ABA}">
-      <dsp:nvSpPr>
-        <dsp:cNvPr id="0" name=""/>
-        <dsp:cNvSpPr/>
-      </dsp:nvSpPr>
-      <dsp:spPr>
-        <a:xfrm>
-          <a:off x="7106960" y="4144820"/>
-          <a:ext cx="1045856" cy="732065"/>
-        </a:xfrm>
-        <a:prstGeom prst="roundRect">
-          <a:avLst>
-            <a:gd name="adj" fmla="val 16670"/>
-          </a:avLst>
-        </a:prstGeom>
-        <a:solidFill>
-          <a:schemeClr val="accent1">
-            <a:hueOff val="0"/>
-            <a:satOff val="0"/>
-            <a:lumOff val="0"/>
-            <a:alphaOff val="0"/>
-          </a:schemeClr>
-        </a:solidFill>
-        <a:ln w="12700" cap="flat" cmpd="sng" algn="ctr">
-          <a:solidFill>
-            <a:schemeClr val="lt1">
-              <a:hueOff val="0"/>
-              <a:satOff val="0"/>
-              <a:lumOff val="0"/>
-              <a:alphaOff val="0"/>
-            </a:schemeClr>
-          </a:solidFill>
-          <a:prstDash val="solid"/>
-          <a:miter lim="800000"/>
-        </a:ln>
-        <a:effectLst/>
-      </dsp:spPr>
-      <dsp:style>
-        <a:lnRef idx="2">
-          <a:scrgbClr r="0" g="0" b="0"/>
-        </a:lnRef>
-        <a:fillRef idx="1">
-          <a:scrgbClr r="0" g="0" b="0"/>
-        </a:fillRef>
-        <a:effectRef idx="0">
-          <a:scrgbClr r="0" g="0" b="0"/>
-        </a:effectRef>
-        <a:fontRef idx="minor">
-          <a:schemeClr val="lt1"/>
-        </a:fontRef>
-      </dsp:style>
-      <dsp:txBody>
-        <a:bodyPr spcFirstLastPara="0" vert="horz" wrap="square" lIns="38100" tIns="38100" rIns="38100" bIns="38100" numCol="1" spcCol="1270" anchor="ctr" anchorCtr="0">
-          <a:noAutofit/>
-        </a:bodyPr>
-        <a:lstStyle/>
-        <a:p>
-          <a:pPr lvl="0" algn="ctr" defTabSz="444500">
-            <a:lnSpc>
-              <a:spcPct val="90000"/>
-            </a:lnSpc>
-            <a:spcBef>
-              <a:spcPct val="0"/>
-            </a:spcBef>
-            <a:spcAft>
-              <a:spcPct val="35000"/>
-            </a:spcAft>
-          </a:pPr>
-          <a:r>
-            <a:rPr lang="es-MX" sz="1000" kern="1200" dirty="0" smtClean="0"/>
-            <a:t>Calcular el resultado de cada decisión</a:t>
-          </a:r>
-          <a:endParaRPr lang="en-US" sz="1000" kern="1200" dirty="0"/>
-        </a:p>
-      </dsp:txBody>
-      <dsp:txXfrm>
-        <a:off x="7142703" y="4180563"/>
-        <a:ext cx="974370" cy="660579"/>
-      </dsp:txXfrm>
-    </dsp:sp>
   </dsp:spTree>
 </dsp:drawing>
 </file>
@@ -4874,402 +4063,6 @@
       <dsp:cNvGrpSpPr/>
     </dsp:nvGrpSpPr>
     <dsp:grpSpPr/>
-    <dsp:sp modelId="{52CB32F1-F301-4830-AA07-0F1438D034E5}">
-      <dsp:nvSpPr>
-        <dsp:cNvPr id="0" name=""/>
-        <dsp:cNvSpPr/>
-      </dsp:nvSpPr>
-      <dsp:spPr>
-        <a:xfrm>
-          <a:off x="0" y="15543"/>
-          <a:ext cx="8128000" cy="849420"/>
-        </a:xfrm>
-        <a:prstGeom prst="roundRect">
-          <a:avLst/>
-        </a:prstGeom>
-        <a:gradFill rotWithShape="0">
-          <a:gsLst>
-            <a:gs pos="0">
-              <a:schemeClr val="accent2">
-                <a:hueOff val="0"/>
-                <a:satOff val="0"/>
-                <a:lumOff val="0"/>
-                <a:alphaOff val="0"/>
-                <a:satMod val="103000"/>
-                <a:lumMod val="102000"/>
-                <a:tint val="94000"/>
-              </a:schemeClr>
-            </a:gs>
-            <a:gs pos="50000">
-              <a:schemeClr val="accent2">
-                <a:hueOff val="0"/>
-                <a:satOff val="0"/>
-                <a:lumOff val="0"/>
-                <a:alphaOff val="0"/>
-                <a:satMod val="110000"/>
-                <a:lumMod val="100000"/>
-                <a:shade val="100000"/>
-              </a:schemeClr>
-            </a:gs>
-            <a:gs pos="100000">
-              <a:schemeClr val="accent2">
-                <a:hueOff val="0"/>
-                <a:satOff val="0"/>
-                <a:lumOff val="0"/>
-                <a:alphaOff val="0"/>
-                <a:lumMod val="99000"/>
-                <a:satMod val="120000"/>
-                <a:shade val="78000"/>
-              </a:schemeClr>
-            </a:gs>
-          </a:gsLst>
-          <a:lin ang="5400000" scaled="0"/>
-        </a:gradFill>
-        <a:ln>
-          <a:noFill/>
-        </a:ln>
-        <a:effectLst/>
-      </dsp:spPr>
-      <dsp:style>
-        <a:lnRef idx="0">
-          <a:scrgbClr r="0" g="0" b="0"/>
-        </a:lnRef>
-        <a:fillRef idx="3">
-          <a:scrgbClr r="0" g="0" b="0"/>
-        </a:fillRef>
-        <a:effectRef idx="2">
-          <a:scrgbClr r="0" g="0" b="0"/>
-        </a:effectRef>
-        <a:fontRef idx="minor">
-          <a:schemeClr val="lt1"/>
-        </a:fontRef>
-      </dsp:style>
-      <dsp:txBody>
-        <a:bodyPr spcFirstLastPara="0" vert="horz" wrap="square" lIns="106680" tIns="106680" rIns="106680" bIns="106680" numCol="1" spcCol="1270" anchor="ctr" anchorCtr="0">
-          <a:noAutofit/>
-        </a:bodyPr>
-        <a:lstStyle/>
-        <a:p>
-          <a:pPr lvl="0" algn="l" defTabSz="1244600">
-            <a:lnSpc>
-              <a:spcPct val="90000"/>
-            </a:lnSpc>
-            <a:spcBef>
-              <a:spcPct val="0"/>
-            </a:spcBef>
-            <a:spcAft>
-              <a:spcPct val="35000"/>
-            </a:spcAft>
-          </a:pPr>
-          <a:r>
-            <a:rPr lang="es-MX" sz="2800" kern="1200" dirty="0" smtClean="0"/>
-            <a:t>Fortalezas</a:t>
-          </a:r>
-          <a:endParaRPr lang="en-US" sz="2800" kern="1200" dirty="0"/>
-        </a:p>
-      </dsp:txBody>
-      <dsp:txXfrm>
-        <a:off x="41465" y="57008"/>
-        <a:ext cx="8045070" cy="766490"/>
-      </dsp:txXfrm>
-    </dsp:sp>
-    <dsp:sp modelId="{8037761D-9DBE-4967-99F4-2C39C141E6A8}">
-      <dsp:nvSpPr>
-        <dsp:cNvPr id="0" name=""/>
-        <dsp:cNvSpPr/>
-      </dsp:nvSpPr>
-      <dsp:spPr>
-        <a:xfrm>
-          <a:off x="0" y="864963"/>
-          <a:ext cx="8128000" cy="1844370"/>
-        </a:xfrm>
-        <a:prstGeom prst="rect">
-          <a:avLst/>
-        </a:prstGeom>
-        <a:noFill/>
-        <a:ln>
-          <a:noFill/>
-        </a:ln>
-        <a:effectLst/>
-      </dsp:spPr>
-      <dsp:style>
-        <a:lnRef idx="0">
-          <a:scrgbClr r="0" g="0" b="0"/>
-        </a:lnRef>
-        <a:fillRef idx="0">
-          <a:scrgbClr r="0" g="0" b="0"/>
-        </a:fillRef>
-        <a:effectRef idx="0">
-          <a:scrgbClr r="0" g="0" b="0"/>
-        </a:effectRef>
-        <a:fontRef idx="minor"/>
-      </dsp:style>
-      <dsp:txBody>
-        <a:bodyPr spcFirstLastPara="0" vert="horz" wrap="square" lIns="258064" tIns="41910" rIns="234696" bIns="41910" numCol="1" spcCol="1270" anchor="t" anchorCtr="0">
-          <a:noAutofit/>
-        </a:bodyPr>
-        <a:lstStyle/>
-        <a:p>
-          <a:pPr marL="228600" lvl="1" indent="-228600" algn="l" defTabSz="1155700">
-            <a:lnSpc>
-              <a:spcPct val="90000"/>
-            </a:lnSpc>
-            <a:spcBef>
-              <a:spcPct val="0"/>
-            </a:spcBef>
-            <a:spcAft>
-              <a:spcPct val="20000"/>
-            </a:spcAft>
-            <a:buChar char="••"/>
-          </a:pPr>
-          <a:r>
-            <a:rPr lang="es-MX" sz="2600" kern="1200" dirty="0" smtClean="0"/>
-            <a:t>Los arboles de decisión obligan a considerar opciones</a:t>
-          </a:r>
-          <a:endParaRPr lang="en-US" sz="2600" kern="1200" dirty="0"/>
-        </a:p>
-        <a:p>
-          <a:pPr marL="228600" lvl="1" indent="-228600" algn="l" defTabSz="1155700">
-            <a:lnSpc>
-              <a:spcPct val="90000"/>
-            </a:lnSpc>
-            <a:spcBef>
-              <a:spcPct val="0"/>
-            </a:spcBef>
-            <a:spcAft>
-              <a:spcPct val="20000"/>
-            </a:spcAft>
-            <a:buChar char="••"/>
-          </a:pPr>
-          <a:r>
-            <a:rPr lang="es-MX" sz="2600" kern="1200" dirty="0" smtClean="0"/>
-            <a:t>Pueden ayudar a visualizar un problema</a:t>
-          </a:r>
-          <a:endParaRPr lang="en-US" sz="2600" kern="1200" dirty="0"/>
-        </a:p>
-        <a:p>
-          <a:pPr marL="228600" lvl="1" indent="-228600" algn="l" defTabSz="1155700">
-            <a:lnSpc>
-              <a:spcPct val="90000"/>
-            </a:lnSpc>
-            <a:spcBef>
-              <a:spcPct val="0"/>
-            </a:spcBef>
-            <a:spcAft>
-              <a:spcPct val="20000"/>
-            </a:spcAft>
-            <a:buChar char="••"/>
-          </a:pPr>
-          <a:r>
-            <a:rPr lang="es-MX" sz="2600" kern="1200" dirty="0" smtClean="0"/>
-            <a:t>Pueden ayudar a priorizar</a:t>
-          </a:r>
-          <a:endParaRPr lang="en-US" sz="2600" kern="1200" dirty="0"/>
-        </a:p>
-      </dsp:txBody>
-      <dsp:txXfrm>
-        <a:off x="0" y="864963"/>
-        <a:ext cx="8128000" cy="1844370"/>
-      </dsp:txXfrm>
-    </dsp:sp>
-    <dsp:sp modelId="{C74A6AA8-8728-4A4B-9943-5D50681CF39E}">
-      <dsp:nvSpPr>
-        <dsp:cNvPr id="0" name=""/>
-        <dsp:cNvSpPr/>
-      </dsp:nvSpPr>
-      <dsp:spPr>
-        <a:xfrm>
-          <a:off x="0" y="2709333"/>
-          <a:ext cx="8128000" cy="849420"/>
-        </a:xfrm>
-        <a:prstGeom prst="roundRect">
-          <a:avLst/>
-        </a:prstGeom>
-        <a:gradFill rotWithShape="0">
-          <a:gsLst>
-            <a:gs pos="0">
-              <a:schemeClr val="accent2">
-                <a:hueOff val="-1455363"/>
-                <a:satOff val="-83928"/>
-                <a:lumOff val="8628"/>
-                <a:alphaOff val="0"/>
-                <a:satMod val="103000"/>
-                <a:lumMod val="102000"/>
-                <a:tint val="94000"/>
-              </a:schemeClr>
-            </a:gs>
-            <a:gs pos="50000">
-              <a:schemeClr val="accent2">
-                <a:hueOff val="-1455363"/>
-                <a:satOff val="-83928"/>
-                <a:lumOff val="8628"/>
-                <a:alphaOff val="0"/>
-                <a:satMod val="110000"/>
-                <a:lumMod val="100000"/>
-                <a:shade val="100000"/>
-              </a:schemeClr>
-            </a:gs>
-            <a:gs pos="100000">
-              <a:schemeClr val="accent2">
-                <a:hueOff val="-1455363"/>
-                <a:satOff val="-83928"/>
-                <a:lumOff val="8628"/>
-                <a:alphaOff val="0"/>
-                <a:lumMod val="99000"/>
-                <a:satMod val="120000"/>
-                <a:shade val="78000"/>
-              </a:schemeClr>
-            </a:gs>
-          </a:gsLst>
-          <a:lin ang="5400000" scaled="0"/>
-        </a:gradFill>
-        <a:ln>
-          <a:noFill/>
-        </a:ln>
-        <a:effectLst/>
-      </dsp:spPr>
-      <dsp:style>
-        <a:lnRef idx="0">
-          <a:scrgbClr r="0" g="0" b="0"/>
-        </a:lnRef>
-        <a:fillRef idx="3">
-          <a:scrgbClr r="0" g="0" b="0"/>
-        </a:fillRef>
-        <a:effectRef idx="2">
-          <a:scrgbClr r="0" g="0" b="0"/>
-        </a:effectRef>
-        <a:fontRef idx="minor">
-          <a:schemeClr val="lt1"/>
-        </a:fontRef>
-      </dsp:style>
-      <dsp:txBody>
-        <a:bodyPr spcFirstLastPara="0" vert="horz" wrap="square" lIns="125730" tIns="125730" rIns="125730" bIns="125730" numCol="1" spcCol="1270" anchor="ctr" anchorCtr="0">
-          <a:noAutofit/>
-        </a:bodyPr>
-        <a:lstStyle/>
-        <a:p>
-          <a:pPr lvl="0" algn="l" defTabSz="1466850">
-            <a:lnSpc>
-              <a:spcPct val="90000"/>
-            </a:lnSpc>
-            <a:spcBef>
-              <a:spcPct val="0"/>
-            </a:spcBef>
-            <a:spcAft>
-              <a:spcPct val="35000"/>
-            </a:spcAft>
-          </a:pPr>
-          <a:r>
-            <a:rPr lang="es-MX" sz="3300" kern="1200" dirty="0" smtClean="0"/>
-            <a:t>Debilidades</a:t>
-          </a:r>
-          <a:endParaRPr lang="en-US" sz="3300" kern="1200" dirty="0"/>
-        </a:p>
-      </dsp:txBody>
-      <dsp:txXfrm>
-        <a:off x="41465" y="2750798"/>
-        <a:ext cx="8045070" cy="766490"/>
-      </dsp:txXfrm>
-    </dsp:sp>
-    <dsp:sp modelId="{38B47B1D-1D19-4C17-9B98-1331F42C73B8}">
-      <dsp:nvSpPr>
-        <dsp:cNvPr id="0" name=""/>
-        <dsp:cNvSpPr/>
-      </dsp:nvSpPr>
-      <dsp:spPr>
-        <a:xfrm>
-          <a:off x="0" y="3558753"/>
-          <a:ext cx="8128000" cy="1844370"/>
-        </a:xfrm>
-        <a:prstGeom prst="rect">
-          <a:avLst/>
-        </a:prstGeom>
-        <a:noFill/>
-        <a:ln>
-          <a:noFill/>
-        </a:ln>
-        <a:effectLst/>
-      </dsp:spPr>
-      <dsp:style>
-        <a:lnRef idx="0">
-          <a:scrgbClr r="0" g="0" b="0"/>
-        </a:lnRef>
-        <a:fillRef idx="0">
-          <a:scrgbClr r="0" g="0" b="0"/>
-        </a:fillRef>
-        <a:effectRef idx="0">
-          <a:scrgbClr r="0" g="0" b="0"/>
-        </a:effectRef>
-        <a:fontRef idx="minor"/>
-      </dsp:style>
-      <dsp:txBody>
-        <a:bodyPr spcFirstLastPara="0" vert="horz" wrap="square" lIns="258064" tIns="41910" rIns="234696" bIns="41910" numCol="1" spcCol="1270" anchor="t" anchorCtr="0">
-          <a:noAutofit/>
-        </a:bodyPr>
-        <a:lstStyle/>
-        <a:p>
-          <a:pPr marL="228600" lvl="1" indent="-228600" algn="l" defTabSz="1155700">
-            <a:lnSpc>
-              <a:spcPct val="90000"/>
-            </a:lnSpc>
-            <a:spcBef>
-              <a:spcPct val="0"/>
-            </a:spcBef>
-            <a:spcAft>
-              <a:spcPct val="20000"/>
-            </a:spcAft>
-            <a:buChar char="••"/>
-          </a:pPr>
-          <a:r>
-            <a:rPr lang="es-MX" sz="2600" kern="1200" dirty="0" smtClean="0"/>
-            <a:t>Los arboles de decisión pueden cambiar extremadamente rápido</a:t>
-          </a:r>
-          <a:endParaRPr lang="en-US" sz="2600" kern="1200" dirty="0"/>
-        </a:p>
-        <a:p>
-          <a:pPr marL="228600" lvl="1" indent="-228600" algn="l" defTabSz="1155700">
-            <a:lnSpc>
-              <a:spcPct val="90000"/>
-            </a:lnSpc>
-            <a:spcBef>
-              <a:spcPct val="0"/>
-            </a:spcBef>
-            <a:spcAft>
-              <a:spcPct val="20000"/>
-            </a:spcAft>
-            <a:buChar char="••"/>
-          </a:pPr>
-          <a:r>
-            <a:rPr lang="es-MX" sz="2600" kern="1200" dirty="0" smtClean="0"/>
-            <a:t>Pueden generar complejidad innecesaria</a:t>
-          </a:r>
-          <a:endParaRPr lang="en-US" sz="2600" kern="1200" dirty="0"/>
-        </a:p>
-        <a:p>
-          <a:pPr marL="228600" lvl="1" indent="-228600" algn="l" defTabSz="1155700">
-            <a:lnSpc>
-              <a:spcPct val="90000"/>
-            </a:lnSpc>
-            <a:spcBef>
-              <a:spcPct val="0"/>
-            </a:spcBef>
-            <a:spcAft>
-              <a:spcPct val="20000"/>
-            </a:spcAft>
-            <a:buChar char="••"/>
-          </a:pPr>
-          <a:r>
-            <a:rPr lang="es-MX" sz="2600" kern="1200" dirty="0" smtClean="0"/>
-            <a:t>Pueden causar parálisis por análisis</a:t>
-          </a:r>
-          <a:endParaRPr lang="en-US" sz="2600" kern="1200" dirty="0"/>
-        </a:p>
-      </dsp:txBody>
-      <dsp:txXfrm>
-        <a:off x="0" y="3558753"/>
-        <a:ext cx="8128000" cy="1844370"/>
-      </dsp:txXfrm>
-    </dsp:sp>
   </dsp:spTree>
 </dsp:drawing>
 </file>
@@ -5282,474 +4075,6 @@
       <dsp:cNvGrpSpPr/>
     </dsp:nvGrpSpPr>
     <dsp:grpSpPr/>
-    <dsp:sp modelId="{52CB32F1-F301-4830-AA07-0F1438D034E5}">
-      <dsp:nvSpPr>
-        <dsp:cNvPr id="0" name=""/>
-        <dsp:cNvSpPr/>
-      </dsp:nvSpPr>
-      <dsp:spPr>
-        <a:xfrm>
-          <a:off x="0" y="920904"/>
-          <a:ext cx="10870642" cy="433117"/>
-        </a:xfrm>
-        <a:prstGeom prst="roundRect">
-          <a:avLst/>
-        </a:prstGeom>
-        <a:gradFill rotWithShape="0">
-          <a:gsLst>
-            <a:gs pos="0">
-              <a:schemeClr val="accent2">
-                <a:hueOff val="0"/>
-                <a:satOff val="0"/>
-                <a:lumOff val="0"/>
-                <a:alphaOff val="0"/>
-                <a:satMod val="103000"/>
-                <a:lumMod val="102000"/>
-                <a:tint val="94000"/>
-              </a:schemeClr>
-            </a:gs>
-            <a:gs pos="50000">
-              <a:schemeClr val="accent2">
-                <a:hueOff val="0"/>
-                <a:satOff val="0"/>
-                <a:lumOff val="0"/>
-                <a:alphaOff val="0"/>
-                <a:satMod val="110000"/>
-                <a:lumMod val="100000"/>
-                <a:shade val="100000"/>
-              </a:schemeClr>
-            </a:gs>
-            <a:gs pos="100000">
-              <a:schemeClr val="accent2">
-                <a:hueOff val="0"/>
-                <a:satOff val="0"/>
-                <a:lumOff val="0"/>
-                <a:alphaOff val="0"/>
-                <a:lumMod val="99000"/>
-                <a:satMod val="120000"/>
-                <a:shade val="78000"/>
-              </a:schemeClr>
-            </a:gs>
-          </a:gsLst>
-          <a:lin ang="5400000" scaled="0"/>
-        </a:gradFill>
-        <a:ln>
-          <a:noFill/>
-        </a:ln>
-        <a:effectLst/>
-      </dsp:spPr>
-      <dsp:style>
-        <a:lnRef idx="0">
-          <a:scrgbClr r="0" g="0" b="0"/>
-        </a:lnRef>
-        <a:fillRef idx="3">
-          <a:scrgbClr r="0" g="0" b="0"/>
-        </a:fillRef>
-        <a:effectRef idx="2">
-          <a:scrgbClr r="0" g="0" b="0"/>
-        </a:effectRef>
-        <a:fontRef idx="minor">
-          <a:schemeClr val="lt1"/>
-        </a:fontRef>
-      </dsp:style>
-      <dsp:txBody>
-        <a:bodyPr spcFirstLastPara="0" vert="horz" wrap="square" lIns="106680" tIns="106680" rIns="106680" bIns="106680" numCol="1" spcCol="1270" anchor="ctr" anchorCtr="0">
-          <a:noAutofit/>
-        </a:bodyPr>
-        <a:lstStyle/>
-        <a:p>
-          <a:pPr lvl="0" algn="l" defTabSz="1244600">
-            <a:lnSpc>
-              <a:spcPct val="90000"/>
-            </a:lnSpc>
-            <a:spcBef>
-              <a:spcPct val="0"/>
-            </a:spcBef>
-            <a:spcAft>
-              <a:spcPct val="35000"/>
-            </a:spcAft>
-          </a:pPr>
-          <a:r>
-            <a:rPr lang="es-MX" sz="2800" kern="1200" dirty="0" smtClean="0"/>
-            <a:t>Ventajas</a:t>
-          </a:r>
-          <a:endParaRPr lang="en-US" sz="2800" kern="1200" dirty="0"/>
-        </a:p>
-      </dsp:txBody>
-      <dsp:txXfrm>
-        <a:off x="21143" y="942047"/>
-        <a:ext cx="10828356" cy="390831"/>
-      </dsp:txXfrm>
-    </dsp:sp>
-    <dsp:sp modelId="{8037761D-9DBE-4967-99F4-2C39C141E6A8}">
-      <dsp:nvSpPr>
-        <dsp:cNvPr id="0" name=""/>
-        <dsp:cNvSpPr/>
-      </dsp:nvSpPr>
-      <dsp:spPr>
-        <a:xfrm>
-          <a:off x="0" y="1354022"/>
-          <a:ext cx="10870642" cy="1689120"/>
-        </a:xfrm>
-        <a:prstGeom prst="rect">
-          <a:avLst/>
-        </a:prstGeom>
-        <a:noFill/>
-        <a:ln>
-          <a:noFill/>
-        </a:ln>
-        <a:effectLst/>
-      </dsp:spPr>
-      <dsp:style>
-        <a:lnRef idx="0">
-          <a:scrgbClr r="0" g="0" b="0"/>
-        </a:lnRef>
-        <a:fillRef idx="0">
-          <a:scrgbClr r="0" g="0" b="0"/>
-        </a:fillRef>
-        <a:effectRef idx="0">
-          <a:scrgbClr r="0" g="0" b="0"/>
-        </a:effectRef>
-        <a:fontRef idx="minor"/>
-      </dsp:style>
-      <dsp:txBody>
-        <a:bodyPr spcFirstLastPara="0" vert="horz" wrap="square" lIns="345143" tIns="16510" rIns="92456" bIns="16510" numCol="1" spcCol="1270" anchor="t" anchorCtr="0">
-          <a:noAutofit/>
-        </a:bodyPr>
-        <a:lstStyle/>
-        <a:p>
-          <a:pPr marL="114300" lvl="1" indent="-114300" algn="l" defTabSz="577850">
-            <a:lnSpc>
-              <a:spcPct val="90000"/>
-            </a:lnSpc>
-            <a:spcBef>
-              <a:spcPct val="0"/>
-            </a:spcBef>
-            <a:spcAft>
-              <a:spcPct val="20000"/>
-            </a:spcAft>
-            <a:buChar char="••"/>
-          </a:pPr>
-          <a:r>
-            <a:rPr lang="es-MX" sz="1300" kern="1200" dirty="0" smtClean="0"/>
-            <a:t>El costo del uso del árbol para predecir los datos disminuye con cada punto de datos adicional.</a:t>
-          </a:r>
-          <a:endParaRPr lang="en-US" sz="1300" kern="1200" dirty="0"/>
-        </a:p>
-        <a:p>
-          <a:pPr marL="114300" lvl="1" indent="-114300" algn="l" defTabSz="577850">
-            <a:lnSpc>
-              <a:spcPct val="90000"/>
-            </a:lnSpc>
-            <a:spcBef>
-              <a:spcPct val="0"/>
-            </a:spcBef>
-            <a:spcAft>
-              <a:spcPct val="20000"/>
-            </a:spcAft>
-            <a:buChar char="••"/>
-          </a:pPr>
-          <a:r>
-            <a:rPr lang="es-MX" sz="1300" kern="1200" dirty="0" smtClean="0"/>
-            <a:t>Funciona para los datos numéricos o categóricos.</a:t>
-          </a:r>
-          <a:endParaRPr lang="en-US" sz="1300" kern="1200" dirty="0"/>
-        </a:p>
-        <a:p>
-          <a:pPr marL="114300" lvl="1" indent="-114300" algn="l" defTabSz="577850">
-            <a:lnSpc>
-              <a:spcPct val="90000"/>
-            </a:lnSpc>
-            <a:spcBef>
-              <a:spcPct val="0"/>
-            </a:spcBef>
-            <a:spcAft>
-              <a:spcPct val="20000"/>
-            </a:spcAft>
-            <a:buChar char="••"/>
-          </a:pPr>
-          <a:r>
-            <a:rPr lang="es-MX" sz="1300" kern="1200" dirty="0" smtClean="0"/>
-            <a:t>Puede modelar problemas con múltiples resultados.</a:t>
-          </a:r>
-          <a:endParaRPr lang="en-US" sz="1300" kern="1200" dirty="0"/>
-        </a:p>
-        <a:p>
-          <a:pPr marL="114300" lvl="1" indent="-114300" algn="l" defTabSz="577850">
-            <a:lnSpc>
-              <a:spcPct val="90000"/>
-            </a:lnSpc>
-            <a:spcBef>
-              <a:spcPct val="0"/>
-            </a:spcBef>
-            <a:spcAft>
-              <a:spcPct val="20000"/>
-            </a:spcAft>
-            <a:buChar char="••"/>
-          </a:pPr>
-          <a:r>
-            <a:rPr lang="es-MX" sz="1300" kern="1200" dirty="0" smtClean="0"/>
-            <a:t>Usa un modelo de caja blanca (lo que hace que los resultados sean fáciles de explicar).</a:t>
-          </a:r>
-          <a:endParaRPr lang="en-US" sz="1300" kern="1200" dirty="0"/>
-        </a:p>
-        <a:p>
-          <a:pPr marL="114300" lvl="1" indent="-114300" algn="l" defTabSz="577850">
-            <a:lnSpc>
-              <a:spcPct val="90000"/>
-            </a:lnSpc>
-            <a:spcBef>
-              <a:spcPct val="0"/>
-            </a:spcBef>
-            <a:spcAft>
-              <a:spcPct val="20000"/>
-            </a:spcAft>
-            <a:buChar char="••"/>
-          </a:pPr>
-          <a:r>
-            <a:rPr lang="es-MX" sz="1300" kern="1200" dirty="0" smtClean="0"/>
-            <a:t>La fiabilidad de un árbol se puede cuantificar y poner a prueba.</a:t>
-          </a:r>
-          <a:endParaRPr lang="en-US" sz="1300" kern="1200" dirty="0"/>
-        </a:p>
-        <a:p>
-          <a:pPr marL="114300" lvl="1" indent="-114300" algn="l" defTabSz="577850">
-            <a:lnSpc>
-              <a:spcPct val="90000"/>
-            </a:lnSpc>
-            <a:spcBef>
-              <a:spcPct val="0"/>
-            </a:spcBef>
-            <a:spcAft>
-              <a:spcPct val="20000"/>
-            </a:spcAft>
-            <a:buChar char="••"/>
-          </a:pPr>
-          <a:r>
-            <a:rPr lang="es-MX" sz="1300" kern="1200" dirty="0" smtClean="0"/>
-            <a:t>Tiende a ser preciso independientemente de si viola las suposiciones de los datos de origen.</a:t>
-          </a:r>
-          <a:endParaRPr lang="en-US" sz="1300" kern="1200" dirty="0"/>
-        </a:p>
-        <a:p>
-          <a:pPr marL="114300" lvl="1" indent="-114300" algn="l" defTabSz="577850">
-            <a:lnSpc>
-              <a:spcPct val="90000"/>
-            </a:lnSpc>
-            <a:spcBef>
-              <a:spcPct val="0"/>
-            </a:spcBef>
-            <a:spcAft>
-              <a:spcPct val="20000"/>
-            </a:spcAft>
-            <a:buChar char="••"/>
-          </a:pPr>
-          <a:endParaRPr lang="en-US" sz="1300" kern="1200" dirty="0"/>
-        </a:p>
-      </dsp:txBody>
-      <dsp:txXfrm>
-        <a:off x="0" y="1354022"/>
-        <a:ext cx="10870642" cy="1689120"/>
-      </dsp:txXfrm>
-    </dsp:sp>
-    <dsp:sp modelId="{C74A6AA8-8728-4A4B-9943-5D50681CF39E}">
-      <dsp:nvSpPr>
-        <dsp:cNvPr id="0" name=""/>
-        <dsp:cNvSpPr/>
-      </dsp:nvSpPr>
-      <dsp:spPr>
-        <a:xfrm>
-          <a:off x="0" y="3043142"/>
-          <a:ext cx="10870642" cy="394779"/>
-        </a:xfrm>
-        <a:prstGeom prst="roundRect">
-          <a:avLst/>
-        </a:prstGeom>
-        <a:gradFill rotWithShape="0">
-          <a:gsLst>
-            <a:gs pos="0">
-              <a:schemeClr val="accent2">
-                <a:hueOff val="-1455363"/>
-                <a:satOff val="-83928"/>
-                <a:lumOff val="8628"/>
-                <a:alphaOff val="0"/>
-                <a:satMod val="103000"/>
-                <a:lumMod val="102000"/>
-                <a:tint val="94000"/>
-              </a:schemeClr>
-            </a:gs>
-            <a:gs pos="50000">
-              <a:schemeClr val="accent2">
-                <a:hueOff val="-1455363"/>
-                <a:satOff val="-83928"/>
-                <a:lumOff val="8628"/>
-                <a:alphaOff val="0"/>
-                <a:satMod val="110000"/>
-                <a:lumMod val="100000"/>
-                <a:shade val="100000"/>
-              </a:schemeClr>
-            </a:gs>
-            <a:gs pos="100000">
-              <a:schemeClr val="accent2">
-                <a:hueOff val="-1455363"/>
-                <a:satOff val="-83928"/>
-                <a:lumOff val="8628"/>
-                <a:alphaOff val="0"/>
-                <a:lumMod val="99000"/>
-                <a:satMod val="120000"/>
-                <a:shade val="78000"/>
-              </a:schemeClr>
-            </a:gs>
-          </a:gsLst>
-          <a:lin ang="5400000" scaled="0"/>
-        </a:gradFill>
-        <a:ln>
-          <a:noFill/>
-        </a:ln>
-        <a:effectLst/>
-      </dsp:spPr>
-      <dsp:style>
-        <a:lnRef idx="0">
-          <a:scrgbClr r="0" g="0" b="0"/>
-        </a:lnRef>
-        <a:fillRef idx="3">
-          <a:scrgbClr r="0" g="0" b="0"/>
-        </a:fillRef>
-        <a:effectRef idx="2">
-          <a:scrgbClr r="0" g="0" b="0"/>
-        </a:effectRef>
-        <a:fontRef idx="minor">
-          <a:schemeClr val="lt1"/>
-        </a:fontRef>
-      </dsp:style>
-      <dsp:txBody>
-        <a:bodyPr spcFirstLastPara="0" vert="horz" wrap="square" lIns="106680" tIns="106680" rIns="106680" bIns="106680" numCol="1" spcCol="1270" anchor="ctr" anchorCtr="0">
-          <a:noAutofit/>
-        </a:bodyPr>
-        <a:lstStyle/>
-        <a:p>
-          <a:pPr lvl="0" algn="l" defTabSz="1244600">
-            <a:lnSpc>
-              <a:spcPct val="90000"/>
-            </a:lnSpc>
-            <a:spcBef>
-              <a:spcPct val="0"/>
-            </a:spcBef>
-            <a:spcAft>
-              <a:spcPct val="35000"/>
-            </a:spcAft>
-          </a:pPr>
-          <a:r>
-            <a:rPr lang="es-MX" sz="2800" kern="1200" dirty="0" smtClean="0"/>
-            <a:t>Desventajas</a:t>
-          </a:r>
-          <a:endParaRPr lang="en-US" sz="2800" kern="1200" dirty="0"/>
-        </a:p>
-      </dsp:txBody>
-      <dsp:txXfrm>
-        <a:off x="19272" y="3062414"/>
-        <a:ext cx="10832098" cy="356235"/>
-      </dsp:txXfrm>
-    </dsp:sp>
-    <dsp:sp modelId="{38B47B1D-1D19-4C17-9B98-1331F42C73B8}">
-      <dsp:nvSpPr>
-        <dsp:cNvPr id="0" name=""/>
-        <dsp:cNvSpPr/>
-      </dsp:nvSpPr>
-      <dsp:spPr>
-        <a:xfrm>
-          <a:off x="0" y="3437922"/>
-          <a:ext cx="10870642" cy="1059840"/>
-        </a:xfrm>
-        <a:prstGeom prst="rect">
-          <a:avLst/>
-        </a:prstGeom>
-        <a:noFill/>
-        <a:ln>
-          <a:noFill/>
-        </a:ln>
-        <a:effectLst/>
-      </dsp:spPr>
-      <dsp:style>
-        <a:lnRef idx="0">
-          <a:scrgbClr r="0" g="0" b="0"/>
-        </a:lnRef>
-        <a:fillRef idx="0">
-          <a:scrgbClr r="0" g="0" b="0"/>
-        </a:fillRef>
-        <a:effectRef idx="0">
-          <a:scrgbClr r="0" g="0" b="0"/>
-        </a:effectRef>
-        <a:fontRef idx="minor"/>
-      </dsp:style>
-      <dsp:txBody>
-        <a:bodyPr spcFirstLastPara="0" vert="horz" wrap="square" lIns="345143" tIns="16510" rIns="92456" bIns="16510" numCol="1" spcCol="1270" anchor="t" anchorCtr="0">
-          <a:noAutofit/>
-        </a:bodyPr>
-        <a:lstStyle/>
-        <a:p>
-          <a:pPr marL="114300" lvl="1" indent="-114300" algn="l" defTabSz="577850">
-            <a:lnSpc>
-              <a:spcPct val="90000"/>
-            </a:lnSpc>
-            <a:spcBef>
-              <a:spcPct val="0"/>
-            </a:spcBef>
-            <a:spcAft>
-              <a:spcPct val="20000"/>
-            </a:spcAft>
-            <a:buChar char="••"/>
-          </a:pPr>
-          <a:r>
-            <a:rPr lang="es-MX" sz="1300" kern="1200" dirty="0" smtClean="0"/>
-            <a:t>Cuando se presentan datos categóricos con múltiples niveles, la información obtenida se inclina a favor de los atributos con mayoría de niveles.</a:t>
-          </a:r>
-          <a:endParaRPr lang="en-US" sz="1300" kern="1200" dirty="0"/>
-        </a:p>
-        <a:p>
-          <a:pPr marL="114300" lvl="1" indent="-114300" algn="l" defTabSz="577850">
-            <a:lnSpc>
-              <a:spcPct val="90000"/>
-            </a:lnSpc>
-            <a:spcBef>
-              <a:spcPct val="0"/>
-            </a:spcBef>
-            <a:spcAft>
-              <a:spcPct val="20000"/>
-            </a:spcAft>
-            <a:buChar char="••"/>
-          </a:pPr>
-          <a:r>
-            <a:rPr lang="es-MX" sz="1300" kern="1200" dirty="0" smtClean="0"/>
-            <a:t>Los cálculos pueden volverse complejos al lidiar con la falta de certezas y numerosos resultados relacionados.</a:t>
-          </a:r>
-          <a:endParaRPr lang="en-US" sz="1300" kern="1200" dirty="0"/>
-        </a:p>
-        <a:p>
-          <a:pPr marL="114300" lvl="1" indent="-114300" algn="l" defTabSz="577850">
-            <a:lnSpc>
-              <a:spcPct val="90000"/>
-            </a:lnSpc>
-            <a:spcBef>
-              <a:spcPct val="0"/>
-            </a:spcBef>
-            <a:spcAft>
-              <a:spcPct val="20000"/>
-            </a:spcAft>
-            <a:buChar char="••"/>
-          </a:pPr>
-          <a:r>
-            <a:rPr lang="es-MX" sz="1300" kern="1200" dirty="0" smtClean="0"/>
-            <a:t>Las conjunciones entre nodos se limitan a AND, mientras que los gráficos de decisión admiten nódulos relacionados mediante OR.</a:t>
-          </a:r>
-          <a:endParaRPr lang="en-US" sz="1300" kern="1200" dirty="0"/>
-        </a:p>
-      </dsp:txBody>
-      <dsp:txXfrm>
-        <a:off x="0" y="3437922"/>
-        <a:ext cx="10870642" cy="1059840"/>
-      </dsp:txXfrm>
-    </dsp:sp>
   </dsp:spTree>
 </dsp:drawing>
 </file>
@@ -9590,7 +7915,7 @@
           <a:p>
             <a:fld id="{EC13577B-6902-467D-A26C-08A0DD5E4E03}" type="datetimeFigureOut">
               <a:rPr lang="en-US" smtClean="0"/>
-              <a:t>2/13/2019</a:t>
+              <a:t>2/22/2019</a:t>
             </a:fld>
             <a:endParaRPr lang="en-US"/>
           </a:p>
@@ -10183,7 +8508,7 @@
                 <a:ea typeface="+mn-ea"/>
                 <a:cs typeface="+mn-cs"/>
               </a:rPr>
-              <a:t>21</a:t>
+              <a:t>26</a:t>
             </a:fld>
             <a:endParaRPr lang="en-US" sz="1200" b="0" i="0">
               <a:latin typeface="Calibri"/>
@@ -10402,7 +8727,7 @@
           <a:p>
             <a:fld id="{8BEEBAAA-29B5-4AF5-BC5F-7E580C29002D}" type="datetimeFigureOut">
               <a:rPr lang="en-US" smtClean="0"/>
-              <a:t>2/13/2019</a:t>
+              <a:t>2/22/2019</a:t>
             </a:fld>
             <a:endParaRPr lang="en-US"/>
           </a:p>
@@ -10679,7 +9004,7 @@
           <a:p>
             <a:fld id="{8BEEBAAA-29B5-4AF5-BC5F-7E580C29002D}" type="datetimeFigureOut">
               <a:rPr lang="en-US" smtClean="0"/>
-              <a:t>2/13/2019</a:t>
+              <a:t>2/22/2019</a:t>
             </a:fld>
             <a:endParaRPr lang="en-US"/>
           </a:p>
@@ -10961,7 +9286,7 @@
           <a:p>
             <a:fld id="{8BEEBAAA-29B5-4AF5-BC5F-7E580C29002D}" type="datetimeFigureOut">
               <a:rPr lang="en-US" smtClean="0"/>
-              <a:t>2/13/2019</a:t>
+              <a:t>2/22/2019</a:t>
             </a:fld>
             <a:endParaRPr lang="en-US"/>
           </a:p>
@@ -11322,7 +9647,7 @@
           <a:p>
             <a:fld id="{8BEEBAAA-29B5-4AF5-BC5F-7E580C29002D}" type="datetimeFigureOut">
               <a:rPr lang="en-US" smtClean="0"/>
-              <a:t>2/13/2019</a:t>
+              <a:t>2/22/2019</a:t>
             </a:fld>
             <a:endParaRPr lang="en-US"/>
           </a:p>
@@ -11622,7 +9947,7 @@
           <a:p>
             <a:fld id="{8BEEBAAA-29B5-4AF5-BC5F-7E580C29002D}" type="datetimeFigureOut">
               <a:rPr lang="en-US" smtClean="0"/>
-              <a:t>2/13/2019</a:t>
+              <a:t>2/22/2019</a:t>
             </a:fld>
             <a:endParaRPr lang="en-US"/>
           </a:p>
@@ -12137,7 +10462,7 @@
           <a:p>
             <a:fld id="{8BEEBAAA-29B5-4AF5-BC5F-7E580C29002D}" type="datetimeFigureOut">
               <a:rPr lang="en-US" smtClean="0"/>
-              <a:t>2/13/2019</a:t>
+              <a:t>2/22/2019</a:t>
             </a:fld>
             <a:endParaRPr lang="en-US"/>
           </a:p>
@@ -12782,7 +11107,7 @@
           <a:p>
             <a:fld id="{8BEEBAAA-29B5-4AF5-BC5F-7E580C29002D}" type="datetimeFigureOut">
               <a:rPr lang="en-US" smtClean="0"/>
-              <a:t>2/13/2019</a:t>
+              <a:t>2/22/2019</a:t>
             </a:fld>
             <a:endParaRPr lang="en-US"/>
           </a:p>
@@ -13007,7 +11332,7 @@
           <a:p>
             <a:fld id="{8BEEBAAA-29B5-4AF5-BC5F-7E580C29002D}" type="datetimeFigureOut">
               <a:rPr lang="en-US" smtClean="0"/>
-              <a:t>2/13/2019</a:t>
+              <a:t>2/22/2019</a:t>
             </a:fld>
             <a:endParaRPr lang="en-US"/>
           </a:p>
@@ -13148,7 +11473,7 @@
           <a:p>
             <a:fld id="{8BEEBAAA-29B5-4AF5-BC5F-7E580C29002D}" type="datetimeFigureOut">
               <a:rPr lang="en-US" smtClean="0"/>
-              <a:t>2/13/2019</a:t>
+              <a:t>2/22/2019</a:t>
             </a:fld>
             <a:endParaRPr lang="en-US"/>
           </a:p>
@@ -13485,7 +11810,7 @@
           <a:p>
             <a:fld id="{8BEEBAAA-29B5-4AF5-BC5F-7E580C29002D}" type="datetimeFigureOut">
               <a:rPr lang="en-US" smtClean="0"/>
-              <a:t>2/13/2019</a:t>
+              <a:t>2/22/2019</a:t>
             </a:fld>
             <a:endParaRPr lang="en-US"/>
           </a:p>
@@ -13742,7 +12067,7 @@
           <a:p>
             <a:fld id="{8BEEBAAA-29B5-4AF5-BC5F-7E580C29002D}" type="datetimeFigureOut">
               <a:rPr lang="en-US" smtClean="0"/>
-              <a:t>2/13/2019</a:t>
+              <a:t>2/22/2019</a:t>
             </a:fld>
             <a:endParaRPr lang="en-US"/>
           </a:p>
@@ -13955,7 +12280,7 @@
           <a:p>
             <a:fld id="{8BEEBAAA-29B5-4AF5-BC5F-7E580C29002D}" type="datetimeFigureOut">
               <a:rPr lang="en-US" smtClean="0"/>
-              <a:t>2/13/2019</a:t>
+              <a:t>2/22/2019</a:t>
             </a:fld>
             <a:endParaRPr lang="en-US"/>
           </a:p>
@@ -14384,11 +12709,7 @@
             </a:r>
             <a:r>
               <a:rPr lang="es-MX" cap="all" dirty="0" smtClean="0"/>
-              <a:t>: </a:t>
-            </a:r>
-            <a:r>
-              <a:rPr lang="es-MX" cap="all" dirty="0" smtClean="0"/>
-              <a:t>ARBOLES de DECISIÓN</a:t>
+              <a:t>: ARBOLES de DECISIÓN</a:t>
             </a:r>
             <a:endParaRPr lang="en-US" cap="all" dirty="0"/>
           </a:p>
@@ -14418,11 +12739,7 @@
           <a:p>
             <a:r>
               <a:rPr lang="es-MX" sz="2400" dirty="0" smtClean="0"/>
-              <a:t>Análisis de </a:t>
-            </a:r>
-            <a:r>
-              <a:rPr lang="es-MX" sz="2400" dirty="0" smtClean="0"/>
-              <a:t>Arboles de Decisión</a:t>
+              <a:t>Análisis de Arboles de Decisión</a:t>
             </a:r>
             <a:endParaRPr lang="es-ES" sz="2600" noProof="1"/>
           </a:p>
@@ -14632,15 +12949,7 @@
                   <a:srgbClr val="DD462F"/>
                 </a:solidFill>
               </a:rPr>
-              <a:t>San Salvador, </a:t>
-            </a:r>
-            <a:r>
-              <a:rPr lang="es-ES" sz="1800" noProof="1" smtClean="0">
-                <a:solidFill>
-                  <a:srgbClr val="DD462F"/>
-                </a:solidFill>
-              </a:rPr>
-              <a:t>Febrero 2019</a:t>
+              <a:t>San Salvador, Febrero 2019</a:t>
             </a:r>
             <a:endParaRPr lang="es-ES" sz="1800" noProof="1">
               <a:solidFill>
@@ -15396,7 +13705,6 @@
               <a:rPr lang="es-MX" sz="1000" dirty="0" smtClean="0"/>
               <a:t>C5.0</a:t>
             </a:r>
-            <a:endParaRPr lang="es-MX" sz="1000" dirty="0" smtClean="0"/>
           </a:p>
         </p:txBody>
       </p:sp>
@@ -16859,7 +15167,7 @@
           <a:graphicData uri="http://schemas.openxmlformats.org/presentationml/2006/ole">
             <mc:AlternateContent xmlns:mc="http://schemas.openxmlformats.org/markup-compatibility/2006">
               <mc:Choice xmlns:v="urn:schemas-microsoft-com:vml" Requires="v">
-                <p:oleObj spid="_x0000_s1065" name="Ecuación" r:id="rId3" imgW="1777229" imgH="393529" progId="Equation.3">
+                <p:oleObj spid="_x0000_s1095" name="Ecuación" r:id="rId3" imgW="1777229" imgH="393529" progId="Equation.3">
                   <p:embed/>
                 </p:oleObj>
               </mc:Choice>
@@ -16998,7 +15306,7 @@
           <a:graphicData uri="http://schemas.openxmlformats.org/presentationml/2006/ole">
             <mc:AlternateContent xmlns:mc="http://schemas.openxmlformats.org/markup-compatibility/2006">
               <mc:Choice xmlns:v="urn:schemas-microsoft-com:vml" Requires="v">
-                <p:oleObj spid="_x0000_s1066" name="Ecuación" r:id="rId5" imgW="1841500" imgH="393700" progId="Equation.3">
+                <p:oleObj spid="_x0000_s1096" name="Ecuación" r:id="rId5" imgW="1841500" imgH="393700" progId="Equation.3">
                   <p:embed/>
                 </p:oleObj>
               </mc:Choice>
@@ -17219,7 +15527,7 @@
           <a:graphicData uri="http://schemas.openxmlformats.org/presentationml/2006/ole">
             <mc:AlternateContent xmlns:mc="http://schemas.openxmlformats.org/markup-compatibility/2006">
               <mc:Choice xmlns:v="urn:schemas-microsoft-com:vml" Requires="v">
-                <p:oleObj spid="_x0000_s1067" name="Ecuación" r:id="rId7" imgW="1345616" imgH="393529" progId="Equation.3">
+                <p:oleObj spid="_x0000_s1097" name="Ecuación" r:id="rId7" imgW="1345616" imgH="393529" progId="Equation.3">
                   <p:embed/>
                 </p:oleObj>
               </mc:Choice>
@@ -17358,7 +15666,7 @@
           <a:graphicData uri="http://schemas.openxmlformats.org/presentationml/2006/ole">
             <mc:AlternateContent xmlns:mc="http://schemas.openxmlformats.org/markup-compatibility/2006">
               <mc:Choice xmlns:v="urn:schemas-microsoft-com:vml" Requires="v">
-                <p:oleObj spid="_x0000_s1068" name="Ecuación" r:id="rId9" imgW="1193800" imgH="393700" progId="Equation.3">
+                <p:oleObj spid="_x0000_s1098" name="Ecuación" r:id="rId9" imgW="1193800" imgH="393700" progId="Equation.3">
                   <p:embed/>
                 </p:oleObj>
               </mc:Choice>
@@ -17497,7 +15805,7 @@
           <a:graphicData uri="http://schemas.openxmlformats.org/presentationml/2006/ole">
             <mc:AlternateContent xmlns:mc="http://schemas.openxmlformats.org/markup-compatibility/2006">
               <mc:Choice xmlns:v="urn:schemas-microsoft-com:vml" Requires="v">
-                <p:oleObj spid="_x0000_s1069" name="Ecuación" r:id="rId11" imgW="2209800" imgH="393700" progId="Equation.3">
+                <p:oleObj spid="_x0000_s1099" name="Ecuación" r:id="rId11" imgW="2209800" imgH="393700" progId="Equation.3">
                   <p:embed/>
                 </p:oleObj>
               </mc:Choice>
@@ -17643,6 +15951,1627 @@
 </file>
 
 <file path=ppt/slides/slide21.xml><?xml version="1.0" encoding="utf-8"?>
+<p:sld xmlns:a="http://schemas.openxmlformats.org/drawingml/2006/main" xmlns:r="http://schemas.openxmlformats.org/officeDocument/2006/relationships" xmlns:p="http://schemas.openxmlformats.org/presentationml/2006/main">
+  <p:cSld>
+    <p:spTree>
+      <p:nvGrpSpPr>
+        <p:cNvPr id="1" name=""/>
+        <p:cNvGrpSpPr/>
+        <p:nvPr/>
+      </p:nvGrpSpPr>
+      <p:grpSpPr>
+        <a:xfrm>
+          <a:off x="0" y="0"/>
+          <a:ext cx="0" cy="0"/>
+          <a:chOff x="0" y="0"/>
+          <a:chExt cx="0" cy="0"/>
+        </a:xfrm>
+      </p:grpSpPr>
+      <p:sp>
+        <p:nvSpPr>
+          <p:cNvPr id="2" name="Título 1"/>
+          <p:cNvSpPr>
+            <a:spLocks noGrp="1"/>
+          </p:cNvSpPr>
+          <p:nvPr>
+            <p:ph type="title"/>
+          </p:nvPr>
+        </p:nvSpPr>
+        <p:spPr/>
+        <p:txBody>
+          <a:bodyPr/>
+          <a:lstStyle/>
+          <a:p>
+            <a:r>
+              <a:rPr lang="es-MX" dirty="0" smtClean="0"/>
+              <a:t>Área bajo la Curva y otros conceptos</a:t>
+            </a:r>
+            <a:endParaRPr lang="en-US" dirty="0"/>
+          </a:p>
+        </p:txBody>
+      </p:sp>
+      <p:sp>
+        <p:nvSpPr>
+          <p:cNvPr id="3" name="Rectangle 2"/>
+          <p:cNvSpPr>
+            <a:spLocks noChangeArrowheads="1"/>
+          </p:cNvSpPr>
+          <p:nvPr/>
+        </p:nvSpPr>
+        <p:spPr bwMode="auto">
+          <a:xfrm>
+            <a:off x="1017431" y="2679530"/>
+            <a:ext cx="12192000" cy="0"/>
+          </a:xfrm>
+          <a:prstGeom prst="rect">
+            <a:avLst/>
+          </a:prstGeom>
+          <a:noFill/>
+          <a:ln>
+            <a:noFill/>
+          </a:ln>
+          <a:effectLst/>
+          <a:extLst>
+            <a:ext uri="{909E8E84-426E-40DD-AFC4-6F175D3DCCD1}">
+              <a14:hiddenFill xmlns:a14="http://schemas.microsoft.com/office/drawing/2010/main">
+                <a:solidFill>
+                  <a:schemeClr val="accent1"/>
+                </a:solidFill>
+              </a14:hiddenFill>
+            </a:ext>
+            <a:ext uri="{91240B29-F687-4F45-9708-019B960494DF}">
+              <a14:hiddenLine xmlns:a14="http://schemas.microsoft.com/office/drawing/2010/main" w="9525">
+                <a:solidFill>
+                  <a:schemeClr val="tx1"/>
+                </a:solidFill>
+                <a:miter lim="800000"/>
+                <a:headEnd/>
+                <a:tailEnd/>
+              </a14:hiddenLine>
+            </a:ext>
+            <a:ext uri="{AF507438-7753-43E0-B8FC-AC1667EBCBE1}">
+              <a14:hiddenEffects xmlns:a14="http://schemas.microsoft.com/office/drawing/2010/main">
+                <a:effectLst>
+                  <a:outerShdw dist="35921" dir="2700000" algn="ctr" rotWithShape="0">
+                    <a:schemeClr val="bg2"/>
+                  </a:outerShdw>
+                </a:effectLst>
+              </a14:hiddenEffects>
+            </a:ext>
+          </a:extLst>
+        </p:spPr>
+        <p:txBody>
+          <a:bodyPr vert="horz" wrap="none" lIns="91440" tIns="45720" rIns="91440" bIns="45720" numCol="1" anchor="ctr" anchorCtr="0" compatLnSpc="1">
+            <a:prstTxWarp prst="textNoShape">
+              <a:avLst/>
+            </a:prstTxWarp>
+            <a:spAutoFit/>
+          </a:bodyPr>
+          <a:lstStyle/>
+          <a:p>
+            <a:endParaRPr lang="en-US"/>
+          </a:p>
+        </p:txBody>
+      </p:sp>
+      <p:sp>
+        <p:nvSpPr>
+          <p:cNvPr id="10" name="Rectangle 4"/>
+          <p:cNvSpPr>
+            <a:spLocks noChangeArrowheads="1"/>
+          </p:cNvSpPr>
+          <p:nvPr/>
+        </p:nvSpPr>
+        <p:spPr bwMode="auto">
+          <a:xfrm>
+            <a:off x="3606084" y="2679530"/>
+            <a:ext cx="12192000" cy="0"/>
+          </a:xfrm>
+          <a:prstGeom prst="rect">
+            <a:avLst/>
+          </a:prstGeom>
+          <a:noFill/>
+          <a:ln>
+            <a:noFill/>
+          </a:ln>
+          <a:effectLst/>
+          <a:extLst>
+            <a:ext uri="{909E8E84-426E-40DD-AFC4-6F175D3DCCD1}">
+              <a14:hiddenFill xmlns:a14="http://schemas.microsoft.com/office/drawing/2010/main">
+                <a:solidFill>
+                  <a:schemeClr val="accent1"/>
+                </a:solidFill>
+              </a14:hiddenFill>
+            </a:ext>
+            <a:ext uri="{91240B29-F687-4F45-9708-019B960494DF}">
+              <a14:hiddenLine xmlns:a14="http://schemas.microsoft.com/office/drawing/2010/main" w="9525">
+                <a:solidFill>
+                  <a:schemeClr val="tx1"/>
+                </a:solidFill>
+                <a:miter lim="800000"/>
+                <a:headEnd/>
+                <a:tailEnd/>
+              </a14:hiddenLine>
+            </a:ext>
+            <a:ext uri="{AF507438-7753-43E0-B8FC-AC1667EBCBE1}">
+              <a14:hiddenEffects xmlns:a14="http://schemas.microsoft.com/office/drawing/2010/main">
+                <a:effectLst>
+                  <a:outerShdw dist="35921" dir="2700000" algn="ctr" rotWithShape="0">
+                    <a:schemeClr val="bg2"/>
+                  </a:outerShdw>
+                </a:effectLst>
+              </a14:hiddenEffects>
+            </a:ext>
+          </a:extLst>
+        </p:spPr>
+        <p:txBody>
+          <a:bodyPr vert="horz" wrap="none" lIns="91440" tIns="45720" rIns="91440" bIns="45720" numCol="1" anchor="ctr" anchorCtr="0" compatLnSpc="1">
+            <a:prstTxWarp prst="textNoShape">
+              <a:avLst/>
+            </a:prstTxWarp>
+            <a:spAutoFit/>
+          </a:bodyPr>
+          <a:lstStyle/>
+          <a:p>
+            <a:endParaRPr lang="en-US"/>
+          </a:p>
+        </p:txBody>
+      </p:sp>
+      <p:sp>
+        <p:nvSpPr>
+          <p:cNvPr id="17" name="Rectangle 10"/>
+          <p:cNvSpPr>
+            <a:spLocks noChangeArrowheads="1"/>
+          </p:cNvSpPr>
+          <p:nvPr/>
+        </p:nvSpPr>
+        <p:spPr bwMode="auto">
+          <a:xfrm>
+            <a:off x="0" y="0"/>
+            <a:ext cx="12192000" cy="0"/>
+          </a:xfrm>
+          <a:prstGeom prst="rect">
+            <a:avLst/>
+          </a:prstGeom>
+          <a:noFill/>
+          <a:ln>
+            <a:noFill/>
+          </a:ln>
+          <a:effectLst/>
+          <a:extLst>
+            <a:ext uri="{909E8E84-426E-40DD-AFC4-6F175D3DCCD1}">
+              <a14:hiddenFill xmlns:a14="http://schemas.microsoft.com/office/drawing/2010/main">
+                <a:solidFill>
+                  <a:schemeClr val="accent1"/>
+                </a:solidFill>
+              </a14:hiddenFill>
+            </a:ext>
+            <a:ext uri="{91240B29-F687-4F45-9708-019B960494DF}">
+              <a14:hiddenLine xmlns:a14="http://schemas.microsoft.com/office/drawing/2010/main" w="9525">
+                <a:solidFill>
+                  <a:schemeClr val="tx1"/>
+                </a:solidFill>
+                <a:miter lim="800000"/>
+                <a:headEnd/>
+                <a:tailEnd/>
+              </a14:hiddenLine>
+            </a:ext>
+            <a:ext uri="{AF507438-7753-43E0-B8FC-AC1667EBCBE1}">
+              <a14:hiddenEffects xmlns:a14="http://schemas.microsoft.com/office/drawing/2010/main">
+                <a:effectLst>
+                  <a:outerShdw dist="35921" dir="2700000" algn="ctr" rotWithShape="0">
+                    <a:schemeClr val="bg2"/>
+                  </a:outerShdw>
+                </a:effectLst>
+              </a14:hiddenEffects>
+            </a:ext>
+          </a:extLst>
+        </p:spPr>
+        <p:txBody>
+          <a:bodyPr vert="horz" wrap="none" lIns="91440" tIns="45720" rIns="91440" bIns="45720" numCol="1" anchor="ctr" anchorCtr="0" compatLnSpc="1">
+            <a:prstTxWarp prst="textNoShape">
+              <a:avLst/>
+            </a:prstTxWarp>
+            <a:spAutoFit/>
+          </a:bodyPr>
+          <a:lstStyle/>
+          <a:p>
+            <a:endParaRPr lang="en-US"/>
+          </a:p>
+        </p:txBody>
+      </p:sp>
+      <p:pic>
+        <p:nvPicPr>
+          <p:cNvPr id="4" name="Imagen 3"/>
+          <p:cNvPicPr>
+            <a:picLocks noChangeAspect="1"/>
+          </p:cNvPicPr>
+          <p:nvPr/>
+        </p:nvPicPr>
+        <p:blipFill>
+          <a:blip r:embed="rId2"/>
+          <a:stretch>
+            <a:fillRect/>
+          </a:stretch>
+        </p:blipFill>
+        <p:spPr>
+          <a:xfrm>
+            <a:off x="489866" y="1723221"/>
+            <a:ext cx="4257675" cy="2381250"/>
+          </a:xfrm>
+          <a:prstGeom prst="rect">
+            <a:avLst/>
+          </a:prstGeom>
+        </p:spPr>
+      </p:pic>
+      <p:pic>
+        <p:nvPicPr>
+          <p:cNvPr id="5" name="Imagen 4"/>
+          <p:cNvPicPr>
+            <a:picLocks noChangeAspect="1"/>
+          </p:cNvPicPr>
+          <p:nvPr/>
+        </p:nvPicPr>
+        <p:blipFill>
+          <a:blip r:embed="rId3"/>
+          <a:stretch>
+            <a:fillRect/>
+          </a:stretch>
+        </p:blipFill>
+        <p:spPr>
+          <a:xfrm>
+            <a:off x="5462687" y="1742271"/>
+            <a:ext cx="4810125" cy="2362200"/>
+          </a:xfrm>
+          <a:prstGeom prst="rect">
+            <a:avLst/>
+          </a:prstGeom>
+        </p:spPr>
+      </p:pic>
+      <p:sp>
+        <p:nvSpPr>
+          <p:cNvPr id="6" name="Rectángulo 5"/>
+          <p:cNvSpPr/>
+          <p:nvPr/>
+        </p:nvSpPr>
+        <p:spPr>
+          <a:xfrm>
+            <a:off x="489865" y="5832746"/>
+            <a:ext cx="11384455" cy="338554"/>
+          </a:xfrm>
+          <a:prstGeom prst="rect">
+            <a:avLst/>
+          </a:prstGeom>
+        </p:spPr>
+        <p:txBody>
+          <a:bodyPr wrap="square">
+            <a:spAutoFit/>
+          </a:bodyPr>
+          <a:lstStyle/>
+          <a:p>
+            <a:r>
+              <a:rPr lang="en-US" sz="1600" dirty="0"/>
+              <a:t>https://developers.google.com/machine-learning/crash-course/classification/precision-and-recall?hl=es-419</a:t>
+            </a:r>
+          </a:p>
+        </p:txBody>
+      </p:sp>
+      <p:pic>
+        <p:nvPicPr>
+          <p:cNvPr id="7" name="Imagen 6"/>
+          <p:cNvPicPr>
+            <a:picLocks noChangeAspect="1"/>
+          </p:cNvPicPr>
+          <p:nvPr/>
+        </p:nvPicPr>
+        <p:blipFill>
+          <a:blip r:embed="rId4"/>
+          <a:stretch>
+            <a:fillRect/>
+          </a:stretch>
+        </p:blipFill>
+        <p:spPr>
+          <a:xfrm>
+            <a:off x="489865" y="4216866"/>
+            <a:ext cx="7839075" cy="1200150"/>
+          </a:xfrm>
+          <a:prstGeom prst="rect">
+            <a:avLst/>
+          </a:prstGeom>
+        </p:spPr>
+      </p:pic>
+      <p:sp>
+        <p:nvSpPr>
+          <p:cNvPr id="20" name="Rectángulo 19"/>
+          <p:cNvSpPr/>
+          <p:nvPr/>
+        </p:nvSpPr>
+        <p:spPr>
+          <a:xfrm>
+            <a:off x="4893972" y="5190186"/>
+            <a:ext cx="3876541" cy="425003"/>
+          </a:xfrm>
+          <a:prstGeom prst="rect">
+            <a:avLst/>
+          </a:prstGeom>
+          <a:solidFill>
+            <a:schemeClr val="bg1"/>
+          </a:solidFill>
+          <a:ln>
+            <a:noFill/>
+          </a:ln>
+        </p:spPr>
+        <p:style>
+          <a:lnRef idx="2">
+            <a:schemeClr val="accent1">
+              <a:shade val="50000"/>
+            </a:schemeClr>
+          </a:lnRef>
+          <a:fillRef idx="1">
+            <a:schemeClr val="accent1"/>
+          </a:fillRef>
+          <a:effectRef idx="0">
+            <a:schemeClr val="accent1"/>
+          </a:effectRef>
+          <a:fontRef idx="minor">
+            <a:schemeClr val="lt1"/>
+          </a:fontRef>
+        </p:style>
+        <p:txBody>
+          <a:bodyPr rtlCol="0" anchor="ctr"/>
+          <a:lstStyle/>
+          <a:p>
+            <a:pPr algn="ctr"/>
+            <a:endParaRPr lang="en-US"/>
+          </a:p>
+        </p:txBody>
+      </p:sp>
+    </p:spTree>
+    <p:extLst>
+      <p:ext uri="{BB962C8B-B14F-4D97-AF65-F5344CB8AC3E}">
+        <p14:creationId xmlns:p14="http://schemas.microsoft.com/office/powerpoint/2010/main" val="490572805"/>
+      </p:ext>
+    </p:extLst>
+  </p:cSld>
+  <p:clrMapOvr>
+    <a:masterClrMapping/>
+  </p:clrMapOvr>
+</p:sld>
+</file>
+
+<file path=ppt/slides/slide22.xml><?xml version="1.0" encoding="utf-8"?>
+<p:sld xmlns:a="http://schemas.openxmlformats.org/drawingml/2006/main" xmlns:r="http://schemas.openxmlformats.org/officeDocument/2006/relationships" xmlns:p="http://schemas.openxmlformats.org/presentationml/2006/main">
+  <p:cSld>
+    <p:spTree>
+      <p:nvGrpSpPr>
+        <p:cNvPr id="1" name=""/>
+        <p:cNvGrpSpPr/>
+        <p:nvPr/>
+      </p:nvGrpSpPr>
+      <p:grpSpPr>
+        <a:xfrm>
+          <a:off x="0" y="0"/>
+          <a:ext cx="0" cy="0"/>
+          <a:chOff x="0" y="0"/>
+          <a:chExt cx="0" cy="0"/>
+        </a:xfrm>
+      </p:grpSpPr>
+      <p:sp>
+        <p:nvSpPr>
+          <p:cNvPr id="2" name="Título 1"/>
+          <p:cNvSpPr>
+            <a:spLocks noGrp="1"/>
+          </p:cNvSpPr>
+          <p:nvPr>
+            <p:ph type="title"/>
+          </p:nvPr>
+        </p:nvSpPr>
+        <p:spPr/>
+        <p:txBody>
+          <a:bodyPr/>
+          <a:lstStyle/>
+          <a:p>
+            <a:r>
+              <a:rPr lang="es-MX" dirty="0" smtClean="0"/>
+              <a:t>Área bajo la Curva y otros conceptos</a:t>
+            </a:r>
+            <a:endParaRPr lang="en-US" dirty="0"/>
+          </a:p>
+        </p:txBody>
+      </p:sp>
+      <p:sp>
+        <p:nvSpPr>
+          <p:cNvPr id="3" name="Rectangle 2"/>
+          <p:cNvSpPr>
+            <a:spLocks noChangeArrowheads="1"/>
+          </p:cNvSpPr>
+          <p:nvPr/>
+        </p:nvSpPr>
+        <p:spPr bwMode="auto">
+          <a:xfrm>
+            <a:off x="1017431" y="2679530"/>
+            <a:ext cx="12192000" cy="0"/>
+          </a:xfrm>
+          <a:prstGeom prst="rect">
+            <a:avLst/>
+          </a:prstGeom>
+          <a:noFill/>
+          <a:ln>
+            <a:noFill/>
+          </a:ln>
+          <a:effectLst/>
+          <a:extLst>
+            <a:ext uri="{909E8E84-426E-40DD-AFC4-6F175D3DCCD1}">
+              <a14:hiddenFill xmlns:a14="http://schemas.microsoft.com/office/drawing/2010/main">
+                <a:solidFill>
+                  <a:schemeClr val="accent1"/>
+                </a:solidFill>
+              </a14:hiddenFill>
+            </a:ext>
+            <a:ext uri="{91240B29-F687-4F45-9708-019B960494DF}">
+              <a14:hiddenLine xmlns:a14="http://schemas.microsoft.com/office/drawing/2010/main" w="9525">
+                <a:solidFill>
+                  <a:schemeClr val="tx1"/>
+                </a:solidFill>
+                <a:miter lim="800000"/>
+                <a:headEnd/>
+                <a:tailEnd/>
+              </a14:hiddenLine>
+            </a:ext>
+            <a:ext uri="{AF507438-7753-43E0-B8FC-AC1667EBCBE1}">
+              <a14:hiddenEffects xmlns:a14="http://schemas.microsoft.com/office/drawing/2010/main">
+                <a:effectLst>
+                  <a:outerShdw dist="35921" dir="2700000" algn="ctr" rotWithShape="0">
+                    <a:schemeClr val="bg2"/>
+                  </a:outerShdw>
+                </a:effectLst>
+              </a14:hiddenEffects>
+            </a:ext>
+          </a:extLst>
+        </p:spPr>
+        <p:txBody>
+          <a:bodyPr vert="horz" wrap="none" lIns="91440" tIns="45720" rIns="91440" bIns="45720" numCol="1" anchor="ctr" anchorCtr="0" compatLnSpc="1">
+            <a:prstTxWarp prst="textNoShape">
+              <a:avLst/>
+            </a:prstTxWarp>
+            <a:spAutoFit/>
+          </a:bodyPr>
+          <a:lstStyle/>
+          <a:p>
+            <a:endParaRPr lang="en-US"/>
+          </a:p>
+        </p:txBody>
+      </p:sp>
+      <p:sp>
+        <p:nvSpPr>
+          <p:cNvPr id="10" name="Rectangle 4"/>
+          <p:cNvSpPr>
+            <a:spLocks noChangeArrowheads="1"/>
+          </p:cNvSpPr>
+          <p:nvPr/>
+        </p:nvSpPr>
+        <p:spPr bwMode="auto">
+          <a:xfrm>
+            <a:off x="3606084" y="2679530"/>
+            <a:ext cx="12192000" cy="0"/>
+          </a:xfrm>
+          <a:prstGeom prst="rect">
+            <a:avLst/>
+          </a:prstGeom>
+          <a:noFill/>
+          <a:ln>
+            <a:noFill/>
+          </a:ln>
+          <a:effectLst/>
+          <a:extLst>
+            <a:ext uri="{909E8E84-426E-40DD-AFC4-6F175D3DCCD1}">
+              <a14:hiddenFill xmlns:a14="http://schemas.microsoft.com/office/drawing/2010/main">
+                <a:solidFill>
+                  <a:schemeClr val="accent1"/>
+                </a:solidFill>
+              </a14:hiddenFill>
+            </a:ext>
+            <a:ext uri="{91240B29-F687-4F45-9708-019B960494DF}">
+              <a14:hiddenLine xmlns:a14="http://schemas.microsoft.com/office/drawing/2010/main" w="9525">
+                <a:solidFill>
+                  <a:schemeClr val="tx1"/>
+                </a:solidFill>
+                <a:miter lim="800000"/>
+                <a:headEnd/>
+                <a:tailEnd/>
+              </a14:hiddenLine>
+            </a:ext>
+            <a:ext uri="{AF507438-7753-43E0-B8FC-AC1667EBCBE1}">
+              <a14:hiddenEffects xmlns:a14="http://schemas.microsoft.com/office/drawing/2010/main">
+                <a:effectLst>
+                  <a:outerShdw dist="35921" dir="2700000" algn="ctr" rotWithShape="0">
+                    <a:schemeClr val="bg2"/>
+                  </a:outerShdw>
+                </a:effectLst>
+              </a14:hiddenEffects>
+            </a:ext>
+          </a:extLst>
+        </p:spPr>
+        <p:txBody>
+          <a:bodyPr vert="horz" wrap="none" lIns="91440" tIns="45720" rIns="91440" bIns="45720" numCol="1" anchor="ctr" anchorCtr="0" compatLnSpc="1">
+            <a:prstTxWarp prst="textNoShape">
+              <a:avLst/>
+            </a:prstTxWarp>
+            <a:spAutoFit/>
+          </a:bodyPr>
+          <a:lstStyle/>
+          <a:p>
+            <a:endParaRPr lang="en-US"/>
+          </a:p>
+        </p:txBody>
+      </p:sp>
+      <p:sp>
+        <p:nvSpPr>
+          <p:cNvPr id="17" name="Rectangle 10"/>
+          <p:cNvSpPr>
+            <a:spLocks noChangeArrowheads="1"/>
+          </p:cNvSpPr>
+          <p:nvPr/>
+        </p:nvSpPr>
+        <p:spPr bwMode="auto">
+          <a:xfrm>
+            <a:off x="0" y="0"/>
+            <a:ext cx="12192000" cy="0"/>
+          </a:xfrm>
+          <a:prstGeom prst="rect">
+            <a:avLst/>
+          </a:prstGeom>
+          <a:noFill/>
+          <a:ln>
+            <a:noFill/>
+          </a:ln>
+          <a:effectLst/>
+          <a:extLst>
+            <a:ext uri="{909E8E84-426E-40DD-AFC4-6F175D3DCCD1}">
+              <a14:hiddenFill xmlns:a14="http://schemas.microsoft.com/office/drawing/2010/main">
+                <a:solidFill>
+                  <a:schemeClr val="accent1"/>
+                </a:solidFill>
+              </a14:hiddenFill>
+            </a:ext>
+            <a:ext uri="{91240B29-F687-4F45-9708-019B960494DF}">
+              <a14:hiddenLine xmlns:a14="http://schemas.microsoft.com/office/drawing/2010/main" w="9525">
+                <a:solidFill>
+                  <a:schemeClr val="tx1"/>
+                </a:solidFill>
+                <a:miter lim="800000"/>
+                <a:headEnd/>
+                <a:tailEnd/>
+              </a14:hiddenLine>
+            </a:ext>
+            <a:ext uri="{AF507438-7753-43E0-B8FC-AC1667EBCBE1}">
+              <a14:hiddenEffects xmlns:a14="http://schemas.microsoft.com/office/drawing/2010/main">
+                <a:effectLst>
+                  <a:outerShdw dist="35921" dir="2700000" algn="ctr" rotWithShape="0">
+                    <a:schemeClr val="bg2"/>
+                  </a:outerShdw>
+                </a:effectLst>
+              </a14:hiddenEffects>
+            </a:ext>
+          </a:extLst>
+        </p:spPr>
+        <p:txBody>
+          <a:bodyPr vert="horz" wrap="none" lIns="91440" tIns="45720" rIns="91440" bIns="45720" numCol="1" anchor="ctr" anchorCtr="0" compatLnSpc="1">
+            <a:prstTxWarp prst="textNoShape">
+              <a:avLst/>
+            </a:prstTxWarp>
+            <a:spAutoFit/>
+          </a:bodyPr>
+          <a:lstStyle/>
+          <a:p>
+            <a:endParaRPr lang="en-US"/>
+          </a:p>
+        </p:txBody>
+      </p:sp>
+      <p:pic>
+        <p:nvPicPr>
+          <p:cNvPr id="8" name="Imagen 7"/>
+          <p:cNvPicPr>
+            <a:picLocks noChangeAspect="1"/>
+          </p:cNvPicPr>
+          <p:nvPr/>
+        </p:nvPicPr>
+        <p:blipFill>
+          <a:blip r:embed="rId2"/>
+          <a:stretch>
+            <a:fillRect/>
+          </a:stretch>
+        </p:blipFill>
+        <p:spPr>
+          <a:xfrm>
+            <a:off x="455992" y="1658087"/>
+            <a:ext cx="7905750" cy="3876675"/>
+          </a:xfrm>
+          <a:prstGeom prst="rect">
+            <a:avLst/>
+          </a:prstGeom>
+        </p:spPr>
+      </p:pic>
+      <p:sp>
+        <p:nvSpPr>
+          <p:cNvPr id="11" name="Rectángulo 10"/>
+          <p:cNvSpPr/>
+          <p:nvPr/>
+        </p:nvSpPr>
+        <p:spPr>
+          <a:xfrm>
+            <a:off x="455991" y="5909874"/>
+            <a:ext cx="10897809" cy="338554"/>
+          </a:xfrm>
+          <a:prstGeom prst="rect">
+            <a:avLst/>
+          </a:prstGeom>
+        </p:spPr>
+        <p:txBody>
+          <a:bodyPr wrap="square">
+            <a:spAutoFit/>
+          </a:bodyPr>
+          <a:lstStyle/>
+          <a:p>
+            <a:r>
+              <a:rPr lang="en-US" sz="1600" dirty="0"/>
+              <a:t>https://developers.google.com/machine-learning/crash-course/classification/roc-and-auc?hl=es-419</a:t>
+            </a:r>
+          </a:p>
+        </p:txBody>
+      </p:sp>
+    </p:spTree>
+    <p:extLst>
+      <p:ext uri="{BB962C8B-B14F-4D97-AF65-F5344CB8AC3E}">
+        <p14:creationId xmlns:p14="http://schemas.microsoft.com/office/powerpoint/2010/main" val="2283078325"/>
+      </p:ext>
+    </p:extLst>
+  </p:cSld>
+  <p:clrMapOvr>
+    <a:masterClrMapping/>
+  </p:clrMapOvr>
+</p:sld>
+</file>
+
+<file path=ppt/slides/slide23.xml><?xml version="1.0" encoding="utf-8"?>
+<p:sld xmlns:a="http://schemas.openxmlformats.org/drawingml/2006/main" xmlns:r="http://schemas.openxmlformats.org/officeDocument/2006/relationships" xmlns:p="http://schemas.openxmlformats.org/presentationml/2006/main">
+  <p:cSld>
+    <p:spTree>
+      <p:nvGrpSpPr>
+        <p:cNvPr id="1" name=""/>
+        <p:cNvGrpSpPr/>
+        <p:nvPr/>
+      </p:nvGrpSpPr>
+      <p:grpSpPr>
+        <a:xfrm>
+          <a:off x="0" y="0"/>
+          <a:ext cx="0" cy="0"/>
+          <a:chOff x="0" y="0"/>
+          <a:chExt cx="0" cy="0"/>
+        </a:xfrm>
+      </p:grpSpPr>
+      <p:sp>
+        <p:nvSpPr>
+          <p:cNvPr id="2" name="Título 1"/>
+          <p:cNvSpPr>
+            <a:spLocks noGrp="1"/>
+          </p:cNvSpPr>
+          <p:nvPr>
+            <p:ph type="title"/>
+          </p:nvPr>
+        </p:nvSpPr>
+        <p:spPr/>
+        <p:txBody>
+          <a:bodyPr/>
+          <a:lstStyle/>
+          <a:p>
+            <a:r>
+              <a:rPr lang="es-MX" dirty="0" smtClean="0"/>
+              <a:t>Área bajo la Curva y otros conceptos</a:t>
+            </a:r>
+            <a:endParaRPr lang="en-US" dirty="0"/>
+          </a:p>
+        </p:txBody>
+      </p:sp>
+      <p:sp>
+        <p:nvSpPr>
+          <p:cNvPr id="3" name="Rectangle 2"/>
+          <p:cNvSpPr>
+            <a:spLocks noChangeArrowheads="1"/>
+          </p:cNvSpPr>
+          <p:nvPr/>
+        </p:nvSpPr>
+        <p:spPr bwMode="auto">
+          <a:xfrm>
+            <a:off x="1017431" y="2679530"/>
+            <a:ext cx="12192000" cy="0"/>
+          </a:xfrm>
+          <a:prstGeom prst="rect">
+            <a:avLst/>
+          </a:prstGeom>
+          <a:noFill/>
+          <a:ln>
+            <a:noFill/>
+          </a:ln>
+          <a:effectLst/>
+          <a:extLst>
+            <a:ext uri="{909E8E84-426E-40DD-AFC4-6F175D3DCCD1}">
+              <a14:hiddenFill xmlns:a14="http://schemas.microsoft.com/office/drawing/2010/main">
+                <a:solidFill>
+                  <a:schemeClr val="accent1"/>
+                </a:solidFill>
+              </a14:hiddenFill>
+            </a:ext>
+            <a:ext uri="{91240B29-F687-4F45-9708-019B960494DF}">
+              <a14:hiddenLine xmlns:a14="http://schemas.microsoft.com/office/drawing/2010/main" w="9525">
+                <a:solidFill>
+                  <a:schemeClr val="tx1"/>
+                </a:solidFill>
+                <a:miter lim="800000"/>
+                <a:headEnd/>
+                <a:tailEnd/>
+              </a14:hiddenLine>
+            </a:ext>
+            <a:ext uri="{AF507438-7753-43E0-B8FC-AC1667EBCBE1}">
+              <a14:hiddenEffects xmlns:a14="http://schemas.microsoft.com/office/drawing/2010/main">
+                <a:effectLst>
+                  <a:outerShdw dist="35921" dir="2700000" algn="ctr" rotWithShape="0">
+                    <a:schemeClr val="bg2"/>
+                  </a:outerShdw>
+                </a:effectLst>
+              </a14:hiddenEffects>
+            </a:ext>
+          </a:extLst>
+        </p:spPr>
+        <p:txBody>
+          <a:bodyPr vert="horz" wrap="none" lIns="91440" tIns="45720" rIns="91440" bIns="45720" numCol="1" anchor="ctr" anchorCtr="0" compatLnSpc="1">
+            <a:prstTxWarp prst="textNoShape">
+              <a:avLst/>
+            </a:prstTxWarp>
+            <a:spAutoFit/>
+          </a:bodyPr>
+          <a:lstStyle/>
+          <a:p>
+            <a:endParaRPr lang="en-US"/>
+          </a:p>
+        </p:txBody>
+      </p:sp>
+      <p:sp>
+        <p:nvSpPr>
+          <p:cNvPr id="10" name="Rectangle 4"/>
+          <p:cNvSpPr>
+            <a:spLocks noChangeArrowheads="1"/>
+          </p:cNvSpPr>
+          <p:nvPr/>
+        </p:nvSpPr>
+        <p:spPr bwMode="auto">
+          <a:xfrm>
+            <a:off x="3606084" y="2679530"/>
+            <a:ext cx="12192000" cy="0"/>
+          </a:xfrm>
+          <a:prstGeom prst="rect">
+            <a:avLst/>
+          </a:prstGeom>
+          <a:noFill/>
+          <a:ln>
+            <a:noFill/>
+          </a:ln>
+          <a:effectLst/>
+          <a:extLst>
+            <a:ext uri="{909E8E84-426E-40DD-AFC4-6F175D3DCCD1}">
+              <a14:hiddenFill xmlns:a14="http://schemas.microsoft.com/office/drawing/2010/main">
+                <a:solidFill>
+                  <a:schemeClr val="accent1"/>
+                </a:solidFill>
+              </a14:hiddenFill>
+            </a:ext>
+            <a:ext uri="{91240B29-F687-4F45-9708-019B960494DF}">
+              <a14:hiddenLine xmlns:a14="http://schemas.microsoft.com/office/drawing/2010/main" w="9525">
+                <a:solidFill>
+                  <a:schemeClr val="tx1"/>
+                </a:solidFill>
+                <a:miter lim="800000"/>
+                <a:headEnd/>
+                <a:tailEnd/>
+              </a14:hiddenLine>
+            </a:ext>
+            <a:ext uri="{AF507438-7753-43E0-B8FC-AC1667EBCBE1}">
+              <a14:hiddenEffects xmlns:a14="http://schemas.microsoft.com/office/drawing/2010/main">
+                <a:effectLst>
+                  <a:outerShdw dist="35921" dir="2700000" algn="ctr" rotWithShape="0">
+                    <a:schemeClr val="bg2"/>
+                  </a:outerShdw>
+                </a:effectLst>
+              </a14:hiddenEffects>
+            </a:ext>
+          </a:extLst>
+        </p:spPr>
+        <p:txBody>
+          <a:bodyPr vert="horz" wrap="none" lIns="91440" tIns="45720" rIns="91440" bIns="45720" numCol="1" anchor="ctr" anchorCtr="0" compatLnSpc="1">
+            <a:prstTxWarp prst="textNoShape">
+              <a:avLst/>
+            </a:prstTxWarp>
+            <a:spAutoFit/>
+          </a:bodyPr>
+          <a:lstStyle/>
+          <a:p>
+            <a:endParaRPr lang="en-US"/>
+          </a:p>
+        </p:txBody>
+      </p:sp>
+      <p:sp>
+        <p:nvSpPr>
+          <p:cNvPr id="17" name="Rectangle 10"/>
+          <p:cNvSpPr>
+            <a:spLocks noChangeArrowheads="1"/>
+          </p:cNvSpPr>
+          <p:nvPr/>
+        </p:nvSpPr>
+        <p:spPr bwMode="auto">
+          <a:xfrm>
+            <a:off x="0" y="0"/>
+            <a:ext cx="12192000" cy="0"/>
+          </a:xfrm>
+          <a:prstGeom prst="rect">
+            <a:avLst/>
+          </a:prstGeom>
+          <a:noFill/>
+          <a:ln>
+            <a:noFill/>
+          </a:ln>
+          <a:effectLst/>
+          <a:extLst>
+            <a:ext uri="{909E8E84-426E-40DD-AFC4-6F175D3DCCD1}">
+              <a14:hiddenFill xmlns:a14="http://schemas.microsoft.com/office/drawing/2010/main">
+                <a:solidFill>
+                  <a:schemeClr val="accent1"/>
+                </a:solidFill>
+              </a14:hiddenFill>
+            </a:ext>
+            <a:ext uri="{91240B29-F687-4F45-9708-019B960494DF}">
+              <a14:hiddenLine xmlns:a14="http://schemas.microsoft.com/office/drawing/2010/main" w="9525">
+                <a:solidFill>
+                  <a:schemeClr val="tx1"/>
+                </a:solidFill>
+                <a:miter lim="800000"/>
+                <a:headEnd/>
+                <a:tailEnd/>
+              </a14:hiddenLine>
+            </a:ext>
+            <a:ext uri="{AF507438-7753-43E0-B8FC-AC1667EBCBE1}">
+              <a14:hiddenEffects xmlns:a14="http://schemas.microsoft.com/office/drawing/2010/main">
+                <a:effectLst>
+                  <a:outerShdw dist="35921" dir="2700000" algn="ctr" rotWithShape="0">
+                    <a:schemeClr val="bg2"/>
+                  </a:outerShdw>
+                </a:effectLst>
+              </a14:hiddenEffects>
+            </a:ext>
+          </a:extLst>
+        </p:spPr>
+        <p:txBody>
+          <a:bodyPr vert="horz" wrap="none" lIns="91440" tIns="45720" rIns="91440" bIns="45720" numCol="1" anchor="ctr" anchorCtr="0" compatLnSpc="1">
+            <a:prstTxWarp prst="textNoShape">
+              <a:avLst/>
+            </a:prstTxWarp>
+            <a:spAutoFit/>
+          </a:bodyPr>
+          <a:lstStyle/>
+          <a:p>
+            <a:endParaRPr lang="en-US"/>
+          </a:p>
+        </p:txBody>
+      </p:sp>
+      <p:pic>
+        <p:nvPicPr>
+          <p:cNvPr id="4" name="Imagen 3"/>
+          <p:cNvPicPr>
+            <a:picLocks noChangeAspect="1"/>
+          </p:cNvPicPr>
+          <p:nvPr/>
+        </p:nvPicPr>
+        <p:blipFill>
+          <a:blip r:embed="rId2"/>
+          <a:stretch>
+            <a:fillRect/>
+          </a:stretch>
+        </p:blipFill>
+        <p:spPr>
+          <a:xfrm>
+            <a:off x="2166937" y="1766887"/>
+            <a:ext cx="7858125" cy="3324225"/>
+          </a:xfrm>
+          <a:prstGeom prst="rect">
+            <a:avLst/>
+          </a:prstGeom>
+        </p:spPr>
+      </p:pic>
+      <p:sp>
+        <p:nvSpPr>
+          <p:cNvPr id="9" name="Rectángulo 8"/>
+          <p:cNvSpPr/>
+          <p:nvPr/>
+        </p:nvSpPr>
+        <p:spPr>
+          <a:xfrm>
+            <a:off x="455991" y="5909874"/>
+            <a:ext cx="10897809" cy="338554"/>
+          </a:xfrm>
+          <a:prstGeom prst="rect">
+            <a:avLst/>
+          </a:prstGeom>
+        </p:spPr>
+        <p:txBody>
+          <a:bodyPr wrap="square">
+            <a:spAutoFit/>
+          </a:bodyPr>
+          <a:lstStyle/>
+          <a:p>
+            <a:r>
+              <a:rPr lang="en-US" sz="1600" dirty="0"/>
+              <a:t>https://developers.google.com/machine-learning/crash-course/classification/roc-and-auc?hl=es-419</a:t>
+            </a:r>
+          </a:p>
+        </p:txBody>
+      </p:sp>
+    </p:spTree>
+    <p:extLst>
+      <p:ext uri="{BB962C8B-B14F-4D97-AF65-F5344CB8AC3E}">
+        <p14:creationId xmlns:p14="http://schemas.microsoft.com/office/powerpoint/2010/main" val="2055412046"/>
+      </p:ext>
+    </p:extLst>
+  </p:cSld>
+  <p:clrMapOvr>
+    <a:masterClrMapping/>
+  </p:clrMapOvr>
+</p:sld>
+</file>
+
+<file path=ppt/slides/slide24.xml><?xml version="1.0" encoding="utf-8"?>
+<p:sld xmlns:a="http://schemas.openxmlformats.org/drawingml/2006/main" xmlns:r="http://schemas.openxmlformats.org/officeDocument/2006/relationships" xmlns:p="http://schemas.openxmlformats.org/presentationml/2006/main">
+  <p:cSld>
+    <p:spTree>
+      <p:nvGrpSpPr>
+        <p:cNvPr id="1" name=""/>
+        <p:cNvGrpSpPr/>
+        <p:nvPr/>
+      </p:nvGrpSpPr>
+      <p:grpSpPr>
+        <a:xfrm>
+          <a:off x="0" y="0"/>
+          <a:ext cx="0" cy="0"/>
+          <a:chOff x="0" y="0"/>
+          <a:chExt cx="0" cy="0"/>
+        </a:xfrm>
+      </p:grpSpPr>
+      <p:sp>
+        <p:nvSpPr>
+          <p:cNvPr id="2" name="Título 1"/>
+          <p:cNvSpPr>
+            <a:spLocks noGrp="1"/>
+          </p:cNvSpPr>
+          <p:nvPr>
+            <p:ph type="title"/>
+          </p:nvPr>
+        </p:nvSpPr>
+        <p:spPr/>
+        <p:txBody>
+          <a:bodyPr/>
+          <a:lstStyle/>
+          <a:p>
+            <a:r>
+              <a:rPr lang="es-MX" dirty="0" smtClean="0"/>
+              <a:t>Área bajo la Curva y otros conceptos</a:t>
+            </a:r>
+            <a:endParaRPr lang="en-US" dirty="0"/>
+          </a:p>
+        </p:txBody>
+      </p:sp>
+      <p:sp>
+        <p:nvSpPr>
+          <p:cNvPr id="3" name="Rectangle 2"/>
+          <p:cNvSpPr>
+            <a:spLocks noChangeArrowheads="1"/>
+          </p:cNvSpPr>
+          <p:nvPr/>
+        </p:nvSpPr>
+        <p:spPr bwMode="auto">
+          <a:xfrm>
+            <a:off x="1017431" y="2679530"/>
+            <a:ext cx="12192000" cy="0"/>
+          </a:xfrm>
+          <a:prstGeom prst="rect">
+            <a:avLst/>
+          </a:prstGeom>
+          <a:noFill/>
+          <a:ln>
+            <a:noFill/>
+          </a:ln>
+          <a:effectLst/>
+          <a:extLst>
+            <a:ext uri="{909E8E84-426E-40DD-AFC4-6F175D3DCCD1}">
+              <a14:hiddenFill xmlns:a14="http://schemas.microsoft.com/office/drawing/2010/main">
+                <a:solidFill>
+                  <a:schemeClr val="accent1"/>
+                </a:solidFill>
+              </a14:hiddenFill>
+            </a:ext>
+            <a:ext uri="{91240B29-F687-4F45-9708-019B960494DF}">
+              <a14:hiddenLine xmlns:a14="http://schemas.microsoft.com/office/drawing/2010/main" w="9525">
+                <a:solidFill>
+                  <a:schemeClr val="tx1"/>
+                </a:solidFill>
+                <a:miter lim="800000"/>
+                <a:headEnd/>
+                <a:tailEnd/>
+              </a14:hiddenLine>
+            </a:ext>
+            <a:ext uri="{AF507438-7753-43E0-B8FC-AC1667EBCBE1}">
+              <a14:hiddenEffects xmlns:a14="http://schemas.microsoft.com/office/drawing/2010/main">
+                <a:effectLst>
+                  <a:outerShdw dist="35921" dir="2700000" algn="ctr" rotWithShape="0">
+                    <a:schemeClr val="bg2"/>
+                  </a:outerShdw>
+                </a:effectLst>
+              </a14:hiddenEffects>
+            </a:ext>
+          </a:extLst>
+        </p:spPr>
+        <p:txBody>
+          <a:bodyPr vert="horz" wrap="none" lIns="91440" tIns="45720" rIns="91440" bIns="45720" numCol="1" anchor="ctr" anchorCtr="0" compatLnSpc="1">
+            <a:prstTxWarp prst="textNoShape">
+              <a:avLst/>
+            </a:prstTxWarp>
+            <a:spAutoFit/>
+          </a:bodyPr>
+          <a:lstStyle/>
+          <a:p>
+            <a:endParaRPr lang="en-US"/>
+          </a:p>
+        </p:txBody>
+      </p:sp>
+      <p:sp>
+        <p:nvSpPr>
+          <p:cNvPr id="10" name="Rectangle 4"/>
+          <p:cNvSpPr>
+            <a:spLocks noChangeArrowheads="1"/>
+          </p:cNvSpPr>
+          <p:nvPr/>
+        </p:nvSpPr>
+        <p:spPr bwMode="auto">
+          <a:xfrm>
+            <a:off x="3606084" y="2679530"/>
+            <a:ext cx="12192000" cy="0"/>
+          </a:xfrm>
+          <a:prstGeom prst="rect">
+            <a:avLst/>
+          </a:prstGeom>
+          <a:noFill/>
+          <a:ln>
+            <a:noFill/>
+          </a:ln>
+          <a:effectLst/>
+          <a:extLst>
+            <a:ext uri="{909E8E84-426E-40DD-AFC4-6F175D3DCCD1}">
+              <a14:hiddenFill xmlns:a14="http://schemas.microsoft.com/office/drawing/2010/main">
+                <a:solidFill>
+                  <a:schemeClr val="accent1"/>
+                </a:solidFill>
+              </a14:hiddenFill>
+            </a:ext>
+            <a:ext uri="{91240B29-F687-4F45-9708-019B960494DF}">
+              <a14:hiddenLine xmlns:a14="http://schemas.microsoft.com/office/drawing/2010/main" w="9525">
+                <a:solidFill>
+                  <a:schemeClr val="tx1"/>
+                </a:solidFill>
+                <a:miter lim="800000"/>
+                <a:headEnd/>
+                <a:tailEnd/>
+              </a14:hiddenLine>
+            </a:ext>
+            <a:ext uri="{AF507438-7753-43E0-B8FC-AC1667EBCBE1}">
+              <a14:hiddenEffects xmlns:a14="http://schemas.microsoft.com/office/drawing/2010/main">
+                <a:effectLst>
+                  <a:outerShdw dist="35921" dir="2700000" algn="ctr" rotWithShape="0">
+                    <a:schemeClr val="bg2"/>
+                  </a:outerShdw>
+                </a:effectLst>
+              </a14:hiddenEffects>
+            </a:ext>
+          </a:extLst>
+        </p:spPr>
+        <p:txBody>
+          <a:bodyPr vert="horz" wrap="none" lIns="91440" tIns="45720" rIns="91440" bIns="45720" numCol="1" anchor="ctr" anchorCtr="0" compatLnSpc="1">
+            <a:prstTxWarp prst="textNoShape">
+              <a:avLst/>
+            </a:prstTxWarp>
+            <a:spAutoFit/>
+          </a:bodyPr>
+          <a:lstStyle/>
+          <a:p>
+            <a:endParaRPr lang="en-US"/>
+          </a:p>
+        </p:txBody>
+      </p:sp>
+      <p:sp>
+        <p:nvSpPr>
+          <p:cNvPr id="17" name="Rectangle 10"/>
+          <p:cNvSpPr>
+            <a:spLocks noChangeArrowheads="1"/>
+          </p:cNvSpPr>
+          <p:nvPr/>
+        </p:nvSpPr>
+        <p:spPr bwMode="auto">
+          <a:xfrm>
+            <a:off x="0" y="0"/>
+            <a:ext cx="12192000" cy="0"/>
+          </a:xfrm>
+          <a:prstGeom prst="rect">
+            <a:avLst/>
+          </a:prstGeom>
+          <a:noFill/>
+          <a:ln>
+            <a:noFill/>
+          </a:ln>
+          <a:effectLst/>
+          <a:extLst>
+            <a:ext uri="{909E8E84-426E-40DD-AFC4-6F175D3DCCD1}">
+              <a14:hiddenFill xmlns:a14="http://schemas.microsoft.com/office/drawing/2010/main">
+                <a:solidFill>
+                  <a:schemeClr val="accent1"/>
+                </a:solidFill>
+              </a14:hiddenFill>
+            </a:ext>
+            <a:ext uri="{91240B29-F687-4F45-9708-019B960494DF}">
+              <a14:hiddenLine xmlns:a14="http://schemas.microsoft.com/office/drawing/2010/main" w="9525">
+                <a:solidFill>
+                  <a:schemeClr val="tx1"/>
+                </a:solidFill>
+                <a:miter lim="800000"/>
+                <a:headEnd/>
+                <a:tailEnd/>
+              </a14:hiddenLine>
+            </a:ext>
+            <a:ext uri="{AF507438-7753-43E0-B8FC-AC1667EBCBE1}">
+              <a14:hiddenEffects xmlns:a14="http://schemas.microsoft.com/office/drawing/2010/main">
+                <a:effectLst>
+                  <a:outerShdw dist="35921" dir="2700000" algn="ctr" rotWithShape="0">
+                    <a:schemeClr val="bg2"/>
+                  </a:outerShdw>
+                </a:effectLst>
+              </a14:hiddenEffects>
+            </a:ext>
+          </a:extLst>
+        </p:spPr>
+        <p:txBody>
+          <a:bodyPr vert="horz" wrap="none" lIns="91440" tIns="45720" rIns="91440" bIns="45720" numCol="1" anchor="ctr" anchorCtr="0" compatLnSpc="1">
+            <a:prstTxWarp prst="textNoShape">
+              <a:avLst/>
+            </a:prstTxWarp>
+            <a:spAutoFit/>
+          </a:bodyPr>
+          <a:lstStyle/>
+          <a:p>
+            <a:endParaRPr lang="en-US"/>
+          </a:p>
+        </p:txBody>
+      </p:sp>
+      <p:sp>
+        <p:nvSpPr>
+          <p:cNvPr id="9" name="Rectángulo 8"/>
+          <p:cNvSpPr/>
+          <p:nvPr/>
+        </p:nvSpPr>
+        <p:spPr>
+          <a:xfrm>
+            <a:off x="455991" y="5909874"/>
+            <a:ext cx="10897809" cy="338554"/>
+          </a:xfrm>
+          <a:prstGeom prst="rect">
+            <a:avLst/>
+          </a:prstGeom>
+        </p:spPr>
+        <p:txBody>
+          <a:bodyPr wrap="square">
+            <a:spAutoFit/>
+          </a:bodyPr>
+          <a:lstStyle/>
+          <a:p>
+            <a:r>
+              <a:rPr lang="en-US" sz="1600" dirty="0"/>
+              <a:t>https://developers.google.com/machine-learning/crash-course/classification/roc-and-auc?hl=es-419</a:t>
+            </a:r>
+          </a:p>
+        </p:txBody>
+      </p:sp>
+      <p:pic>
+        <p:nvPicPr>
+          <p:cNvPr id="5" name="Imagen 4"/>
+          <p:cNvPicPr>
+            <a:picLocks noChangeAspect="1"/>
+          </p:cNvPicPr>
+          <p:nvPr/>
+        </p:nvPicPr>
+        <p:blipFill>
+          <a:blip r:embed="rId2"/>
+          <a:stretch>
+            <a:fillRect/>
+          </a:stretch>
+        </p:blipFill>
+        <p:spPr>
+          <a:xfrm>
+            <a:off x="1971675" y="1514475"/>
+            <a:ext cx="8248650" cy="3829050"/>
+          </a:xfrm>
+          <a:prstGeom prst="rect">
+            <a:avLst/>
+          </a:prstGeom>
+        </p:spPr>
+      </p:pic>
+    </p:spTree>
+    <p:extLst>
+      <p:ext uri="{BB962C8B-B14F-4D97-AF65-F5344CB8AC3E}">
+        <p14:creationId xmlns:p14="http://schemas.microsoft.com/office/powerpoint/2010/main" val="273219289"/>
+      </p:ext>
+    </p:extLst>
+  </p:cSld>
+  <p:clrMapOvr>
+    <a:masterClrMapping/>
+  </p:clrMapOvr>
+</p:sld>
+</file>
+
+<file path=ppt/slides/slide25.xml><?xml version="1.0" encoding="utf-8"?>
+<p:sld xmlns:a="http://schemas.openxmlformats.org/drawingml/2006/main" xmlns:r="http://schemas.openxmlformats.org/officeDocument/2006/relationships" xmlns:p="http://schemas.openxmlformats.org/presentationml/2006/main">
+  <p:cSld>
+    <p:spTree>
+      <p:nvGrpSpPr>
+        <p:cNvPr id="1" name=""/>
+        <p:cNvGrpSpPr/>
+        <p:nvPr/>
+      </p:nvGrpSpPr>
+      <p:grpSpPr>
+        <a:xfrm>
+          <a:off x="0" y="0"/>
+          <a:ext cx="0" cy="0"/>
+          <a:chOff x="0" y="0"/>
+          <a:chExt cx="0" cy="0"/>
+        </a:xfrm>
+      </p:grpSpPr>
+      <p:sp>
+        <p:nvSpPr>
+          <p:cNvPr id="2" name="Título 1"/>
+          <p:cNvSpPr>
+            <a:spLocks noGrp="1"/>
+          </p:cNvSpPr>
+          <p:nvPr>
+            <p:ph type="title"/>
+          </p:nvPr>
+        </p:nvSpPr>
+        <p:spPr/>
+        <p:txBody>
+          <a:bodyPr/>
+          <a:lstStyle/>
+          <a:p>
+            <a:r>
+              <a:rPr lang="es-MX" dirty="0" smtClean="0"/>
+              <a:t>Área bajo la Curva y otros conceptos</a:t>
+            </a:r>
+            <a:endParaRPr lang="en-US" dirty="0"/>
+          </a:p>
+        </p:txBody>
+      </p:sp>
+      <p:sp>
+        <p:nvSpPr>
+          <p:cNvPr id="10" name="Rectangle 4"/>
+          <p:cNvSpPr>
+            <a:spLocks noChangeArrowheads="1"/>
+          </p:cNvSpPr>
+          <p:nvPr/>
+        </p:nvSpPr>
+        <p:spPr bwMode="auto">
+          <a:xfrm>
+            <a:off x="3606084" y="2679530"/>
+            <a:ext cx="12192000" cy="0"/>
+          </a:xfrm>
+          <a:prstGeom prst="rect">
+            <a:avLst/>
+          </a:prstGeom>
+          <a:noFill/>
+          <a:ln>
+            <a:noFill/>
+          </a:ln>
+          <a:effectLst/>
+          <a:extLst>
+            <a:ext uri="{909E8E84-426E-40DD-AFC4-6F175D3DCCD1}">
+              <a14:hiddenFill xmlns:a14="http://schemas.microsoft.com/office/drawing/2010/main">
+                <a:solidFill>
+                  <a:schemeClr val="accent1"/>
+                </a:solidFill>
+              </a14:hiddenFill>
+            </a:ext>
+            <a:ext uri="{91240B29-F687-4F45-9708-019B960494DF}">
+              <a14:hiddenLine xmlns:a14="http://schemas.microsoft.com/office/drawing/2010/main" w="9525">
+                <a:solidFill>
+                  <a:schemeClr val="tx1"/>
+                </a:solidFill>
+                <a:miter lim="800000"/>
+                <a:headEnd/>
+                <a:tailEnd/>
+              </a14:hiddenLine>
+            </a:ext>
+            <a:ext uri="{AF507438-7753-43E0-B8FC-AC1667EBCBE1}">
+              <a14:hiddenEffects xmlns:a14="http://schemas.microsoft.com/office/drawing/2010/main">
+                <a:effectLst>
+                  <a:outerShdw dist="35921" dir="2700000" algn="ctr" rotWithShape="0">
+                    <a:schemeClr val="bg2"/>
+                  </a:outerShdw>
+                </a:effectLst>
+              </a14:hiddenEffects>
+            </a:ext>
+          </a:extLst>
+        </p:spPr>
+        <p:txBody>
+          <a:bodyPr vert="horz" wrap="none" lIns="91440" tIns="45720" rIns="91440" bIns="45720" numCol="1" anchor="ctr" anchorCtr="0" compatLnSpc="1">
+            <a:prstTxWarp prst="textNoShape">
+              <a:avLst/>
+            </a:prstTxWarp>
+            <a:spAutoFit/>
+          </a:bodyPr>
+          <a:lstStyle/>
+          <a:p>
+            <a:endParaRPr lang="en-US"/>
+          </a:p>
+        </p:txBody>
+      </p:sp>
+      <p:sp>
+        <p:nvSpPr>
+          <p:cNvPr id="17" name="Rectangle 10"/>
+          <p:cNvSpPr>
+            <a:spLocks noChangeArrowheads="1"/>
+          </p:cNvSpPr>
+          <p:nvPr/>
+        </p:nvSpPr>
+        <p:spPr bwMode="auto">
+          <a:xfrm>
+            <a:off x="0" y="0"/>
+            <a:ext cx="12192000" cy="0"/>
+          </a:xfrm>
+          <a:prstGeom prst="rect">
+            <a:avLst/>
+          </a:prstGeom>
+          <a:noFill/>
+          <a:ln>
+            <a:noFill/>
+          </a:ln>
+          <a:effectLst/>
+          <a:extLst>
+            <a:ext uri="{909E8E84-426E-40DD-AFC4-6F175D3DCCD1}">
+              <a14:hiddenFill xmlns:a14="http://schemas.microsoft.com/office/drawing/2010/main">
+                <a:solidFill>
+                  <a:schemeClr val="accent1"/>
+                </a:solidFill>
+              </a14:hiddenFill>
+            </a:ext>
+            <a:ext uri="{91240B29-F687-4F45-9708-019B960494DF}">
+              <a14:hiddenLine xmlns:a14="http://schemas.microsoft.com/office/drawing/2010/main" w="9525">
+                <a:solidFill>
+                  <a:schemeClr val="tx1"/>
+                </a:solidFill>
+                <a:miter lim="800000"/>
+                <a:headEnd/>
+                <a:tailEnd/>
+              </a14:hiddenLine>
+            </a:ext>
+            <a:ext uri="{AF507438-7753-43E0-B8FC-AC1667EBCBE1}">
+              <a14:hiddenEffects xmlns:a14="http://schemas.microsoft.com/office/drawing/2010/main">
+                <a:effectLst>
+                  <a:outerShdw dist="35921" dir="2700000" algn="ctr" rotWithShape="0">
+                    <a:schemeClr val="bg2"/>
+                  </a:outerShdw>
+                </a:effectLst>
+              </a14:hiddenEffects>
+            </a:ext>
+          </a:extLst>
+        </p:spPr>
+        <p:txBody>
+          <a:bodyPr vert="horz" wrap="none" lIns="91440" tIns="45720" rIns="91440" bIns="45720" numCol="1" anchor="ctr" anchorCtr="0" compatLnSpc="1">
+            <a:prstTxWarp prst="textNoShape">
+              <a:avLst/>
+            </a:prstTxWarp>
+            <a:spAutoFit/>
+          </a:bodyPr>
+          <a:lstStyle/>
+          <a:p>
+            <a:endParaRPr lang="en-US"/>
+          </a:p>
+        </p:txBody>
+      </p:sp>
+      <p:sp>
+        <p:nvSpPr>
+          <p:cNvPr id="9" name="Rectángulo 8"/>
+          <p:cNvSpPr/>
+          <p:nvPr/>
+        </p:nvSpPr>
+        <p:spPr>
+          <a:xfrm>
+            <a:off x="455991" y="5909874"/>
+            <a:ext cx="10897809" cy="338554"/>
+          </a:xfrm>
+          <a:prstGeom prst="rect">
+            <a:avLst/>
+          </a:prstGeom>
+        </p:spPr>
+        <p:txBody>
+          <a:bodyPr wrap="square">
+            <a:spAutoFit/>
+          </a:bodyPr>
+          <a:lstStyle/>
+          <a:p>
+            <a:r>
+              <a:rPr lang="en-US" sz="1600" dirty="0"/>
+              <a:t>https://developers.google.com/machine-learning/crash-course/classification/roc-and-auc?hl=es-419</a:t>
+            </a:r>
+          </a:p>
+        </p:txBody>
+      </p:sp>
+      <p:pic>
+        <p:nvPicPr>
+          <p:cNvPr id="4" name="Imagen 3"/>
+          <p:cNvPicPr>
+            <a:picLocks noChangeAspect="1"/>
+          </p:cNvPicPr>
+          <p:nvPr/>
+        </p:nvPicPr>
+        <p:blipFill>
+          <a:blip r:embed="rId2"/>
+          <a:stretch>
+            <a:fillRect/>
+          </a:stretch>
+        </p:blipFill>
+        <p:spPr>
+          <a:xfrm>
+            <a:off x="2605691" y="1384676"/>
+            <a:ext cx="5924550" cy="285750"/>
+          </a:xfrm>
+          <a:prstGeom prst="rect">
+            <a:avLst/>
+          </a:prstGeom>
+        </p:spPr>
+      </p:pic>
+      <p:pic>
+        <p:nvPicPr>
+          <p:cNvPr id="6" name="Imagen 5"/>
+          <p:cNvPicPr>
+            <a:picLocks noChangeAspect="1"/>
+          </p:cNvPicPr>
+          <p:nvPr/>
+        </p:nvPicPr>
+        <p:blipFill>
+          <a:blip r:embed="rId3"/>
+          <a:stretch>
+            <a:fillRect/>
+          </a:stretch>
+        </p:blipFill>
+        <p:spPr>
+          <a:xfrm>
+            <a:off x="256504" y="1846234"/>
+            <a:ext cx="2895600" cy="1905000"/>
+          </a:xfrm>
+          <a:prstGeom prst="rect">
+            <a:avLst/>
+          </a:prstGeom>
+        </p:spPr>
+      </p:pic>
+      <p:pic>
+        <p:nvPicPr>
+          <p:cNvPr id="7" name="Imagen 6"/>
+          <p:cNvPicPr>
+            <a:picLocks noChangeAspect="1"/>
+          </p:cNvPicPr>
+          <p:nvPr/>
+        </p:nvPicPr>
+        <p:blipFill>
+          <a:blip r:embed="rId4"/>
+          <a:stretch>
+            <a:fillRect/>
+          </a:stretch>
+        </p:blipFill>
+        <p:spPr>
+          <a:xfrm>
+            <a:off x="3609404" y="1846234"/>
+            <a:ext cx="2933700" cy="1866900"/>
+          </a:xfrm>
+          <a:prstGeom prst="rect">
+            <a:avLst/>
+          </a:prstGeom>
+        </p:spPr>
+      </p:pic>
+      <p:pic>
+        <p:nvPicPr>
+          <p:cNvPr id="8" name="Imagen 7"/>
+          <p:cNvPicPr>
+            <a:picLocks noChangeAspect="1"/>
+          </p:cNvPicPr>
+          <p:nvPr/>
+        </p:nvPicPr>
+        <p:blipFill>
+          <a:blip r:embed="rId5"/>
+          <a:stretch>
+            <a:fillRect/>
+          </a:stretch>
+        </p:blipFill>
+        <p:spPr>
+          <a:xfrm>
+            <a:off x="6997084" y="1796842"/>
+            <a:ext cx="2857500" cy="2009775"/>
+          </a:xfrm>
+          <a:prstGeom prst="rect">
+            <a:avLst/>
+          </a:prstGeom>
+        </p:spPr>
+      </p:pic>
+      <p:pic>
+        <p:nvPicPr>
+          <p:cNvPr id="11" name="Imagen 10"/>
+          <p:cNvPicPr>
+            <a:picLocks noChangeAspect="1"/>
+          </p:cNvPicPr>
+          <p:nvPr/>
+        </p:nvPicPr>
+        <p:blipFill>
+          <a:blip r:embed="rId6"/>
+          <a:stretch>
+            <a:fillRect/>
+          </a:stretch>
+        </p:blipFill>
+        <p:spPr>
+          <a:xfrm>
+            <a:off x="313654" y="3927042"/>
+            <a:ext cx="2838450" cy="1952625"/>
+          </a:xfrm>
+          <a:prstGeom prst="rect">
+            <a:avLst/>
+          </a:prstGeom>
+        </p:spPr>
+      </p:pic>
+      <p:pic>
+        <p:nvPicPr>
+          <p:cNvPr id="12" name="Imagen 11"/>
+          <p:cNvPicPr>
+            <a:picLocks noChangeAspect="1"/>
+          </p:cNvPicPr>
+          <p:nvPr/>
+        </p:nvPicPr>
+        <p:blipFill>
+          <a:blip r:embed="rId7"/>
+          <a:stretch>
+            <a:fillRect/>
+          </a:stretch>
+        </p:blipFill>
+        <p:spPr>
+          <a:xfrm>
+            <a:off x="3606084" y="3867166"/>
+            <a:ext cx="2762250" cy="2009775"/>
+          </a:xfrm>
+          <a:prstGeom prst="rect">
+            <a:avLst/>
+          </a:prstGeom>
+        </p:spPr>
+      </p:pic>
+    </p:spTree>
+    <p:extLst>
+      <p:ext uri="{BB962C8B-B14F-4D97-AF65-F5344CB8AC3E}">
+        <p14:creationId xmlns:p14="http://schemas.microsoft.com/office/powerpoint/2010/main" val="3794525292"/>
+      </p:ext>
+    </p:extLst>
+  </p:cSld>
+  <p:clrMapOvr>
+    <a:masterClrMapping/>
+  </p:clrMapOvr>
+</p:sld>
+</file>
+
+<file path=ppt/slides/slide26.xml><?xml version="1.0" encoding="utf-8"?>
 <p:sld xmlns:a="http://schemas.openxmlformats.org/drawingml/2006/main" xmlns:r="http://schemas.openxmlformats.org/officeDocument/2006/relationships" xmlns:p="http://schemas.openxmlformats.org/presentationml/2006/main">
   <p:cSld>
     <p:spTree>
@@ -18218,11 +18147,7 @@
           <a:p>
             <a:r>
               <a:rPr lang="es-MX" dirty="0" smtClean="0"/>
-              <a:t>Vista General de un Sistema de </a:t>
-            </a:r>
-            <a:r>
-              <a:rPr lang="es-MX" dirty="0" smtClean="0"/>
-              <a:t>Machine Learning</a:t>
+              <a:t>Vista General de un Sistema de Machine Learning</a:t>
             </a:r>
             <a:endParaRPr lang="en-US" dirty="0"/>
           </a:p>
@@ -19269,15 +19194,7 @@
                 <a:ea typeface="Times New Roman" panose="02020603050405020304" pitchFamily="18" charset="0"/>
                 <a:cs typeface="Times New Roman" panose="02020603050405020304" pitchFamily="18" charset="0"/>
               </a:rPr>
-              <a:t>: Los registros se dividen en dos subconjuntos, el de entrenamiento y el de testeo</a:t>
-            </a:r>
-            <a:r>
-              <a:rPr lang="es-SV" spc="-25" dirty="0" smtClean="0">
-                <a:latin typeface="Garamond" panose="02020404030301010803" pitchFamily="18" charset="0"/>
-                <a:ea typeface="Times New Roman" panose="02020603050405020304" pitchFamily="18" charset="0"/>
-                <a:cs typeface="Times New Roman" panose="02020603050405020304" pitchFamily="18" charset="0"/>
-              </a:rPr>
-              <a:t>. Usualmente la división es 2/3, 1/3</a:t>
+              <a:t>: Los registros se dividen en dos subconjuntos, el de entrenamiento y el de testeo. Usualmente la división es 2/3, 1/3</a:t>
             </a:r>
           </a:p>
           <a:p>

--- a/ArbolesDecision_v20190213_PPT.pptx
+++ b/ArbolesDecision_v20190213_PPT.pptx
@@ -4020,12 +4020,12 @@
     <dgm:cxn modelId="{29B55CA3-22FA-44C5-9DE2-4700992FBE4E}" srcId="{E222CEF0-B930-439D-9907-138810B31627}" destId="{E6A1DDDB-F950-49BD-B16B-0C6FB5D61213}" srcOrd="6" destOrd="0" parTransId="{FDDB3389-E8A6-479E-89A6-480024E2BCE0}" sibTransId="{AD04C080-7E8A-497C-9DCD-026281374EDA}"/>
     <dgm:cxn modelId="{535D9036-6D51-46C2-873C-6FA1F05CA5D4}" srcId="{E222CEF0-B930-439D-9907-138810B31627}" destId="{18663F2C-C865-4623-9EF2-CAE9F3EF6316}" srcOrd="5" destOrd="0" parTransId="{E99F6D1C-877C-41D5-A310-7490248A9437}" sibTransId="{4FCDC2C3-085E-4CEB-8CA2-CECE2837337B}"/>
     <dgm:cxn modelId="{FDB39A6A-17F8-4092-B73C-E0D1185CCCBF}" type="presOf" srcId="{0EE2B82F-6FAD-422F-88F1-C20228A2C5E6}" destId="{9E4CDF09-87BE-4CED-9A30-4D8686679CCC}" srcOrd="0" destOrd="0" presId="urn:microsoft.com/office/officeart/2005/8/layout/vList2"/>
+    <dgm:cxn modelId="{F5D45B80-76A7-4F44-96CF-EA3703D11356}" srcId="{75F06C51-DBFC-4A39-BF24-AD633F52FC3B}" destId="{564BBC43-87C0-47AD-9167-3CE15120AA67}" srcOrd="1" destOrd="0" parTransId="{4BA4C2DC-B264-47F5-915B-04D46997FFCA}" sibTransId="{4278D1F3-D004-46DA-9A5D-CCBFE7A40CAD}"/>
     <dgm:cxn modelId="{C6BD7B50-0285-40DF-A5F1-4809B02BBF7E}" srcId="{0EE2B82F-6FAD-422F-88F1-C20228A2C5E6}" destId="{75F06C51-DBFC-4A39-BF24-AD633F52FC3B}" srcOrd="1" destOrd="0" parTransId="{F95635CB-726C-41A6-A906-793C42307691}" sibTransId="{C5B8845E-0D3F-48AD-B30A-C5FCD8E41210}"/>
-    <dgm:cxn modelId="{F5D45B80-76A7-4F44-96CF-EA3703D11356}" srcId="{75F06C51-DBFC-4A39-BF24-AD633F52FC3B}" destId="{564BBC43-87C0-47AD-9167-3CE15120AA67}" srcOrd="1" destOrd="0" parTransId="{4BA4C2DC-B264-47F5-915B-04D46997FFCA}" sibTransId="{4278D1F3-D004-46DA-9A5D-CCBFE7A40CAD}"/>
     <dgm:cxn modelId="{E71BA833-9FC6-41D5-9550-B36BEDA88062}" srcId="{75F06C51-DBFC-4A39-BF24-AD633F52FC3B}" destId="{3E3EE34D-7A38-46CE-A099-7F24E7B614E2}" srcOrd="0" destOrd="0" parTransId="{29372277-FDE9-4675-A307-33D96B7F8C09}" sibTransId="{B1637710-264B-4654-AF12-3684193B1347}"/>
     <dgm:cxn modelId="{D091F165-7666-480C-8956-8973027E2626}" type="presOf" srcId="{FB7B3F31-3532-4AFD-A8DE-FB364BACF63C}" destId="{8037761D-9DBE-4967-99F4-2C39C141E6A8}" srcOrd="0" destOrd="4" presId="urn:microsoft.com/office/officeart/2005/8/layout/vList2"/>
+    <dgm:cxn modelId="{11C16EB7-87DD-46A4-934F-B7B4FAE4C6B8}" type="presOf" srcId="{E6A1DDDB-F950-49BD-B16B-0C6FB5D61213}" destId="{8037761D-9DBE-4967-99F4-2C39C141E6A8}" srcOrd="0" destOrd="6" presId="urn:microsoft.com/office/officeart/2005/8/layout/vList2"/>
     <dgm:cxn modelId="{970E3EC6-D399-4791-A00A-419D9C2CAF89}" type="presOf" srcId="{18663F2C-C865-4623-9EF2-CAE9F3EF6316}" destId="{8037761D-9DBE-4967-99F4-2C39C141E6A8}" srcOrd="0" destOrd="5" presId="urn:microsoft.com/office/officeart/2005/8/layout/vList2"/>
-    <dgm:cxn modelId="{11C16EB7-87DD-46A4-934F-B7B4FAE4C6B8}" type="presOf" srcId="{E6A1DDDB-F950-49BD-B16B-0C6FB5D61213}" destId="{8037761D-9DBE-4967-99F4-2C39C141E6A8}" srcOrd="0" destOrd="6" presId="urn:microsoft.com/office/officeart/2005/8/layout/vList2"/>
     <dgm:cxn modelId="{BB400E13-6E61-4151-89FC-CFA7C226FFE7}" type="presOf" srcId="{CFC8EBCD-1C28-4D8E-841E-1FFE548FF412}" destId="{8037761D-9DBE-4967-99F4-2C39C141E6A8}" srcOrd="0" destOrd="2" presId="urn:microsoft.com/office/officeart/2005/8/layout/vList2"/>
     <dgm:cxn modelId="{4DB2EC1F-E2FC-4538-8055-3B8981246CC8}" type="presOf" srcId="{950BBE74-B0B4-414A-B702-B77AE8938D1F}" destId="{8037761D-9DBE-4967-99F4-2C39C141E6A8}" srcOrd="0" destOrd="3" presId="urn:microsoft.com/office/officeart/2005/8/layout/vList2"/>
     <dgm:cxn modelId="{720BE7B5-5F7E-43CF-BF8B-0CC3CB6A7FAB}" type="presParOf" srcId="{9E4CDF09-87BE-4CED-9A30-4D8686679CCC}" destId="{52CB32F1-F301-4830-AA07-0F1438D034E5}" srcOrd="0" destOrd="0" presId="urn:microsoft.com/office/officeart/2005/8/layout/vList2"/>
@@ -4051,6 +4051,911 @@
       <dsp:cNvGrpSpPr/>
     </dsp:nvGrpSpPr>
     <dsp:grpSpPr/>
+    <dsp:sp modelId="{B1138634-DC76-4453-BB78-F6B5BA4E6466}">
+      <dsp:nvSpPr>
+        <dsp:cNvPr id="0" name=""/>
+        <dsp:cNvSpPr/>
+      </dsp:nvSpPr>
+      <dsp:spPr>
+        <a:xfrm rot="5400000">
+          <a:off x="2935929" y="721758"/>
+          <a:ext cx="621271" cy="707296"/>
+        </a:xfrm>
+        <a:prstGeom prst="bentUpArrow">
+          <a:avLst>
+            <a:gd name="adj1" fmla="val 32840"/>
+            <a:gd name="adj2" fmla="val 25000"/>
+            <a:gd name="adj3" fmla="val 35780"/>
+          </a:avLst>
+        </a:prstGeom>
+        <a:solidFill>
+          <a:schemeClr val="accent1">
+            <a:tint val="50000"/>
+            <a:hueOff val="0"/>
+            <a:satOff val="0"/>
+            <a:lumOff val="0"/>
+            <a:alphaOff val="0"/>
+          </a:schemeClr>
+        </a:solidFill>
+        <a:ln w="12700" cap="flat" cmpd="sng" algn="ctr">
+          <a:solidFill>
+            <a:schemeClr val="lt1">
+              <a:hueOff val="0"/>
+              <a:satOff val="0"/>
+              <a:lumOff val="0"/>
+              <a:alphaOff val="0"/>
+            </a:schemeClr>
+          </a:solidFill>
+          <a:prstDash val="solid"/>
+          <a:miter lim="800000"/>
+        </a:ln>
+        <a:effectLst/>
+      </dsp:spPr>
+      <dsp:style>
+        <a:lnRef idx="2">
+          <a:scrgbClr r="0" g="0" b="0"/>
+        </a:lnRef>
+        <a:fillRef idx="1">
+          <a:scrgbClr r="0" g="0" b="0"/>
+        </a:fillRef>
+        <a:effectRef idx="0">
+          <a:scrgbClr r="0" g="0" b="0"/>
+        </a:effectRef>
+        <a:fontRef idx="minor"/>
+      </dsp:style>
+    </dsp:sp>
+    <dsp:sp modelId="{BBB4667A-EA60-4558-8776-6A57A237D5BA}">
+      <dsp:nvSpPr>
+        <dsp:cNvPr id="0" name=""/>
+        <dsp:cNvSpPr/>
+      </dsp:nvSpPr>
+      <dsp:spPr>
+        <a:xfrm>
+          <a:off x="2771330" y="33065"/>
+          <a:ext cx="1045856" cy="732065"/>
+        </a:xfrm>
+        <a:prstGeom prst="roundRect">
+          <a:avLst>
+            <a:gd name="adj" fmla="val 16670"/>
+          </a:avLst>
+        </a:prstGeom>
+        <a:solidFill>
+          <a:schemeClr val="accent1">
+            <a:hueOff val="0"/>
+            <a:satOff val="0"/>
+            <a:lumOff val="0"/>
+            <a:alphaOff val="0"/>
+          </a:schemeClr>
+        </a:solidFill>
+        <a:ln w="12700" cap="flat" cmpd="sng" algn="ctr">
+          <a:solidFill>
+            <a:schemeClr val="lt1">
+              <a:hueOff val="0"/>
+              <a:satOff val="0"/>
+              <a:lumOff val="0"/>
+              <a:alphaOff val="0"/>
+            </a:schemeClr>
+          </a:solidFill>
+          <a:prstDash val="solid"/>
+          <a:miter lim="800000"/>
+        </a:ln>
+        <a:effectLst/>
+      </dsp:spPr>
+      <dsp:style>
+        <a:lnRef idx="2">
+          <a:scrgbClr r="0" g="0" b="0"/>
+        </a:lnRef>
+        <a:fillRef idx="1">
+          <a:scrgbClr r="0" g="0" b="0"/>
+        </a:fillRef>
+        <a:effectRef idx="0">
+          <a:scrgbClr r="0" g="0" b="0"/>
+        </a:effectRef>
+        <a:fontRef idx="minor">
+          <a:schemeClr val="lt1"/>
+        </a:fontRef>
+      </dsp:style>
+      <dsp:txBody>
+        <a:bodyPr spcFirstLastPara="0" vert="horz" wrap="square" lIns="38100" tIns="38100" rIns="38100" bIns="38100" numCol="1" spcCol="1270" anchor="ctr" anchorCtr="0">
+          <a:noAutofit/>
+        </a:bodyPr>
+        <a:lstStyle/>
+        <a:p>
+          <a:pPr lvl="0" algn="ctr" defTabSz="444500">
+            <a:lnSpc>
+              <a:spcPct val="90000"/>
+            </a:lnSpc>
+            <a:spcBef>
+              <a:spcPct val="0"/>
+            </a:spcBef>
+            <a:spcAft>
+              <a:spcPct val="35000"/>
+            </a:spcAft>
+          </a:pPr>
+          <a:r>
+            <a:rPr lang="es-MX" sz="1000" kern="1200" dirty="0" smtClean="0"/>
+            <a:t>Determinar la pregunta Inicial</a:t>
+          </a:r>
+          <a:endParaRPr lang="en-US" sz="1000" kern="1200" dirty="0"/>
+        </a:p>
+      </dsp:txBody>
+      <dsp:txXfrm>
+        <a:off x="2807073" y="68808"/>
+        <a:ext cx="974370" cy="660579"/>
+      </dsp:txXfrm>
+    </dsp:sp>
+    <dsp:sp modelId="{698B67A9-E166-4BE2-98BB-8398968891B7}">
+      <dsp:nvSpPr>
+        <dsp:cNvPr id="0" name=""/>
+        <dsp:cNvSpPr/>
+      </dsp:nvSpPr>
+      <dsp:spPr>
+        <a:xfrm>
+          <a:off x="3817186" y="102884"/>
+          <a:ext cx="760656" cy="591687"/>
+        </a:xfrm>
+        <a:prstGeom prst="rect">
+          <a:avLst/>
+        </a:prstGeom>
+        <a:noFill/>
+        <a:ln>
+          <a:noFill/>
+        </a:ln>
+        <a:effectLst/>
+      </dsp:spPr>
+      <dsp:style>
+        <a:lnRef idx="0">
+          <a:scrgbClr r="0" g="0" b="0"/>
+        </a:lnRef>
+        <a:fillRef idx="0">
+          <a:scrgbClr r="0" g="0" b="0"/>
+        </a:fillRef>
+        <a:effectRef idx="0">
+          <a:scrgbClr r="0" g="0" b="0"/>
+        </a:effectRef>
+        <a:fontRef idx="minor"/>
+      </dsp:style>
+    </dsp:sp>
+    <dsp:sp modelId="{EE7B4F9D-DC0B-4588-B2F1-14F5070763EF}">
+      <dsp:nvSpPr>
+        <dsp:cNvPr id="0" name=""/>
+        <dsp:cNvSpPr/>
+      </dsp:nvSpPr>
+      <dsp:spPr>
+        <a:xfrm rot="5400000">
+          <a:off x="3803055" y="1544109"/>
+          <a:ext cx="621271" cy="707296"/>
+        </a:xfrm>
+        <a:prstGeom prst="bentUpArrow">
+          <a:avLst>
+            <a:gd name="adj1" fmla="val 32840"/>
+            <a:gd name="adj2" fmla="val 25000"/>
+            <a:gd name="adj3" fmla="val 35780"/>
+          </a:avLst>
+        </a:prstGeom>
+        <a:solidFill>
+          <a:schemeClr val="accent1">
+            <a:tint val="50000"/>
+            <a:hueOff val="0"/>
+            <a:satOff val="0"/>
+            <a:lumOff val="0"/>
+            <a:alphaOff val="0"/>
+          </a:schemeClr>
+        </a:solidFill>
+        <a:ln w="12700" cap="flat" cmpd="sng" algn="ctr">
+          <a:solidFill>
+            <a:schemeClr val="lt1">
+              <a:hueOff val="0"/>
+              <a:satOff val="0"/>
+              <a:lumOff val="0"/>
+              <a:alphaOff val="0"/>
+            </a:schemeClr>
+          </a:solidFill>
+          <a:prstDash val="solid"/>
+          <a:miter lim="800000"/>
+        </a:ln>
+        <a:effectLst/>
+      </dsp:spPr>
+      <dsp:style>
+        <a:lnRef idx="2">
+          <a:scrgbClr r="0" g="0" b="0"/>
+        </a:lnRef>
+        <a:fillRef idx="1">
+          <a:scrgbClr r="0" g="0" b="0"/>
+        </a:fillRef>
+        <a:effectRef idx="0">
+          <a:scrgbClr r="0" g="0" b="0"/>
+        </a:effectRef>
+        <a:fontRef idx="minor"/>
+      </dsp:style>
+    </dsp:sp>
+    <dsp:sp modelId="{352DFE7C-D03A-471E-8832-CE1AE1A8842B}">
+      <dsp:nvSpPr>
+        <dsp:cNvPr id="0" name=""/>
+        <dsp:cNvSpPr/>
+      </dsp:nvSpPr>
+      <dsp:spPr>
+        <a:xfrm>
+          <a:off x="3638456" y="855416"/>
+          <a:ext cx="1045856" cy="732065"/>
+        </a:xfrm>
+        <a:prstGeom prst="roundRect">
+          <a:avLst>
+            <a:gd name="adj" fmla="val 16670"/>
+          </a:avLst>
+        </a:prstGeom>
+        <a:solidFill>
+          <a:schemeClr val="accent1">
+            <a:hueOff val="0"/>
+            <a:satOff val="0"/>
+            <a:lumOff val="0"/>
+            <a:alphaOff val="0"/>
+          </a:schemeClr>
+        </a:solidFill>
+        <a:ln w="12700" cap="flat" cmpd="sng" algn="ctr">
+          <a:solidFill>
+            <a:schemeClr val="lt1">
+              <a:hueOff val="0"/>
+              <a:satOff val="0"/>
+              <a:lumOff val="0"/>
+              <a:alphaOff val="0"/>
+            </a:schemeClr>
+          </a:solidFill>
+          <a:prstDash val="solid"/>
+          <a:miter lim="800000"/>
+        </a:ln>
+        <a:effectLst/>
+      </dsp:spPr>
+      <dsp:style>
+        <a:lnRef idx="2">
+          <a:scrgbClr r="0" g="0" b="0"/>
+        </a:lnRef>
+        <a:fillRef idx="1">
+          <a:scrgbClr r="0" g="0" b="0"/>
+        </a:fillRef>
+        <a:effectRef idx="0">
+          <a:scrgbClr r="0" g="0" b="0"/>
+        </a:effectRef>
+        <a:fontRef idx="minor">
+          <a:schemeClr val="lt1"/>
+        </a:fontRef>
+      </dsp:style>
+      <dsp:txBody>
+        <a:bodyPr spcFirstLastPara="0" vert="horz" wrap="square" lIns="38100" tIns="38100" rIns="38100" bIns="38100" numCol="1" spcCol="1270" anchor="ctr" anchorCtr="0">
+          <a:noAutofit/>
+        </a:bodyPr>
+        <a:lstStyle/>
+        <a:p>
+          <a:pPr lvl="0" algn="ctr" defTabSz="444500">
+            <a:lnSpc>
+              <a:spcPct val="90000"/>
+            </a:lnSpc>
+            <a:spcBef>
+              <a:spcPct val="0"/>
+            </a:spcBef>
+            <a:spcAft>
+              <a:spcPct val="35000"/>
+            </a:spcAft>
+          </a:pPr>
+          <a:r>
+            <a:rPr lang="es-MX" sz="1000" kern="1200" dirty="0" smtClean="0"/>
+            <a:t>Determinar las decisiones</a:t>
+          </a:r>
+          <a:endParaRPr lang="en-US" sz="1000" kern="1200" dirty="0"/>
+        </a:p>
+      </dsp:txBody>
+      <dsp:txXfrm>
+        <a:off x="3674199" y="891159"/>
+        <a:ext cx="974370" cy="660579"/>
+      </dsp:txXfrm>
+    </dsp:sp>
+    <dsp:sp modelId="{7F23EBF2-7FCE-4C6D-B3B8-28BE9D86F4FD}">
+      <dsp:nvSpPr>
+        <dsp:cNvPr id="0" name=""/>
+        <dsp:cNvSpPr/>
+      </dsp:nvSpPr>
+      <dsp:spPr>
+        <a:xfrm>
+          <a:off x="4684312" y="925235"/>
+          <a:ext cx="760656" cy="591687"/>
+        </a:xfrm>
+        <a:prstGeom prst="rect">
+          <a:avLst/>
+        </a:prstGeom>
+        <a:noFill/>
+        <a:ln>
+          <a:noFill/>
+        </a:ln>
+        <a:effectLst/>
+      </dsp:spPr>
+      <dsp:style>
+        <a:lnRef idx="0">
+          <a:scrgbClr r="0" g="0" b="0"/>
+        </a:lnRef>
+        <a:fillRef idx="0">
+          <a:scrgbClr r="0" g="0" b="0"/>
+        </a:fillRef>
+        <a:effectRef idx="0">
+          <a:scrgbClr r="0" g="0" b="0"/>
+        </a:effectRef>
+        <a:fontRef idx="minor"/>
+      </dsp:style>
+    </dsp:sp>
+    <dsp:sp modelId="{5A844DFC-F5F7-4FB3-B189-E8424D7EA2BD}">
+      <dsp:nvSpPr>
+        <dsp:cNvPr id="0" name=""/>
+        <dsp:cNvSpPr/>
+      </dsp:nvSpPr>
+      <dsp:spPr>
+        <a:xfrm rot="5400000">
+          <a:off x="4670181" y="2366460"/>
+          <a:ext cx="621271" cy="707296"/>
+        </a:xfrm>
+        <a:prstGeom prst="bentUpArrow">
+          <a:avLst>
+            <a:gd name="adj1" fmla="val 32840"/>
+            <a:gd name="adj2" fmla="val 25000"/>
+            <a:gd name="adj3" fmla="val 35780"/>
+          </a:avLst>
+        </a:prstGeom>
+        <a:solidFill>
+          <a:schemeClr val="accent1">
+            <a:tint val="50000"/>
+            <a:hueOff val="0"/>
+            <a:satOff val="0"/>
+            <a:lumOff val="0"/>
+            <a:alphaOff val="0"/>
+          </a:schemeClr>
+        </a:solidFill>
+        <a:ln w="12700" cap="flat" cmpd="sng" algn="ctr">
+          <a:solidFill>
+            <a:schemeClr val="lt1">
+              <a:hueOff val="0"/>
+              <a:satOff val="0"/>
+              <a:lumOff val="0"/>
+              <a:alphaOff val="0"/>
+            </a:schemeClr>
+          </a:solidFill>
+          <a:prstDash val="solid"/>
+          <a:miter lim="800000"/>
+        </a:ln>
+        <a:effectLst/>
+      </dsp:spPr>
+      <dsp:style>
+        <a:lnRef idx="2">
+          <a:scrgbClr r="0" g="0" b="0"/>
+        </a:lnRef>
+        <a:fillRef idx="1">
+          <a:scrgbClr r="0" g="0" b="0"/>
+        </a:fillRef>
+        <a:effectRef idx="0">
+          <a:scrgbClr r="0" g="0" b="0"/>
+        </a:effectRef>
+        <a:fontRef idx="minor"/>
+      </dsp:style>
+    </dsp:sp>
+    <dsp:sp modelId="{9060E993-001B-4170-B078-91AF73175041}">
+      <dsp:nvSpPr>
+        <dsp:cNvPr id="0" name=""/>
+        <dsp:cNvSpPr/>
+      </dsp:nvSpPr>
+      <dsp:spPr>
+        <a:xfrm>
+          <a:off x="4505582" y="1677767"/>
+          <a:ext cx="1045856" cy="732065"/>
+        </a:xfrm>
+        <a:prstGeom prst="roundRect">
+          <a:avLst>
+            <a:gd name="adj" fmla="val 16670"/>
+          </a:avLst>
+        </a:prstGeom>
+        <a:solidFill>
+          <a:schemeClr val="accent1">
+            <a:hueOff val="0"/>
+            <a:satOff val="0"/>
+            <a:lumOff val="0"/>
+            <a:alphaOff val="0"/>
+          </a:schemeClr>
+        </a:solidFill>
+        <a:ln w="12700" cap="flat" cmpd="sng" algn="ctr">
+          <a:solidFill>
+            <a:schemeClr val="lt1">
+              <a:hueOff val="0"/>
+              <a:satOff val="0"/>
+              <a:lumOff val="0"/>
+              <a:alphaOff val="0"/>
+            </a:schemeClr>
+          </a:solidFill>
+          <a:prstDash val="solid"/>
+          <a:miter lim="800000"/>
+        </a:ln>
+        <a:effectLst/>
+      </dsp:spPr>
+      <dsp:style>
+        <a:lnRef idx="2">
+          <a:scrgbClr r="0" g="0" b="0"/>
+        </a:lnRef>
+        <a:fillRef idx="1">
+          <a:scrgbClr r="0" g="0" b="0"/>
+        </a:fillRef>
+        <a:effectRef idx="0">
+          <a:scrgbClr r="0" g="0" b="0"/>
+        </a:effectRef>
+        <a:fontRef idx="minor">
+          <a:schemeClr val="lt1"/>
+        </a:fontRef>
+      </dsp:style>
+      <dsp:txBody>
+        <a:bodyPr spcFirstLastPara="0" vert="horz" wrap="square" lIns="38100" tIns="38100" rIns="38100" bIns="38100" numCol="1" spcCol="1270" anchor="ctr" anchorCtr="0">
+          <a:noAutofit/>
+        </a:bodyPr>
+        <a:lstStyle/>
+        <a:p>
+          <a:pPr lvl="0" algn="ctr" defTabSz="444500">
+            <a:lnSpc>
+              <a:spcPct val="90000"/>
+            </a:lnSpc>
+            <a:spcBef>
+              <a:spcPct val="0"/>
+            </a:spcBef>
+            <a:spcAft>
+              <a:spcPct val="35000"/>
+            </a:spcAft>
+          </a:pPr>
+          <a:r>
+            <a:rPr lang="es-MX" sz="1000" kern="1200" dirty="0" smtClean="0"/>
+            <a:t>Determinar los valores</a:t>
+          </a:r>
+          <a:endParaRPr lang="en-US" sz="1000" kern="1200" dirty="0"/>
+        </a:p>
+      </dsp:txBody>
+      <dsp:txXfrm>
+        <a:off x="4541325" y="1713510"/>
+        <a:ext cx="974370" cy="660579"/>
+      </dsp:txXfrm>
+    </dsp:sp>
+    <dsp:sp modelId="{263438FA-0B3C-4920-897E-6CFB93FD4FEF}">
+      <dsp:nvSpPr>
+        <dsp:cNvPr id="0" name=""/>
+        <dsp:cNvSpPr/>
+      </dsp:nvSpPr>
+      <dsp:spPr>
+        <a:xfrm>
+          <a:off x="5551438" y="1747586"/>
+          <a:ext cx="760656" cy="591687"/>
+        </a:xfrm>
+        <a:prstGeom prst="rect">
+          <a:avLst/>
+        </a:prstGeom>
+        <a:noFill/>
+        <a:ln>
+          <a:noFill/>
+        </a:ln>
+        <a:effectLst/>
+      </dsp:spPr>
+      <dsp:style>
+        <a:lnRef idx="0">
+          <a:scrgbClr r="0" g="0" b="0"/>
+        </a:lnRef>
+        <a:fillRef idx="0">
+          <a:scrgbClr r="0" g="0" b="0"/>
+        </a:fillRef>
+        <a:effectRef idx="0">
+          <a:scrgbClr r="0" g="0" b="0"/>
+        </a:effectRef>
+        <a:fontRef idx="minor"/>
+      </dsp:style>
+    </dsp:sp>
+    <dsp:sp modelId="{09C02AD1-B575-4C3C-A8F0-A60A83312D0B}">
+      <dsp:nvSpPr>
+        <dsp:cNvPr id="0" name=""/>
+        <dsp:cNvSpPr/>
+      </dsp:nvSpPr>
+      <dsp:spPr>
+        <a:xfrm rot="5400000">
+          <a:off x="5537307" y="3188811"/>
+          <a:ext cx="621271" cy="707296"/>
+        </a:xfrm>
+        <a:prstGeom prst="bentUpArrow">
+          <a:avLst>
+            <a:gd name="adj1" fmla="val 32840"/>
+            <a:gd name="adj2" fmla="val 25000"/>
+            <a:gd name="adj3" fmla="val 35780"/>
+          </a:avLst>
+        </a:prstGeom>
+        <a:solidFill>
+          <a:schemeClr val="accent1">
+            <a:tint val="50000"/>
+            <a:hueOff val="0"/>
+            <a:satOff val="0"/>
+            <a:lumOff val="0"/>
+            <a:alphaOff val="0"/>
+          </a:schemeClr>
+        </a:solidFill>
+        <a:ln w="12700" cap="flat" cmpd="sng" algn="ctr">
+          <a:solidFill>
+            <a:schemeClr val="lt1">
+              <a:hueOff val="0"/>
+              <a:satOff val="0"/>
+              <a:lumOff val="0"/>
+              <a:alphaOff val="0"/>
+            </a:schemeClr>
+          </a:solidFill>
+          <a:prstDash val="solid"/>
+          <a:miter lim="800000"/>
+        </a:ln>
+        <a:effectLst/>
+      </dsp:spPr>
+      <dsp:style>
+        <a:lnRef idx="2">
+          <a:scrgbClr r="0" g="0" b="0"/>
+        </a:lnRef>
+        <a:fillRef idx="1">
+          <a:scrgbClr r="0" g="0" b="0"/>
+        </a:fillRef>
+        <a:effectRef idx="0">
+          <a:scrgbClr r="0" g="0" b="0"/>
+        </a:effectRef>
+        <a:fontRef idx="minor"/>
+      </dsp:style>
+    </dsp:sp>
+    <dsp:sp modelId="{722BA770-8335-46DB-B9A1-7F8CBA2CA46D}">
+      <dsp:nvSpPr>
+        <dsp:cNvPr id="0" name=""/>
+        <dsp:cNvSpPr/>
+      </dsp:nvSpPr>
+      <dsp:spPr>
+        <a:xfrm>
+          <a:off x="5372708" y="2500118"/>
+          <a:ext cx="1045856" cy="732065"/>
+        </a:xfrm>
+        <a:prstGeom prst="roundRect">
+          <a:avLst>
+            <a:gd name="adj" fmla="val 16670"/>
+          </a:avLst>
+        </a:prstGeom>
+        <a:solidFill>
+          <a:schemeClr val="accent1">
+            <a:hueOff val="0"/>
+            <a:satOff val="0"/>
+            <a:lumOff val="0"/>
+            <a:alphaOff val="0"/>
+          </a:schemeClr>
+        </a:solidFill>
+        <a:ln w="12700" cap="flat" cmpd="sng" algn="ctr">
+          <a:solidFill>
+            <a:schemeClr val="lt1">
+              <a:hueOff val="0"/>
+              <a:satOff val="0"/>
+              <a:lumOff val="0"/>
+              <a:alphaOff val="0"/>
+            </a:schemeClr>
+          </a:solidFill>
+          <a:prstDash val="solid"/>
+          <a:miter lim="800000"/>
+        </a:ln>
+        <a:effectLst/>
+      </dsp:spPr>
+      <dsp:style>
+        <a:lnRef idx="2">
+          <a:scrgbClr r="0" g="0" b="0"/>
+        </a:lnRef>
+        <a:fillRef idx="1">
+          <a:scrgbClr r="0" g="0" b="0"/>
+        </a:fillRef>
+        <a:effectRef idx="0">
+          <a:scrgbClr r="0" g="0" b="0"/>
+        </a:effectRef>
+        <a:fontRef idx="minor">
+          <a:schemeClr val="lt1"/>
+        </a:fontRef>
+      </dsp:style>
+      <dsp:txBody>
+        <a:bodyPr spcFirstLastPara="0" vert="horz" wrap="square" lIns="38100" tIns="38100" rIns="38100" bIns="38100" numCol="1" spcCol="1270" anchor="ctr" anchorCtr="0">
+          <a:noAutofit/>
+        </a:bodyPr>
+        <a:lstStyle/>
+        <a:p>
+          <a:pPr lvl="0" algn="ctr" defTabSz="444500">
+            <a:lnSpc>
+              <a:spcPct val="90000"/>
+            </a:lnSpc>
+            <a:spcBef>
+              <a:spcPct val="0"/>
+            </a:spcBef>
+            <a:spcAft>
+              <a:spcPct val="35000"/>
+            </a:spcAft>
+          </a:pPr>
+          <a:r>
+            <a:rPr lang="es-MX" sz="1000" kern="1200" dirty="0" smtClean="0"/>
+            <a:t>Determinar las probabilidades</a:t>
+          </a:r>
+          <a:endParaRPr lang="en-US" sz="1000" kern="1200" dirty="0"/>
+        </a:p>
+      </dsp:txBody>
+      <dsp:txXfrm>
+        <a:off x="5408451" y="2535861"/>
+        <a:ext cx="974370" cy="660579"/>
+      </dsp:txXfrm>
+    </dsp:sp>
+    <dsp:sp modelId="{CD08E2CE-417C-4E5D-B187-D9620080A7A8}">
+      <dsp:nvSpPr>
+        <dsp:cNvPr id="0" name=""/>
+        <dsp:cNvSpPr/>
+      </dsp:nvSpPr>
+      <dsp:spPr>
+        <a:xfrm>
+          <a:off x="6418564" y="2569937"/>
+          <a:ext cx="760656" cy="591687"/>
+        </a:xfrm>
+        <a:prstGeom prst="rect">
+          <a:avLst/>
+        </a:prstGeom>
+        <a:noFill/>
+        <a:ln>
+          <a:noFill/>
+        </a:ln>
+        <a:effectLst/>
+      </dsp:spPr>
+      <dsp:style>
+        <a:lnRef idx="0">
+          <a:scrgbClr r="0" g="0" b="0"/>
+        </a:lnRef>
+        <a:fillRef idx="0">
+          <a:scrgbClr r="0" g="0" b="0"/>
+        </a:fillRef>
+        <a:effectRef idx="0">
+          <a:scrgbClr r="0" g="0" b="0"/>
+        </a:effectRef>
+        <a:fontRef idx="minor"/>
+      </dsp:style>
+    </dsp:sp>
+    <dsp:sp modelId="{A32F7D9C-497E-4EB8-8D75-B3B2B86DCF32}">
+      <dsp:nvSpPr>
+        <dsp:cNvPr id="0" name=""/>
+        <dsp:cNvSpPr/>
+      </dsp:nvSpPr>
+      <dsp:spPr>
+        <a:xfrm rot="5400000">
+          <a:off x="6404433" y="4011162"/>
+          <a:ext cx="621271" cy="707296"/>
+        </a:xfrm>
+        <a:prstGeom prst="bentUpArrow">
+          <a:avLst>
+            <a:gd name="adj1" fmla="val 32840"/>
+            <a:gd name="adj2" fmla="val 25000"/>
+            <a:gd name="adj3" fmla="val 35780"/>
+          </a:avLst>
+        </a:prstGeom>
+        <a:solidFill>
+          <a:schemeClr val="accent1">
+            <a:tint val="50000"/>
+            <a:hueOff val="0"/>
+            <a:satOff val="0"/>
+            <a:lumOff val="0"/>
+            <a:alphaOff val="0"/>
+          </a:schemeClr>
+        </a:solidFill>
+        <a:ln w="12700" cap="flat" cmpd="sng" algn="ctr">
+          <a:solidFill>
+            <a:schemeClr val="lt1">
+              <a:hueOff val="0"/>
+              <a:satOff val="0"/>
+              <a:lumOff val="0"/>
+              <a:alphaOff val="0"/>
+            </a:schemeClr>
+          </a:solidFill>
+          <a:prstDash val="solid"/>
+          <a:miter lim="800000"/>
+        </a:ln>
+        <a:effectLst/>
+      </dsp:spPr>
+      <dsp:style>
+        <a:lnRef idx="2">
+          <a:scrgbClr r="0" g="0" b="0"/>
+        </a:lnRef>
+        <a:fillRef idx="1">
+          <a:scrgbClr r="0" g="0" b="0"/>
+        </a:fillRef>
+        <a:effectRef idx="0">
+          <a:scrgbClr r="0" g="0" b="0"/>
+        </a:effectRef>
+        <a:fontRef idx="minor"/>
+      </dsp:style>
+    </dsp:sp>
+    <dsp:sp modelId="{E287E23E-5E34-47E2-B07C-E38DF63B4F9B}">
+      <dsp:nvSpPr>
+        <dsp:cNvPr id="0" name=""/>
+        <dsp:cNvSpPr/>
+      </dsp:nvSpPr>
+      <dsp:spPr>
+        <a:xfrm>
+          <a:off x="6239834" y="3322469"/>
+          <a:ext cx="1045856" cy="732065"/>
+        </a:xfrm>
+        <a:prstGeom prst="roundRect">
+          <a:avLst>
+            <a:gd name="adj" fmla="val 16670"/>
+          </a:avLst>
+        </a:prstGeom>
+        <a:solidFill>
+          <a:schemeClr val="accent1">
+            <a:hueOff val="0"/>
+            <a:satOff val="0"/>
+            <a:lumOff val="0"/>
+            <a:alphaOff val="0"/>
+          </a:schemeClr>
+        </a:solidFill>
+        <a:ln w="12700" cap="flat" cmpd="sng" algn="ctr">
+          <a:solidFill>
+            <a:schemeClr val="lt1">
+              <a:hueOff val="0"/>
+              <a:satOff val="0"/>
+              <a:lumOff val="0"/>
+              <a:alphaOff val="0"/>
+            </a:schemeClr>
+          </a:solidFill>
+          <a:prstDash val="solid"/>
+          <a:miter lim="800000"/>
+        </a:ln>
+        <a:effectLst/>
+      </dsp:spPr>
+      <dsp:style>
+        <a:lnRef idx="2">
+          <a:scrgbClr r="0" g="0" b="0"/>
+        </a:lnRef>
+        <a:fillRef idx="1">
+          <a:scrgbClr r="0" g="0" b="0"/>
+        </a:fillRef>
+        <a:effectRef idx="0">
+          <a:scrgbClr r="0" g="0" b="0"/>
+        </a:effectRef>
+        <a:fontRef idx="minor">
+          <a:schemeClr val="lt1"/>
+        </a:fontRef>
+      </dsp:style>
+      <dsp:txBody>
+        <a:bodyPr spcFirstLastPara="0" vert="horz" wrap="square" lIns="38100" tIns="38100" rIns="38100" bIns="38100" numCol="1" spcCol="1270" anchor="ctr" anchorCtr="0">
+          <a:noAutofit/>
+        </a:bodyPr>
+        <a:lstStyle/>
+        <a:p>
+          <a:pPr lvl="0" algn="ctr" defTabSz="444500">
+            <a:lnSpc>
+              <a:spcPct val="90000"/>
+            </a:lnSpc>
+            <a:spcBef>
+              <a:spcPct val="0"/>
+            </a:spcBef>
+            <a:spcAft>
+              <a:spcPct val="35000"/>
+            </a:spcAft>
+          </a:pPr>
+          <a:r>
+            <a:rPr lang="es-MX" sz="1000" kern="1200" dirty="0" smtClean="0"/>
+            <a:t>Calcular el valor ponderado</a:t>
+          </a:r>
+          <a:endParaRPr lang="en-US" sz="1000" kern="1200" dirty="0"/>
+        </a:p>
+      </dsp:txBody>
+      <dsp:txXfrm>
+        <a:off x="6275577" y="3358212"/>
+        <a:ext cx="974370" cy="660579"/>
+      </dsp:txXfrm>
+    </dsp:sp>
+    <dsp:sp modelId="{C807A5AB-22D6-45C2-856C-A0FEDDB0A905}">
+      <dsp:nvSpPr>
+        <dsp:cNvPr id="0" name=""/>
+        <dsp:cNvSpPr/>
+      </dsp:nvSpPr>
+      <dsp:spPr>
+        <a:xfrm>
+          <a:off x="7285690" y="3392288"/>
+          <a:ext cx="760656" cy="591687"/>
+        </a:xfrm>
+        <a:prstGeom prst="rect">
+          <a:avLst/>
+        </a:prstGeom>
+        <a:noFill/>
+        <a:ln>
+          <a:noFill/>
+        </a:ln>
+        <a:effectLst/>
+      </dsp:spPr>
+      <dsp:style>
+        <a:lnRef idx="0">
+          <a:scrgbClr r="0" g="0" b="0"/>
+        </a:lnRef>
+        <a:fillRef idx="0">
+          <a:scrgbClr r="0" g="0" b="0"/>
+        </a:fillRef>
+        <a:effectRef idx="0">
+          <a:scrgbClr r="0" g="0" b="0"/>
+        </a:effectRef>
+        <a:fontRef idx="minor"/>
+      </dsp:style>
+    </dsp:sp>
+    <dsp:sp modelId="{A557602F-4219-4F6E-8921-948D44897ABA}">
+      <dsp:nvSpPr>
+        <dsp:cNvPr id="0" name=""/>
+        <dsp:cNvSpPr/>
+      </dsp:nvSpPr>
+      <dsp:spPr>
+        <a:xfrm>
+          <a:off x="7106960" y="4144820"/>
+          <a:ext cx="1045856" cy="732065"/>
+        </a:xfrm>
+        <a:prstGeom prst="roundRect">
+          <a:avLst>
+            <a:gd name="adj" fmla="val 16670"/>
+          </a:avLst>
+        </a:prstGeom>
+        <a:solidFill>
+          <a:schemeClr val="accent1">
+            <a:hueOff val="0"/>
+            <a:satOff val="0"/>
+            <a:lumOff val="0"/>
+            <a:alphaOff val="0"/>
+          </a:schemeClr>
+        </a:solidFill>
+        <a:ln w="12700" cap="flat" cmpd="sng" algn="ctr">
+          <a:solidFill>
+            <a:schemeClr val="lt1">
+              <a:hueOff val="0"/>
+              <a:satOff val="0"/>
+              <a:lumOff val="0"/>
+              <a:alphaOff val="0"/>
+            </a:schemeClr>
+          </a:solidFill>
+          <a:prstDash val="solid"/>
+          <a:miter lim="800000"/>
+        </a:ln>
+        <a:effectLst/>
+      </dsp:spPr>
+      <dsp:style>
+        <a:lnRef idx="2">
+          <a:scrgbClr r="0" g="0" b="0"/>
+        </a:lnRef>
+        <a:fillRef idx="1">
+          <a:scrgbClr r="0" g="0" b="0"/>
+        </a:fillRef>
+        <a:effectRef idx="0">
+          <a:scrgbClr r="0" g="0" b="0"/>
+        </a:effectRef>
+        <a:fontRef idx="minor">
+          <a:schemeClr val="lt1"/>
+        </a:fontRef>
+      </dsp:style>
+      <dsp:txBody>
+        <a:bodyPr spcFirstLastPara="0" vert="horz" wrap="square" lIns="38100" tIns="38100" rIns="38100" bIns="38100" numCol="1" spcCol="1270" anchor="ctr" anchorCtr="0">
+          <a:noAutofit/>
+        </a:bodyPr>
+        <a:lstStyle/>
+        <a:p>
+          <a:pPr lvl="0" algn="ctr" defTabSz="444500">
+            <a:lnSpc>
+              <a:spcPct val="90000"/>
+            </a:lnSpc>
+            <a:spcBef>
+              <a:spcPct val="0"/>
+            </a:spcBef>
+            <a:spcAft>
+              <a:spcPct val="35000"/>
+            </a:spcAft>
+          </a:pPr>
+          <a:r>
+            <a:rPr lang="es-MX" sz="1000" kern="1200" dirty="0" smtClean="0"/>
+            <a:t>Calcular el resultado de cada decisión</a:t>
+          </a:r>
+          <a:endParaRPr lang="en-US" sz="1000" kern="1200" dirty="0"/>
+        </a:p>
+      </dsp:txBody>
+      <dsp:txXfrm>
+        <a:off x="7142703" y="4180563"/>
+        <a:ext cx="974370" cy="660579"/>
+      </dsp:txXfrm>
+    </dsp:sp>
   </dsp:spTree>
 </dsp:drawing>
 </file>
@@ -4063,6 +4968,402 @@
       <dsp:cNvGrpSpPr/>
     </dsp:nvGrpSpPr>
     <dsp:grpSpPr/>
+    <dsp:sp modelId="{52CB32F1-F301-4830-AA07-0F1438D034E5}">
+      <dsp:nvSpPr>
+        <dsp:cNvPr id="0" name=""/>
+        <dsp:cNvSpPr/>
+      </dsp:nvSpPr>
+      <dsp:spPr>
+        <a:xfrm>
+          <a:off x="0" y="16750"/>
+          <a:ext cx="8128000" cy="848213"/>
+        </a:xfrm>
+        <a:prstGeom prst="roundRect">
+          <a:avLst/>
+        </a:prstGeom>
+        <a:gradFill rotWithShape="0">
+          <a:gsLst>
+            <a:gs pos="0">
+              <a:schemeClr val="accent2">
+                <a:hueOff val="0"/>
+                <a:satOff val="0"/>
+                <a:lumOff val="0"/>
+                <a:alphaOff val="0"/>
+                <a:satMod val="103000"/>
+                <a:lumMod val="102000"/>
+                <a:tint val="94000"/>
+              </a:schemeClr>
+            </a:gs>
+            <a:gs pos="50000">
+              <a:schemeClr val="accent2">
+                <a:hueOff val="0"/>
+                <a:satOff val="0"/>
+                <a:lumOff val="0"/>
+                <a:alphaOff val="0"/>
+                <a:satMod val="110000"/>
+                <a:lumMod val="100000"/>
+                <a:shade val="100000"/>
+              </a:schemeClr>
+            </a:gs>
+            <a:gs pos="100000">
+              <a:schemeClr val="accent2">
+                <a:hueOff val="0"/>
+                <a:satOff val="0"/>
+                <a:lumOff val="0"/>
+                <a:alphaOff val="0"/>
+                <a:lumMod val="99000"/>
+                <a:satMod val="120000"/>
+                <a:shade val="78000"/>
+              </a:schemeClr>
+            </a:gs>
+          </a:gsLst>
+          <a:lin ang="5400000" scaled="0"/>
+        </a:gradFill>
+        <a:ln>
+          <a:noFill/>
+        </a:ln>
+        <a:effectLst/>
+      </dsp:spPr>
+      <dsp:style>
+        <a:lnRef idx="0">
+          <a:scrgbClr r="0" g="0" b="0"/>
+        </a:lnRef>
+        <a:fillRef idx="3">
+          <a:scrgbClr r="0" g="0" b="0"/>
+        </a:fillRef>
+        <a:effectRef idx="2">
+          <a:scrgbClr r="0" g="0" b="0"/>
+        </a:effectRef>
+        <a:fontRef idx="minor">
+          <a:schemeClr val="lt1"/>
+        </a:fontRef>
+      </dsp:style>
+      <dsp:txBody>
+        <a:bodyPr spcFirstLastPara="0" vert="horz" wrap="square" lIns="106680" tIns="106680" rIns="106680" bIns="106680" numCol="1" spcCol="1270" anchor="ctr" anchorCtr="0">
+          <a:noAutofit/>
+        </a:bodyPr>
+        <a:lstStyle/>
+        <a:p>
+          <a:pPr lvl="0" algn="l" defTabSz="1244600">
+            <a:lnSpc>
+              <a:spcPct val="90000"/>
+            </a:lnSpc>
+            <a:spcBef>
+              <a:spcPct val="0"/>
+            </a:spcBef>
+            <a:spcAft>
+              <a:spcPct val="35000"/>
+            </a:spcAft>
+          </a:pPr>
+          <a:r>
+            <a:rPr lang="es-MX" sz="2800" kern="1200" dirty="0" smtClean="0"/>
+            <a:t>Fortalezas</a:t>
+          </a:r>
+          <a:endParaRPr lang="en-US" sz="2800" kern="1200" dirty="0"/>
+        </a:p>
+      </dsp:txBody>
+      <dsp:txXfrm>
+        <a:off x="41406" y="58156"/>
+        <a:ext cx="8045188" cy="765401"/>
+      </dsp:txXfrm>
+    </dsp:sp>
+    <dsp:sp modelId="{8037761D-9DBE-4967-99F4-2C39C141E6A8}">
+      <dsp:nvSpPr>
+        <dsp:cNvPr id="0" name=""/>
+        <dsp:cNvSpPr/>
+      </dsp:nvSpPr>
+      <dsp:spPr>
+        <a:xfrm>
+          <a:off x="0" y="864963"/>
+          <a:ext cx="8128000" cy="1844370"/>
+        </a:xfrm>
+        <a:prstGeom prst="rect">
+          <a:avLst/>
+        </a:prstGeom>
+        <a:noFill/>
+        <a:ln>
+          <a:noFill/>
+        </a:ln>
+        <a:effectLst/>
+      </dsp:spPr>
+      <dsp:style>
+        <a:lnRef idx="0">
+          <a:scrgbClr r="0" g="0" b="0"/>
+        </a:lnRef>
+        <a:fillRef idx="0">
+          <a:scrgbClr r="0" g="0" b="0"/>
+        </a:fillRef>
+        <a:effectRef idx="0">
+          <a:scrgbClr r="0" g="0" b="0"/>
+        </a:effectRef>
+        <a:fontRef idx="minor"/>
+      </dsp:style>
+      <dsp:txBody>
+        <a:bodyPr spcFirstLastPara="0" vert="horz" wrap="square" lIns="258064" tIns="41910" rIns="234696" bIns="41910" numCol="1" spcCol="1270" anchor="t" anchorCtr="0">
+          <a:noAutofit/>
+        </a:bodyPr>
+        <a:lstStyle/>
+        <a:p>
+          <a:pPr marL="228600" lvl="1" indent="-228600" algn="l" defTabSz="1155700">
+            <a:lnSpc>
+              <a:spcPct val="90000"/>
+            </a:lnSpc>
+            <a:spcBef>
+              <a:spcPct val="0"/>
+            </a:spcBef>
+            <a:spcAft>
+              <a:spcPct val="20000"/>
+            </a:spcAft>
+            <a:buChar char="••"/>
+          </a:pPr>
+          <a:r>
+            <a:rPr lang="es-MX" sz="2600" kern="1200" dirty="0" smtClean="0"/>
+            <a:t>Los arboles de decisión obligan a considerar opciones</a:t>
+          </a:r>
+          <a:endParaRPr lang="en-US" sz="2600" kern="1200" dirty="0"/>
+        </a:p>
+        <a:p>
+          <a:pPr marL="228600" lvl="1" indent="-228600" algn="l" defTabSz="1155700">
+            <a:lnSpc>
+              <a:spcPct val="90000"/>
+            </a:lnSpc>
+            <a:spcBef>
+              <a:spcPct val="0"/>
+            </a:spcBef>
+            <a:spcAft>
+              <a:spcPct val="20000"/>
+            </a:spcAft>
+            <a:buChar char="••"/>
+          </a:pPr>
+          <a:r>
+            <a:rPr lang="es-MX" sz="2600" kern="1200" dirty="0" smtClean="0"/>
+            <a:t>Pueden ayudar a visualizar un problema</a:t>
+          </a:r>
+          <a:endParaRPr lang="en-US" sz="2600" kern="1200" dirty="0"/>
+        </a:p>
+        <a:p>
+          <a:pPr marL="228600" lvl="1" indent="-228600" algn="l" defTabSz="1155700">
+            <a:lnSpc>
+              <a:spcPct val="90000"/>
+            </a:lnSpc>
+            <a:spcBef>
+              <a:spcPct val="0"/>
+            </a:spcBef>
+            <a:spcAft>
+              <a:spcPct val="20000"/>
+            </a:spcAft>
+            <a:buChar char="••"/>
+          </a:pPr>
+          <a:r>
+            <a:rPr lang="es-MX" sz="2600" kern="1200" dirty="0" smtClean="0"/>
+            <a:t>Pueden ayudar a priorizar</a:t>
+          </a:r>
+          <a:endParaRPr lang="en-US" sz="2600" kern="1200" dirty="0"/>
+        </a:p>
+      </dsp:txBody>
+      <dsp:txXfrm>
+        <a:off x="0" y="864963"/>
+        <a:ext cx="8128000" cy="1844370"/>
+      </dsp:txXfrm>
+    </dsp:sp>
+    <dsp:sp modelId="{C74A6AA8-8728-4A4B-9943-5D50681CF39E}">
+      <dsp:nvSpPr>
+        <dsp:cNvPr id="0" name=""/>
+        <dsp:cNvSpPr/>
+      </dsp:nvSpPr>
+      <dsp:spPr>
+        <a:xfrm>
+          <a:off x="0" y="2709333"/>
+          <a:ext cx="8128000" cy="848213"/>
+        </a:xfrm>
+        <a:prstGeom prst="roundRect">
+          <a:avLst/>
+        </a:prstGeom>
+        <a:gradFill rotWithShape="0">
+          <a:gsLst>
+            <a:gs pos="0">
+              <a:schemeClr val="accent2">
+                <a:hueOff val="-1455363"/>
+                <a:satOff val="-83928"/>
+                <a:lumOff val="8628"/>
+                <a:alphaOff val="0"/>
+                <a:satMod val="103000"/>
+                <a:lumMod val="102000"/>
+                <a:tint val="94000"/>
+              </a:schemeClr>
+            </a:gs>
+            <a:gs pos="50000">
+              <a:schemeClr val="accent2">
+                <a:hueOff val="-1455363"/>
+                <a:satOff val="-83928"/>
+                <a:lumOff val="8628"/>
+                <a:alphaOff val="0"/>
+                <a:satMod val="110000"/>
+                <a:lumMod val="100000"/>
+                <a:shade val="100000"/>
+              </a:schemeClr>
+            </a:gs>
+            <a:gs pos="100000">
+              <a:schemeClr val="accent2">
+                <a:hueOff val="-1455363"/>
+                <a:satOff val="-83928"/>
+                <a:lumOff val="8628"/>
+                <a:alphaOff val="0"/>
+                <a:lumMod val="99000"/>
+                <a:satMod val="120000"/>
+                <a:shade val="78000"/>
+              </a:schemeClr>
+            </a:gs>
+          </a:gsLst>
+          <a:lin ang="5400000" scaled="0"/>
+        </a:gradFill>
+        <a:ln>
+          <a:noFill/>
+        </a:ln>
+        <a:effectLst/>
+      </dsp:spPr>
+      <dsp:style>
+        <a:lnRef idx="0">
+          <a:scrgbClr r="0" g="0" b="0"/>
+        </a:lnRef>
+        <a:fillRef idx="3">
+          <a:scrgbClr r="0" g="0" b="0"/>
+        </a:fillRef>
+        <a:effectRef idx="2">
+          <a:scrgbClr r="0" g="0" b="0"/>
+        </a:effectRef>
+        <a:fontRef idx="minor">
+          <a:schemeClr val="lt1"/>
+        </a:fontRef>
+      </dsp:style>
+      <dsp:txBody>
+        <a:bodyPr spcFirstLastPara="0" vert="horz" wrap="square" lIns="125730" tIns="125730" rIns="125730" bIns="125730" numCol="1" spcCol="1270" anchor="ctr" anchorCtr="0">
+          <a:noAutofit/>
+        </a:bodyPr>
+        <a:lstStyle/>
+        <a:p>
+          <a:pPr lvl="0" algn="l" defTabSz="1466850">
+            <a:lnSpc>
+              <a:spcPct val="90000"/>
+            </a:lnSpc>
+            <a:spcBef>
+              <a:spcPct val="0"/>
+            </a:spcBef>
+            <a:spcAft>
+              <a:spcPct val="35000"/>
+            </a:spcAft>
+          </a:pPr>
+          <a:r>
+            <a:rPr lang="es-MX" sz="3300" kern="1200" dirty="0" smtClean="0"/>
+            <a:t>Debilidades</a:t>
+          </a:r>
+          <a:endParaRPr lang="en-US" sz="3300" kern="1200" dirty="0"/>
+        </a:p>
+      </dsp:txBody>
+      <dsp:txXfrm>
+        <a:off x="41406" y="2750739"/>
+        <a:ext cx="8045188" cy="765401"/>
+      </dsp:txXfrm>
+    </dsp:sp>
+    <dsp:sp modelId="{38B47B1D-1D19-4C17-9B98-1331F42C73B8}">
+      <dsp:nvSpPr>
+        <dsp:cNvPr id="0" name=""/>
+        <dsp:cNvSpPr/>
+      </dsp:nvSpPr>
+      <dsp:spPr>
+        <a:xfrm>
+          <a:off x="0" y="3557546"/>
+          <a:ext cx="8128000" cy="1844370"/>
+        </a:xfrm>
+        <a:prstGeom prst="rect">
+          <a:avLst/>
+        </a:prstGeom>
+        <a:noFill/>
+        <a:ln>
+          <a:noFill/>
+        </a:ln>
+        <a:effectLst/>
+      </dsp:spPr>
+      <dsp:style>
+        <a:lnRef idx="0">
+          <a:scrgbClr r="0" g="0" b="0"/>
+        </a:lnRef>
+        <a:fillRef idx="0">
+          <a:scrgbClr r="0" g="0" b="0"/>
+        </a:fillRef>
+        <a:effectRef idx="0">
+          <a:scrgbClr r="0" g="0" b="0"/>
+        </a:effectRef>
+        <a:fontRef idx="minor"/>
+      </dsp:style>
+      <dsp:txBody>
+        <a:bodyPr spcFirstLastPara="0" vert="horz" wrap="square" lIns="258064" tIns="41910" rIns="234696" bIns="41910" numCol="1" spcCol="1270" anchor="t" anchorCtr="0">
+          <a:noAutofit/>
+        </a:bodyPr>
+        <a:lstStyle/>
+        <a:p>
+          <a:pPr marL="228600" lvl="1" indent="-228600" algn="l" defTabSz="1155700">
+            <a:lnSpc>
+              <a:spcPct val="90000"/>
+            </a:lnSpc>
+            <a:spcBef>
+              <a:spcPct val="0"/>
+            </a:spcBef>
+            <a:spcAft>
+              <a:spcPct val="20000"/>
+            </a:spcAft>
+            <a:buChar char="••"/>
+          </a:pPr>
+          <a:r>
+            <a:rPr lang="es-MX" sz="2600" kern="1200" dirty="0" smtClean="0"/>
+            <a:t>Los arboles de decisión pueden cambiar extremadamente rápido</a:t>
+          </a:r>
+          <a:endParaRPr lang="en-US" sz="2600" kern="1200" dirty="0"/>
+        </a:p>
+        <a:p>
+          <a:pPr marL="228600" lvl="1" indent="-228600" algn="l" defTabSz="1155700">
+            <a:lnSpc>
+              <a:spcPct val="90000"/>
+            </a:lnSpc>
+            <a:spcBef>
+              <a:spcPct val="0"/>
+            </a:spcBef>
+            <a:spcAft>
+              <a:spcPct val="20000"/>
+            </a:spcAft>
+            <a:buChar char="••"/>
+          </a:pPr>
+          <a:r>
+            <a:rPr lang="es-MX" sz="2600" kern="1200" dirty="0" smtClean="0"/>
+            <a:t>Pueden generar complejidad innecesaria</a:t>
+          </a:r>
+          <a:endParaRPr lang="en-US" sz="2600" kern="1200" dirty="0"/>
+        </a:p>
+        <a:p>
+          <a:pPr marL="228600" lvl="1" indent="-228600" algn="l" defTabSz="1155700">
+            <a:lnSpc>
+              <a:spcPct val="90000"/>
+            </a:lnSpc>
+            <a:spcBef>
+              <a:spcPct val="0"/>
+            </a:spcBef>
+            <a:spcAft>
+              <a:spcPct val="20000"/>
+            </a:spcAft>
+            <a:buChar char="••"/>
+          </a:pPr>
+          <a:r>
+            <a:rPr lang="es-MX" sz="2600" kern="1200" dirty="0" smtClean="0"/>
+            <a:t>Pueden causar parálisis por análisis</a:t>
+          </a:r>
+          <a:endParaRPr lang="en-US" sz="2600" kern="1200" dirty="0"/>
+        </a:p>
+      </dsp:txBody>
+      <dsp:txXfrm>
+        <a:off x="0" y="3557546"/>
+        <a:ext cx="8128000" cy="1844370"/>
+      </dsp:txXfrm>
+    </dsp:sp>
   </dsp:spTree>
 </dsp:drawing>
 </file>
@@ -4075,6 +5376,474 @@
       <dsp:cNvGrpSpPr/>
     </dsp:nvGrpSpPr>
     <dsp:grpSpPr/>
+    <dsp:sp modelId="{52CB32F1-F301-4830-AA07-0F1438D034E5}">
+      <dsp:nvSpPr>
+        <dsp:cNvPr id="0" name=""/>
+        <dsp:cNvSpPr/>
+      </dsp:nvSpPr>
+      <dsp:spPr>
+        <a:xfrm>
+          <a:off x="0" y="920904"/>
+          <a:ext cx="10870642" cy="433117"/>
+        </a:xfrm>
+        <a:prstGeom prst="roundRect">
+          <a:avLst/>
+        </a:prstGeom>
+        <a:gradFill rotWithShape="0">
+          <a:gsLst>
+            <a:gs pos="0">
+              <a:schemeClr val="accent2">
+                <a:hueOff val="0"/>
+                <a:satOff val="0"/>
+                <a:lumOff val="0"/>
+                <a:alphaOff val="0"/>
+                <a:satMod val="103000"/>
+                <a:lumMod val="102000"/>
+                <a:tint val="94000"/>
+              </a:schemeClr>
+            </a:gs>
+            <a:gs pos="50000">
+              <a:schemeClr val="accent2">
+                <a:hueOff val="0"/>
+                <a:satOff val="0"/>
+                <a:lumOff val="0"/>
+                <a:alphaOff val="0"/>
+                <a:satMod val="110000"/>
+                <a:lumMod val="100000"/>
+                <a:shade val="100000"/>
+              </a:schemeClr>
+            </a:gs>
+            <a:gs pos="100000">
+              <a:schemeClr val="accent2">
+                <a:hueOff val="0"/>
+                <a:satOff val="0"/>
+                <a:lumOff val="0"/>
+                <a:alphaOff val="0"/>
+                <a:lumMod val="99000"/>
+                <a:satMod val="120000"/>
+                <a:shade val="78000"/>
+              </a:schemeClr>
+            </a:gs>
+          </a:gsLst>
+          <a:lin ang="5400000" scaled="0"/>
+        </a:gradFill>
+        <a:ln>
+          <a:noFill/>
+        </a:ln>
+        <a:effectLst/>
+      </dsp:spPr>
+      <dsp:style>
+        <a:lnRef idx="0">
+          <a:scrgbClr r="0" g="0" b="0"/>
+        </a:lnRef>
+        <a:fillRef idx="3">
+          <a:scrgbClr r="0" g="0" b="0"/>
+        </a:fillRef>
+        <a:effectRef idx="2">
+          <a:scrgbClr r="0" g="0" b="0"/>
+        </a:effectRef>
+        <a:fontRef idx="minor">
+          <a:schemeClr val="lt1"/>
+        </a:fontRef>
+      </dsp:style>
+      <dsp:txBody>
+        <a:bodyPr spcFirstLastPara="0" vert="horz" wrap="square" lIns="106680" tIns="106680" rIns="106680" bIns="106680" numCol="1" spcCol="1270" anchor="ctr" anchorCtr="0">
+          <a:noAutofit/>
+        </a:bodyPr>
+        <a:lstStyle/>
+        <a:p>
+          <a:pPr lvl="0" algn="l" defTabSz="1244600">
+            <a:lnSpc>
+              <a:spcPct val="90000"/>
+            </a:lnSpc>
+            <a:spcBef>
+              <a:spcPct val="0"/>
+            </a:spcBef>
+            <a:spcAft>
+              <a:spcPct val="35000"/>
+            </a:spcAft>
+          </a:pPr>
+          <a:r>
+            <a:rPr lang="es-MX" sz="2800" kern="1200" dirty="0" smtClean="0"/>
+            <a:t>Ventajas</a:t>
+          </a:r>
+          <a:endParaRPr lang="en-US" sz="2800" kern="1200" dirty="0"/>
+        </a:p>
+      </dsp:txBody>
+      <dsp:txXfrm>
+        <a:off x="21143" y="942047"/>
+        <a:ext cx="10828356" cy="390831"/>
+      </dsp:txXfrm>
+    </dsp:sp>
+    <dsp:sp modelId="{8037761D-9DBE-4967-99F4-2C39C141E6A8}">
+      <dsp:nvSpPr>
+        <dsp:cNvPr id="0" name=""/>
+        <dsp:cNvSpPr/>
+      </dsp:nvSpPr>
+      <dsp:spPr>
+        <a:xfrm>
+          <a:off x="0" y="1354022"/>
+          <a:ext cx="10870642" cy="1689120"/>
+        </a:xfrm>
+        <a:prstGeom prst="rect">
+          <a:avLst/>
+        </a:prstGeom>
+        <a:noFill/>
+        <a:ln>
+          <a:noFill/>
+        </a:ln>
+        <a:effectLst/>
+      </dsp:spPr>
+      <dsp:style>
+        <a:lnRef idx="0">
+          <a:scrgbClr r="0" g="0" b="0"/>
+        </a:lnRef>
+        <a:fillRef idx="0">
+          <a:scrgbClr r="0" g="0" b="0"/>
+        </a:fillRef>
+        <a:effectRef idx="0">
+          <a:scrgbClr r="0" g="0" b="0"/>
+        </a:effectRef>
+        <a:fontRef idx="minor"/>
+      </dsp:style>
+      <dsp:txBody>
+        <a:bodyPr spcFirstLastPara="0" vert="horz" wrap="square" lIns="345143" tIns="16510" rIns="92456" bIns="16510" numCol="1" spcCol="1270" anchor="t" anchorCtr="0">
+          <a:noAutofit/>
+        </a:bodyPr>
+        <a:lstStyle/>
+        <a:p>
+          <a:pPr marL="114300" lvl="1" indent="-114300" algn="l" defTabSz="577850">
+            <a:lnSpc>
+              <a:spcPct val="90000"/>
+            </a:lnSpc>
+            <a:spcBef>
+              <a:spcPct val="0"/>
+            </a:spcBef>
+            <a:spcAft>
+              <a:spcPct val="20000"/>
+            </a:spcAft>
+            <a:buChar char="••"/>
+          </a:pPr>
+          <a:r>
+            <a:rPr lang="es-MX" sz="1300" kern="1200" dirty="0" smtClean="0"/>
+            <a:t>El costo del uso del árbol para predecir los datos disminuye con cada punto de datos adicional.</a:t>
+          </a:r>
+          <a:endParaRPr lang="en-US" sz="1300" kern="1200" dirty="0"/>
+        </a:p>
+        <a:p>
+          <a:pPr marL="114300" lvl="1" indent="-114300" algn="l" defTabSz="577850">
+            <a:lnSpc>
+              <a:spcPct val="90000"/>
+            </a:lnSpc>
+            <a:spcBef>
+              <a:spcPct val="0"/>
+            </a:spcBef>
+            <a:spcAft>
+              <a:spcPct val="20000"/>
+            </a:spcAft>
+            <a:buChar char="••"/>
+          </a:pPr>
+          <a:r>
+            <a:rPr lang="es-MX" sz="1300" kern="1200" dirty="0" smtClean="0"/>
+            <a:t>Funciona para los datos numéricos o categóricos.</a:t>
+          </a:r>
+          <a:endParaRPr lang="en-US" sz="1300" kern="1200" dirty="0"/>
+        </a:p>
+        <a:p>
+          <a:pPr marL="114300" lvl="1" indent="-114300" algn="l" defTabSz="577850">
+            <a:lnSpc>
+              <a:spcPct val="90000"/>
+            </a:lnSpc>
+            <a:spcBef>
+              <a:spcPct val="0"/>
+            </a:spcBef>
+            <a:spcAft>
+              <a:spcPct val="20000"/>
+            </a:spcAft>
+            <a:buChar char="••"/>
+          </a:pPr>
+          <a:r>
+            <a:rPr lang="es-MX" sz="1300" kern="1200" dirty="0" smtClean="0"/>
+            <a:t>Puede modelar problemas con múltiples resultados.</a:t>
+          </a:r>
+          <a:endParaRPr lang="en-US" sz="1300" kern="1200" dirty="0"/>
+        </a:p>
+        <a:p>
+          <a:pPr marL="114300" lvl="1" indent="-114300" algn="l" defTabSz="577850">
+            <a:lnSpc>
+              <a:spcPct val="90000"/>
+            </a:lnSpc>
+            <a:spcBef>
+              <a:spcPct val="0"/>
+            </a:spcBef>
+            <a:spcAft>
+              <a:spcPct val="20000"/>
+            </a:spcAft>
+            <a:buChar char="••"/>
+          </a:pPr>
+          <a:r>
+            <a:rPr lang="es-MX" sz="1300" kern="1200" dirty="0" smtClean="0"/>
+            <a:t>Usa un modelo de caja blanca (lo que hace que los resultados sean fáciles de explicar).</a:t>
+          </a:r>
+          <a:endParaRPr lang="en-US" sz="1300" kern="1200" dirty="0"/>
+        </a:p>
+        <a:p>
+          <a:pPr marL="114300" lvl="1" indent="-114300" algn="l" defTabSz="577850">
+            <a:lnSpc>
+              <a:spcPct val="90000"/>
+            </a:lnSpc>
+            <a:spcBef>
+              <a:spcPct val="0"/>
+            </a:spcBef>
+            <a:spcAft>
+              <a:spcPct val="20000"/>
+            </a:spcAft>
+            <a:buChar char="••"/>
+          </a:pPr>
+          <a:r>
+            <a:rPr lang="es-MX" sz="1300" kern="1200" dirty="0" smtClean="0"/>
+            <a:t>La fiabilidad de un árbol se puede cuantificar y poner a prueba.</a:t>
+          </a:r>
+          <a:endParaRPr lang="en-US" sz="1300" kern="1200" dirty="0"/>
+        </a:p>
+        <a:p>
+          <a:pPr marL="114300" lvl="1" indent="-114300" algn="l" defTabSz="577850">
+            <a:lnSpc>
+              <a:spcPct val="90000"/>
+            </a:lnSpc>
+            <a:spcBef>
+              <a:spcPct val="0"/>
+            </a:spcBef>
+            <a:spcAft>
+              <a:spcPct val="20000"/>
+            </a:spcAft>
+            <a:buChar char="••"/>
+          </a:pPr>
+          <a:r>
+            <a:rPr lang="es-MX" sz="1300" kern="1200" dirty="0" smtClean="0"/>
+            <a:t>Tiende a ser preciso independientemente de si viola las suposiciones de los datos de origen.</a:t>
+          </a:r>
+          <a:endParaRPr lang="en-US" sz="1300" kern="1200" dirty="0"/>
+        </a:p>
+        <a:p>
+          <a:pPr marL="114300" lvl="1" indent="-114300" algn="l" defTabSz="577850">
+            <a:lnSpc>
+              <a:spcPct val="90000"/>
+            </a:lnSpc>
+            <a:spcBef>
+              <a:spcPct val="0"/>
+            </a:spcBef>
+            <a:spcAft>
+              <a:spcPct val="20000"/>
+            </a:spcAft>
+            <a:buChar char="••"/>
+          </a:pPr>
+          <a:endParaRPr lang="en-US" sz="1300" kern="1200" dirty="0"/>
+        </a:p>
+      </dsp:txBody>
+      <dsp:txXfrm>
+        <a:off x="0" y="1354022"/>
+        <a:ext cx="10870642" cy="1689120"/>
+      </dsp:txXfrm>
+    </dsp:sp>
+    <dsp:sp modelId="{C74A6AA8-8728-4A4B-9943-5D50681CF39E}">
+      <dsp:nvSpPr>
+        <dsp:cNvPr id="0" name=""/>
+        <dsp:cNvSpPr/>
+      </dsp:nvSpPr>
+      <dsp:spPr>
+        <a:xfrm>
+          <a:off x="0" y="3043142"/>
+          <a:ext cx="10870642" cy="394779"/>
+        </a:xfrm>
+        <a:prstGeom prst="roundRect">
+          <a:avLst/>
+        </a:prstGeom>
+        <a:gradFill rotWithShape="0">
+          <a:gsLst>
+            <a:gs pos="0">
+              <a:schemeClr val="accent2">
+                <a:hueOff val="-1455363"/>
+                <a:satOff val="-83928"/>
+                <a:lumOff val="8628"/>
+                <a:alphaOff val="0"/>
+                <a:satMod val="103000"/>
+                <a:lumMod val="102000"/>
+                <a:tint val="94000"/>
+              </a:schemeClr>
+            </a:gs>
+            <a:gs pos="50000">
+              <a:schemeClr val="accent2">
+                <a:hueOff val="-1455363"/>
+                <a:satOff val="-83928"/>
+                <a:lumOff val="8628"/>
+                <a:alphaOff val="0"/>
+                <a:satMod val="110000"/>
+                <a:lumMod val="100000"/>
+                <a:shade val="100000"/>
+              </a:schemeClr>
+            </a:gs>
+            <a:gs pos="100000">
+              <a:schemeClr val="accent2">
+                <a:hueOff val="-1455363"/>
+                <a:satOff val="-83928"/>
+                <a:lumOff val="8628"/>
+                <a:alphaOff val="0"/>
+                <a:lumMod val="99000"/>
+                <a:satMod val="120000"/>
+                <a:shade val="78000"/>
+              </a:schemeClr>
+            </a:gs>
+          </a:gsLst>
+          <a:lin ang="5400000" scaled="0"/>
+        </a:gradFill>
+        <a:ln>
+          <a:noFill/>
+        </a:ln>
+        <a:effectLst/>
+      </dsp:spPr>
+      <dsp:style>
+        <a:lnRef idx="0">
+          <a:scrgbClr r="0" g="0" b="0"/>
+        </a:lnRef>
+        <a:fillRef idx="3">
+          <a:scrgbClr r="0" g="0" b="0"/>
+        </a:fillRef>
+        <a:effectRef idx="2">
+          <a:scrgbClr r="0" g="0" b="0"/>
+        </a:effectRef>
+        <a:fontRef idx="minor">
+          <a:schemeClr val="lt1"/>
+        </a:fontRef>
+      </dsp:style>
+      <dsp:txBody>
+        <a:bodyPr spcFirstLastPara="0" vert="horz" wrap="square" lIns="106680" tIns="106680" rIns="106680" bIns="106680" numCol="1" spcCol="1270" anchor="ctr" anchorCtr="0">
+          <a:noAutofit/>
+        </a:bodyPr>
+        <a:lstStyle/>
+        <a:p>
+          <a:pPr lvl="0" algn="l" defTabSz="1244600">
+            <a:lnSpc>
+              <a:spcPct val="90000"/>
+            </a:lnSpc>
+            <a:spcBef>
+              <a:spcPct val="0"/>
+            </a:spcBef>
+            <a:spcAft>
+              <a:spcPct val="35000"/>
+            </a:spcAft>
+          </a:pPr>
+          <a:r>
+            <a:rPr lang="es-MX" sz="2800" kern="1200" dirty="0" smtClean="0"/>
+            <a:t>Desventajas</a:t>
+          </a:r>
+          <a:endParaRPr lang="en-US" sz="2800" kern="1200" dirty="0"/>
+        </a:p>
+      </dsp:txBody>
+      <dsp:txXfrm>
+        <a:off x="19272" y="3062414"/>
+        <a:ext cx="10832098" cy="356235"/>
+      </dsp:txXfrm>
+    </dsp:sp>
+    <dsp:sp modelId="{38B47B1D-1D19-4C17-9B98-1331F42C73B8}">
+      <dsp:nvSpPr>
+        <dsp:cNvPr id="0" name=""/>
+        <dsp:cNvSpPr/>
+      </dsp:nvSpPr>
+      <dsp:spPr>
+        <a:xfrm>
+          <a:off x="0" y="3437922"/>
+          <a:ext cx="10870642" cy="1059840"/>
+        </a:xfrm>
+        <a:prstGeom prst="rect">
+          <a:avLst/>
+        </a:prstGeom>
+        <a:noFill/>
+        <a:ln>
+          <a:noFill/>
+        </a:ln>
+        <a:effectLst/>
+      </dsp:spPr>
+      <dsp:style>
+        <a:lnRef idx="0">
+          <a:scrgbClr r="0" g="0" b="0"/>
+        </a:lnRef>
+        <a:fillRef idx="0">
+          <a:scrgbClr r="0" g="0" b="0"/>
+        </a:fillRef>
+        <a:effectRef idx="0">
+          <a:scrgbClr r="0" g="0" b="0"/>
+        </a:effectRef>
+        <a:fontRef idx="minor"/>
+      </dsp:style>
+      <dsp:txBody>
+        <a:bodyPr spcFirstLastPara="0" vert="horz" wrap="square" lIns="345143" tIns="16510" rIns="92456" bIns="16510" numCol="1" spcCol="1270" anchor="t" anchorCtr="0">
+          <a:noAutofit/>
+        </a:bodyPr>
+        <a:lstStyle/>
+        <a:p>
+          <a:pPr marL="114300" lvl="1" indent="-114300" algn="l" defTabSz="577850">
+            <a:lnSpc>
+              <a:spcPct val="90000"/>
+            </a:lnSpc>
+            <a:spcBef>
+              <a:spcPct val="0"/>
+            </a:spcBef>
+            <a:spcAft>
+              <a:spcPct val="20000"/>
+            </a:spcAft>
+            <a:buChar char="••"/>
+          </a:pPr>
+          <a:r>
+            <a:rPr lang="es-MX" sz="1300" kern="1200" dirty="0" smtClean="0"/>
+            <a:t>Cuando se presentan datos categóricos con múltiples niveles, la información obtenida se inclina a favor de los atributos con mayoría de niveles.</a:t>
+          </a:r>
+          <a:endParaRPr lang="en-US" sz="1300" kern="1200" dirty="0"/>
+        </a:p>
+        <a:p>
+          <a:pPr marL="114300" lvl="1" indent="-114300" algn="l" defTabSz="577850">
+            <a:lnSpc>
+              <a:spcPct val="90000"/>
+            </a:lnSpc>
+            <a:spcBef>
+              <a:spcPct val="0"/>
+            </a:spcBef>
+            <a:spcAft>
+              <a:spcPct val="20000"/>
+            </a:spcAft>
+            <a:buChar char="••"/>
+          </a:pPr>
+          <a:r>
+            <a:rPr lang="es-MX" sz="1300" kern="1200" dirty="0" smtClean="0"/>
+            <a:t>Los cálculos pueden volverse complejos al lidiar con la falta de certezas y numerosos resultados relacionados.</a:t>
+          </a:r>
+          <a:endParaRPr lang="en-US" sz="1300" kern="1200" dirty="0"/>
+        </a:p>
+        <a:p>
+          <a:pPr marL="114300" lvl="1" indent="-114300" algn="l" defTabSz="577850">
+            <a:lnSpc>
+              <a:spcPct val="90000"/>
+            </a:lnSpc>
+            <a:spcBef>
+              <a:spcPct val="0"/>
+            </a:spcBef>
+            <a:spcAft>
+              <a:spcPct val="20000"/>
+            </a:spcAft>
+            <a:buChar char="••"/>
+          </a:pPr>
+          <a:r>
+            <a:rPr lang="es-MX" sz="1300" kern="1200" dirty="0" smtClean="0"/>
+            <a:t>Las conjunciones entre nodos se limitan a AND, mientras que los gráficos de decisión admiten nódulos relacionados mediante OR.</a:t>
+          </a:r>
+          <a:endParaRPr lang="en-US" sz="1300" kern="1200" dirty="0"/>
+        </a:p>
+      </dsp:txBody>
+      <dsp:txXfrm>
+        <a:off x="0" y="3437922"/>
+        <a:ext cx="10870642" cy="1059840"/>
+      </dsp:txXfrm>
+    </dsp:sp>
   </dsp:spTree>
 </dsp:drawing>
 </file>
@@ -7915,7 +9684,7 @@
           <a:p>
             <a:fld id="{EC13577B-6902-467D-A26C-08A0DD5E4E03}" type="datetimeFigureOut">
               <a:rPr lang="en-US" smtClean="0"/>
-              <a:t>2/22/2019</a:t>
+              <a:t>2/28/2019</a:t>
             </a:fld>
             <a:endParaRPr lang="en-US"/>
           </a:p>
@@ -8727,7 +10496,7 @@
           <a:p>
             <a:fld id="{8BEEBAAA-29B5-4AF5-BC5F-7E580C29002D}" type="datetimeFigureOut">
               <a:rPr lang="en-US" smtClean="0"/>
-              <a:t>2/22/2019</a:t>
+              <a:t>2/28/2019</a:t>
             </a:fld>
             <a:endParaRPr lang="en-US"/>
           </a:p>
@@ -9004,7 +10773,7 @@
           <a:p>
             <a:fld id="{8BEEBAAA-29B5-4AF5-BC5F-7E580C29002D}" type="datetimeFigureOut">
               <a:rPr lang="en-US" smtClean="0"/>
-              <a:t>2/22/2019</a:t>
+              <a:t>2/28/2019</a:t>
             </a:fld>
             <a:endParaRPr lang="en-US"/>
           </a:p>
@@ -9286,7 +11055,7 @@
           <a:p>
             <a:fld id="{8BEEBAAA-29B5-4AF5-BC5F-7E580C29002D}" type="datetimeFigureOut">
               <a:rPr lang="en-US" smtClean="0"/>
-              <a:t>2/22/2019</a:t>
+              <a:t>2/28/2019</a:t>
             </a:fld>
             <a:endParaRPr lang="en-US"/>
           </a:p>
@@ -9647,7 +11416,7 @@
           <a:p>
             <a:fld id="{8BEEBAAA-29B5-4AF5-BC5F-7E580C29002D}" type="datetimeFigureOut">
               <a:rPr lang="en-US" smtClean="0"/>
-              <a:t>2/22/2019</a:t>
+              <a:t>2/28/2019</a:t>
             </a:fld>
             <a:endParaRPr lang="en-US"/>
           </a:p>
@@ -9947,7 +11716,7 @@
           <a:p>
             <a:fld id="{8BEEBAAA-29B5-4AF5-BC5F-7E580C29002D}" type="datetimeFigureOut">
               <a:rPr lang="en-US" smtClean="0"/>
-              <a:t>2/22/2019</a:t>
+              <a:t>2/28/2019</a:t>
             </a:fld>
             <a:endParaRPr lang="en-US"/>
           </a:p>
@@ -10462,7 +12231,7 @@
           <a:p>
             <a:fld id="{8BEEBAAA-29B5-4AF5-BC5F-7E580C29002D}" type="datetimeFigureOut">
               <a:rPr lang="en-US" smtClean="0"/>
-              <a:t>2/22/2019</a:t>
+              <a:t>2/28/2019</a:t>
             </a:fld>
             <a:endParaRPr lang="en-US"/>
           </a:p>
@@ -11107,7 +12876,7 @@
           <a:p>
             <a:fld id="{8BEEBAAA-29B5-4AF5-BC5F-7E580C29002D}" type="datetimeFigureOut">
               <a:rPr lang="en-US" smtClean="0"/>
-              <a:t>2/22/2019</a:t>
+              <a:t>2/28/2019</a:t>
             </a:fld>
             <a:endParaRPr lang="en-US"/>
           </a:p>
@@ -11332,7 +13101,7 @@
           <a:p>
             <a:fld id="{8BEEBAAA-29B5-4AF5-BC5F-7E580C29002D}" type="datetimeFigureOut">
               <a:rPr lang="en-US" smtClean="0"/>
-              <a:t>2/22/2019</a:t>
+              <a:t>2/28/2019</a:t>
             </a:fld>
             <a:endParaRPr lang="en-US"/>
           </a:p>
@@ -11473,7 +13242,7 @@
           <a:p>
             <a:fld id="{8BEEBAAA-29B5-4AF5-BC5F-7E580C29002D}" type="datetimeFigureOut">
               <a:rPr lang="en-US" smtClean="0"/>
-              <a:t>2/22/2019</a:t>
+              <a:t>2/28/2019</a:t>
             </a:fld>
             <a:endParaRPr lang="en-US"/>
           </a:p>
@@ -11810,7 +13579,7 @@
           <a:p>
             <a:fld id="{8BEEBAAA-29B5-4AF5-BC5F-7E580C29002D}" type="datetimeFigureOut">
               <a:rPr lang="en-US" smtClean="0"/>
-              <a:t>2/22/2019</a:t>
+              <a:t>2/28/2019</a:t>
             </a:fld>
             <a:endParaRPr lang="en-US"/>
           </a:p>
@@ -12067,7 +13836,7 @@
           <a:p>
             <a:fld id="{8BEEBAAA-29B5-4AF5-BC5F-7E580C29002D}" type="datetimeFigureOut">
               <a:rPr lang="en-US" smtClean="0"/>
-              <a:t>2/22/2019</a:t>
+              <a:t>2/28/2019</a:t>
             </a:fld>
             <a:endParaRPr lang="en-US"/>
           </a:p>
@@ -12280,7 +14049,7 @@
           <a:p>
             <a:fld id="{8BEEBAAA-29B5-4AF5-BC5F-7E580C29002D}" type="datetimeFigureOut">
               <a:rPr lang="en-US" smtClean="0"/>
-              <a:t>2/22/2019</a:t>
+              <a:t>2/28/2019</a:t>
             </a:fld>
             <a:endParaRPr lang="en-US"/>
           </a:p>
@@ -15167,7 +16936,7 @@
           <a:graphicData uri="http://schemas.openxmlformats.org/presentationml/2006/ole">
             <mc:AlternateContent xmlns:mc="http://schemas.openxmlformats.org/markup-compatibility/2006">
               <mc:Choice xmlns:v="urn:schemas-microsoft-com:vml" Requires="v">
-                <p:oleObj spid="_x0000_s1095" name="Ecuación" r:id="rId3" imgW="1777229" imgH="393529" progId="Equation.3">
+                <p:oleObj spid="_x0000_s1105" name="Ecuación" r:id="rId3" imgW="1777229" imgH="393529" progId="Equation.3">
                   <p:embed/>
                 </p:oleObj>
               </mc:Choice>
@@ -15306,7 +17075,7 @@
           <a:graphicData uri="http://schemas.openxmlformats.org/presentationml/2006/ole">
             <mc:AlternateContent xmlns:mc="http://schemas.openxmlformats.org/markup-compatibility/2006">
               <mc:Choice xmlns:v="urn:schemas-microsoft-com:vml" Requires="v">
-                <p:oleObj spid="_x0000_s1096" name="Ecuación" r:id="rId5" imgW="1841500" imgH="393700" progId="Equation.3">
+                <p:oleObj spid="_x0000_s1106" name="Ecuación" r:id="rId5" imgW="1841500" imgH="393700" progId="Equation.3">
                   <p:embed/>
                 </p:oleObj>
               </mc:Choice>
@@ -15527,7 +17296,7 @@
           <a:graphicData uri="http://schemas.openxmlformats.org/presentationml/2006/ole">
             <mc:AlternateContent xmlns:mc="http://schemas.openxmlformats.org/markup-compatibility/2006">
               <mc:Choice xmlns:v="urn:schemas-microsoft-com:vml" Requires="v">
-                <p:oleObj spid="_x0000_s1097" name="Ecuación" r:id="rId7" imgW="1345616" imgH="393529" progId="Equation.3">
+                <p:oleObj spid="_x0000_s1107" name="Ecuación" r:id="rId7" imgW="1345616" imgH="393529" progId="Equation.3">
                   <p:embed/>
                 </p:oleObj>
               </mc:Choice>
@@ -15666,7 +17435,7 @@
           <a:graphicData uri="http://schemas.openxmlformats.org/presentationml/2006/ole">
             <mc:AlternateContent xmlns:mc="http://schemas.openxmlformats.org/markup-compatibility/2006">
               <mc:Choice xmlns:v="urn:schemas-microsoft-com:vml" Requires="v">
-                <p:oleObj spid="_x0000_s1098" name="Ecuación" r:id="rId9" imgW="1193800" imgH="393700" progId="Equation.3">
+                <p:oleObj spid="_x0000_s1108" name="Ecuación" r:id="rId9" imgW="1193800" imgH="393700" progId="Equation.3">
                   <p:embed/>
                 </p:oleObj>
               </mc:Choice>
@@ -15805,7 +17574,7 @@
           <a:graphicData uri="http://schemas.openxmlformats.org/presentationml/2006/ole">
             <mc:AlternateContent xmlns:mc="http://schemas.openxmlformats.org/markup-compatibility/2006">
               <mc:Choice xmlns:v="urn:schemas-microsoft-com:vml" Requires="v">
-                <p:oleObj spid="_x0000_s1099" name="Ecuación" r:id="rId11" imgW="2209800" imgH="393700" progId="Equation.3">
+                <p:oleObj spid="_x0000_s1109" name="Ecuación" r:id="rId11" imgW="2209800" imgH="393700" progId="Equation.3">
                   <p:embed/>
                 </p:oleObj>
               </mc:Choice>
